--- a/Oral Presentation/Backup/wuwnet17_v1(4：3).pptx
+++ b/Oral Presentation/Backup/wuwnet17_v1(4：3).pptx
@@ -214,7 +214,7 @@
           <a:p>
             <a:fld id="{06EFA2E8-0B0F-4409-AA51-382769A1778C}" type="datetimeFigureOut">
               <a:rPr lang="zh-CN" altLang="en-US" smtClean="0"/>
-              <a:t>2017/11/3</a:t>
+              <a:t>2017/11/4</a:t>
             </a:fld>
             <a:endParaRPr lang="zh-CN" altLang="en-US"/>
           </a:p>
@@ -526,7 +526,47 @@
           <a:bodyPr/>
           <a:lstStyle/>
           <a:p>
-            <a:endParaRPr lang="zh-CN" altLang="en-US"/>
+            <a:pPr marL="0" marR="0" lvl="0" indent="0" algn="l" defTabSz="914400" rtl="0" eaLnBrk="1" fontAlgn="auto" latinLnBrk="0" hangingPunct="1">
+              <a:lnSpc>
+                <a:spcPct val="100000"/>
+              </a:lnSpc>
+              <a:spcBef>
+                <a:spcPts val="0"/>
+              </a:spcBef>
+              <a:spcAft>
+                <a:spcPts val="0"/>
+              </a:spcAft>
+              <a:buClrTx/>
+              <a:buSzTx/>
+              <a:buFontTx/>
+              <a:buNone/>
+              <a:tabLst/>
+              <a:defRPr/>
+            </a:pPr>
+            <a:r>
+              <a:rPr lang="en-US" altLang="zh-CN" sz="1200" kern="1200" dirty="0" smtClean="0">
+                <a:solidFill>
+                  <a:schemeClr val="tx1"/>
+                </a:solidFill>
+                <a:effectLst/>
+                <a:latin typeface="+mn-lt"/>
+                <a:ea typeface="+mn-ea"/>
+                <a:cs typeface="+mn-cs"/>
+              </a:rPr>
+              <a:t>Good morning, everyone. I’m glad to make this presentation. My name is Shougui Cai, from Zhejiang University, China, and the co-author is Professor Wen Xu. The title of our paper is “Matched-field source localization using sparsely-coded neural network and data-model mixed training”.</a:t>
+            </a:r>
+            <a:endParaRPr lang="zh-CN" altLang="zh-CN" sz="1200" kern="1200" dirty="0" smtClean="0">
+              <a:solidFill>
+                <a:schemeClr val="tx1"/>
+              </a:solidFill>
+              <a:effectLst/>
+              <a:latin typeface="+mn-lt"/>
+              <a:ea typeface="+mn-ea"/>
+              <a:cs typeface="+mn-cs"/>
+            </a:endParaRPr>
+          </a:p>
+          <a:p>
+            <a:endParaRPr lang="zh-CN" altLang="en-US" dirty="0"/>
           </a:p>
         </p:txBody>
       </p:sp>
@@ -547,7 +587,7 @@
           <a:p>
             <a:fld id="{907F34D5-E4BE-4E94-974F-96F8937DECE5}" type="slidenum">
               <a:rPr lang="zh-CN" altLang="en-US" smtClean="0"/>
-              <a:t>4</a:t>
+              <a:t>1</a:t>
             </a:fld>
             <a:endParaRPr lang="zh-CN" altLang="en-US"/>
           </a:p>
@@ -556,7 +596,7 @@
     </p:spTree>
     <p:extLst>
       <p:ext uri="{BB962C8B-B14F-4D97-AF65-F5344CB8AC3E}">
-        <p14:creationId xmlns:p14="http://schemas.microsoft.com/office/powerpoint/2010/main" val="944769038"/>
+        <p14:creationId xmlns:p14="http://schemas.microsoft.com/office/powerpoint/2010/main" val="3043386617"/>
       </p:ext>
     </p:extLst>
   </p:cSld>
@@ -610,9 +650,46 @@
           <a:bodyPr/>
           <a:lstStyle/>
           <a:p>
-            <a:pPr marL="0" indent="0">
+            <a:pPr marL="0" marR="0" lvl="0" indent="0" algn="l" defTabSz="914400" rtl="0" eaLnBrk="1" fontAlgn="auto" latinLnBrk="0" hangingPunct="1">
+              <a:lnSpc>
+                <a:spcPct val="100000"/>
+              </a:lnSpc>
+              <a:spcBef>
+                <a:spcPts val="0"/>
+              </a:spcBef>
+              <a:spcAft>
+                <a:spcPts val="0"/>
+              </a:spcAft>
+              <a:buClrTx/>
+              <a:buSzTx/>
+              <a:buFontTx/>
               <a:buNone/>
+              <a:tabLst/>
+              <a:defRPr/>
             </a:pPr>
+            <a:r>
+              <a:rPr lang="en-US" altLang="zh-CN" sz="1200" kern="1200" dirty="0" smtClean="0">
+                <a:solidFill>
+                  <a:schemeClr val="tx1"/>
+                </a:solidFill>
+                <a:effectLst/>
+                <a:latin typeface="+mn-lt"/>
+                <a:ea typeface="+mn-ea"/>
+                <a:cs typeface="+mn-cs"/>
+              </a:rPr>
+              <a:t>This is more obvious when it comes to the comparison of absolute mean error. It can be said that, the learned SCFNN works well on source localization and performs better than the Bartlett processor.</a:t>
+            </a:r>
+            <a:endParaRPr lang="zh-CN" altLang="zh-CN" sz="1200" kern="1200" dirty="0" smtClean="0">
+              <a:solidFill>
+                <a:schemeClr val="tx1"/>
+              </a:solidFill>
+              <a:effectLst/>
+              <a:latin typeface="+mn-lt"/>
+              <a:ea typeface="+mn-ea"/>
+              <a:cs typeface="+mn-cs"/>
+            </a:endParaRPr>
+          </a:p>
+          <a:p>
             <a:endParaRPr lang="zh-CN" altLang="en-US" dirty="0"/>
           </a:p>
         </p:txBody>
@@ -634,6 +711,1440 @@
           <a:p>
             <a:fld id="{907F34D5-E4BE-4E94-974F-96F8937DECE5}" type="slidenum">
               <a:rPr lang="zh-CN" altLang="en-US" smtClean="0"/>
+              <a:t>10</a:t>
+            </a:fld>
+            <a:endParaRPr lang="zh-CN" altLang="en-US"/>
+          </a:p>
+        </p:txBody>
+      </p:sp>
+    </p:spTree>
+    <p:extLst>
+      <p:ext uri="{BB962C8B-B14F-4D97-AF65-F5344CB8AC3E}">
+        <p14:creationId xmlns:p14="http://schemas.microsoft.com/office/powerpoint/2010/main" val="688125528"/>
+      </p:ext>
+    </p:extLst>
+  </p:cSld>
+  <p:clrMapOvr>
+    <a:masterClrMapping/>
+  </p:clrMapOvr>
+</p:notes>
+</file>
+
+<file path=ppt/notesSlides/notesSlide11.xml><?xml version="1.0" encoding="utf-8"?>
+<p:notes xmlns:a="http://schemas.openxmlformats.org/drawingml/2006/main" xmlns:r="http://schemas.openxmlformats.org/officeDocument/2006/relationships" xmlns:p="http://schemas.openxmlformats.org/presentationml/2006/main">
+  <p:cSld>
+    <p:spTree>
+      <p:nvGrpSpPr>
+        <p:cNvPr id="1" name=""/>
+        <p:cNvGrpSpPr/>
+        <p:nvPr/>
+      </p:nvGrpSpPr>
+      <p:grpSpPr>
+        <a:xfrm>
+          <a:off x="0" y="0"/>
+          <a:ext cx="0" cy="0"/>
+          <a:chOff x="0" y="0"/>
+          <a:chExt cx="0" cy="0"/>
+        </a:xfrm>
+      </p:grpSpPr>
+      <p:sp>
+        <p:nvSpPr>
+          <p:cNvPr id="2" name="幻灯片图像占位符 1"/>
+          <p:cNvSpPr>
+            <a:spLocks noGrp="1" noRot="1" noChangeAspect="1"/>
+          </p:cNvSpPr>
+          <p:nvPr>
+            <p:ph type="sldImg"/>
+          </p:nvPr>
+        </p:nvSpPr>
+        <p:spPr/>
+      </p:sp>
+      <p:sp>
+        <p:nvSpPr>
+          <p:cNvPr id="3" name="备注占位符 2"/>
+          <p:cNvSpPr>
+            <a:spLocks noGrp="1"/>
+          </p:cNvSpPr>
+          <p:nvPr>
+            <p:ph type="body" idx="1"/>
+          </p:nvPr>
+        </p:nvSpPr>
+        <p:spPr/>
+        <p:txBody>
+          <a:bodyPr/>
+          <a:lstStyle/>
+          <a:p>
+            <a:r>
+              <a:rPr lang="en-US" altLang="zh-CN" sz="1200" kern="1200" dirty="0" smtClean="0">
+                <a:solidFill>
+                  <a:schemeClr val="tx1"/>
+                </a:solidFill>
+                <a:effectLst/>
+                <a:latin typeface="+mn-lt"/>
+                <a:ea typeface="+mn-ea"/>
+                <a:cs typeface="+mn-cs"/>
+              </a:rPr>
+              <a:t>ere two diﬀerent degrees of error (a large one and a light one) in the knowledge of the sound-speed profile are chosen to investigate how the SSP mismatch influence the model performance.</a:t>
+            </a:r>
+            <a:endParaRPr lang="zh-CN" altLang="zh-CN" sz="1200" kern="1200" dirty="0" smtClean="0">
+              <a:solidFill>
+                <a:schemeClr val="tx1"/>
+              </a:solidFill>
+              <a:effectLst/>
+              <a:latin typeface="+mn-lt"/>
+              <a:ea typeface="+mn-ea"/>
+              <a:cs typeface="+mn-cs"/>
+            </a:endParaRPr>
+          </a:p>
+          <a:p>
+            <a:r>
+              <a:rPr lang="en-US" altLang="zh-CN" sz="1200" b="1" kern="1200" dirty="0" smtClean="0">
+                <a:solidFill>
+                  <a:schemeClr val="tx1"/>
+                </a:solidFill>
+                <a:effectLst/>
+                <a:latin typeface="+mn-lt"/>
+                <a:ea typeface="+mn-ea"/>
+                <a:cs typeface="+mn-cs"/>
+              </a:rPr>
+              <a:t> </a:t>
+            </a:r>
+            <a:endParaRPr lang="zh-CN" altLang="zh-CN" sz="1200" kern="1200" dirty="0" smtClean="0">
+              <a:solidFill>
+                <a:schemeClr val="tx1"/>
+              </a:solidFill>
+              <a:effectLst/>
+              <a:latin typeface="+mn-lt"/>
+              <a:ea typeface="+mn-ea"/>
+              <a:cs typeface="+mn-cs"/>
+            </a:endParaRPr>
+          </a:p>
+          <a:p>
+            <a:r>
+              <a:rPr lang="en-US" altLang="zh-CN" sz="1200" kern="1200" dirty="0" smtClean="0">
+                <a:solidFill>
+                  <a:schemeClr val="tx1"/>
+                </a:solidFill>
+                <a:effectLst/>
+                <a:latin typeface="+mn-lt"/>
+                <a:ea typeface="+mn-ea"/>
+                <a:cs typeface="+mn-cs"/>
+              </a:rPr>
+              <a:t>The optimized one is the best SSP model for real environment of SWellEx-96 experiment, while, i906 has significant change in shape from the optimized, while the change in the i905 is slight. The i906* is slightly changed from i906, for the sake of testing.</a:t>
+            </a:r>
+            <a:endParaRPr lang="zh-CN" altLang="zh-CN" sz="1200" kern="1200" dirty="0" smtClean="0">
+              <a:solidFill>
+                <a:schemeClr val="tx1"/>
+              </a:solidFill>
+              <a:effectLst/>
+              <a:latin typeface="+mn-lt"/>
+              <a:ea typeface="+mn-ea"/>
+              <a:cs typeface="+mn-cs"/>
+            </a:endParaRPr>
+          </a:p>
+          <a:p>
+            <a:endParaRPr lang="zh-CN" altLang="en-US" dirty="0"/>
+          </a:p>
+        </p:txBody>
+      </p:sp>
+      <p:sp>
+        <p:nvSpPr>
+          <p:cNvPr id="4" name="灯片编号占位符 3"/>
+          <p:cNvSpPr>
+            <a:spLocks noGrp="1"/>
+          </p:cNvSpPr>
+          <p:nvPr>
+            <p:ph type="sldNum" sz="quarter" idx="10"/>
+          </p:nvPr>
+        </p:nvSpPr>
+        <p:spPr/>
+        <p:txBody>
+          <a:bodyPr/>
+          <a:lstStyle/>
+          <a:p>
+            <a:fld id="{907F34D5-E4BE-4E94-974F-96F8937DECE5}" type="slidenum">
+              <a:rPr lang="zh-CN" altLang="en-US" smtClean="0"/>
+              <a:t>11</a:t>
+            </a:fld>
+            <a:endParaRPr lang="zh-CN" altLang="en-US"/>
+          </a:p>
+        </p:txBody>
+      </p:sp>
+    </p:spTree>
+    <p:extLst>
+      <p:ext uri="{BB962C8B-B14F-4D97-AF65-F5344CB8AC3E}">
+        <p14:creationId xmlns:p14="http://schemas.microsoft.com/office/powerpoint/2010/main" val="3579749719"/>
+      </p:ext>
+    </p:extLst>
+  </p:cSld>
+  <p:clrMapOvr>
+    <a:masterClrMapping/>
+  </p:clrMapOvr>
+</p:notes>
+</file>
+
+<file path=ppt/notesSlides/notesSlide12.xml><?xml version="1.0" encoding="utf-8"?>
+<p:notes xmlns:a="http://schemas.openxmlformats.org/drawingml/2006/main" xmlns:r="http://schemas.openxmlformats.org/officeDocument/2006/relationships" xmlns:p="http://schemas.openxmlformats.org/presentationml/2006/main">
+  <p:cSld>
+    <p:spTree>
+      <p:nvGrpSpPr>
+        <p:cNvPr id="1" name=""/>
+        <p:cNvGrpSpPr/>
+        <p:nvPr/>
+      </p:nvGrpSpPr>
+      <p:grpSpPr>
+        <a:xfrm>
+          <a:off x="0" y="0"/>
+          <a:ext cx="0" cy="0"/>
+          <a:chOff x="0" y="0"/>
+          <a:chExt cx="0" cy="0"/>
+        </a:xfrm>
+      </p:grpSpPr>
+      <p:sp>
+        <p:nvSpPr>
+          <p:cNvPr id="2" name="幻灯片图像占位符 1"/>
+          <p:cNvSpPr>
+            <a:spLocks noGrp="1" noRot="1" noChangeAspect="1"/>
+          </p:cNvSpPr>
+          <p:nvPr>
+            <p:ph type="sldImg"/>
+          </p:nvPr>
+        </p:nvSpPr>
+        <p:spPr/>
+      </p:sp>
+      <p:sp>
+        <p:nvSpPr>
+          <p:cNvPr id="3" name="备注占位符 2"/>
+          <p:cNvSpPr>
+            <a:spLocks noGrp="1"/>
+          </p:cNvSpPr>
+          <p:nvPr>
+            <p:ph type="body" idx="1"/>
+          </p:nvPr>
+        </p:nvSpPr>
+        <p:spPr/>
+        <p:txBody>
+          <a:bodyPr/>
+          <a:lstStyle/>
+          <a:p>
+            <a:r>
+              <a:rPr lang="en-US" altLang="zh-CN" sz="1200" kern="1200" dirty="0" smtClean="0">
+                <a:solidFill>
+                  <a:schemeClr val="tx1"/>
+                </a:solidFill>
+                <a:effectLst/>
+                <a:latin typeface="+mn-lt"/>
+                <a:ea typeface="+mn-ea"/>
+                <a:cs typeface="+mn-cs"/>
+              </a:rPr>
+              <a:t>The performance curves for SCFNN, Bartlett and MCE vs SNR are plotted by 1000 time Monte Carlo simulations. In the Fig., the legend ‘FNN, i905’ means that, the corresponding method is FNN and the test data is from i905 environment, rests are similar. The snapshot number here is 10.</a:t>
+            </a:r>
+            <a:endParaRPr lang="zh-CN" altLang="zh-CN" sz="1200" kern="1200" dirty="0" smtClean="0">
+              <a:solidFill>
+                <a:schemeClr val="tx1"/>
+              </a:solidFill>
+              <a:effectLst/>
+              <a:latin typeface="+mn-lt"/>
+              <a:ea typeface="+mn-ea"/>
+              <a:cs typeface="+mn-cs"/>
+            </a:endParaRPr>
+          </a:p>
+          <a:p>
+            <a:r>
+              <a:rPr lang="en-US" altLang="zh-CN" sz="1200" kern="1200" dirty="0" smtClean="0">
+                <a:solidFill>
+                  <a:schemeClr val="tx1"/>
+                </a:solidFill>
+                <a:effectLst/>
+                <a:latin typeface="+mn-lt"/>
+                <a:ea typeface="+mn-ea"/>
+                <a:cs typeface="+mn-cs"/>
+              </a:rPr>
+              <a:t> </a:t>
+            </a:r>
+            <a:endParaRPr lang="zh-CN" altLang="zh-CN" sz="1200" kern="1200" dirty="0" smtClean="0">
+              <a:solidFill>
+                <a:schemeClr val="tx1"/>
+              </a:solidFill>
+              <a:effectLst/>
+              <a:latin typeface="+mn-lt"/>
+              <a:ea typeface="+mn-ea"/>
+              <a:cs typeface="+mn-cs"/>
+            </a:endParaRPr>
+          </a:p>
+          <a:p>
+            <a:r>
+              <a:rPr lang="en-US" altLang="zh-CN" sz="1200" kern="1200" dirty="0" smtClean="0">
+                <a:solidFill>
+                  <a:schemeClr val="tx1"/>
+                </a:solidFill>
+                <a:effectLst/>
+                <a:latin typeface="+mn-lt"/>
+                <a:ea typeface="+mn-ea"/>
+                <a:cs typeface="+mn-cs"/>
+              </a:rPr>
+              <a:t>Results show that when the change in SSP is relatively slight, SCFNN positions best, followed by MCE and Bartlett worst.</a:t>
+            </a:r>
+            <a:endParaRPr lang="zh-CN" altLang="zh-CN" sz="1200" kern="1200" dirty="0" smtClean="0">
+              <a:solidFill>
+                <a:schemeClr val="tx1"/>
+              </a:solidFill>
+              <a:effectLst/>
+              <a:latin typeface="+mn-lt"/>
+              <a:ea typeface="+mn-ea"/>
+              <a:cs typeface="+mn-cs"/>
+            </a:endParaRPr>
+          </a:p>
+          <a:p>
+            <a:pPr marL="228600" indent="-228600">
+              <a:buAutoNum type="arabicPeriod"/>
+            </a:pPr>
+            <a:endParaRPr lang="zh-CN" altLang="en-US" dirty="0"/>
+          </a:p>
+        </p:txBody>
+      </p:sp>
+      <p:sp>
+        <p:nvSpPr>
+          <p:cNvPr id="4" name="灯片编号占位符 3"/>
+          <p:cNvSpPr>
+            <a:spLocks noGrp="1"/>
+          </p:cNvSpPr>
+          <p:nvPr>
+            <p:ph type="sldNum" sz="quarter" idx="10"/>
+          </p:nvPr>
+        </p:nvSpPr>
+        <p:spPr/>
+        <p:txBody>
+          <a:bodyPr/>
+          <a:lstStyle/>
+          <a:p>
+            <a:fld id="{907F34D5-E4BE-4E94-974F-96F8937DECE5}" type="slidenum">
+              <a:rPr lang="zh-CN" altLang="en-US" smtClean="0"/>
+              <a:t>12</a:t>
+            </a:fld>
+            <a:endParaRPr lang="zh-CN" altLang="en-US"/>
+          </a:p>
+        </p:txBody>
+      </p:sp>
+    </p:spTree>
+    <p:extLst>
+      <p:ext uri="{BB962C8B-B14F-4D97-AF65-F5344CB8AC3E}">
+        <p14:creationId xmlns:p14="http://schemas.microsoft.com/office/powerpoint/2010/main" val="2368178604"/>
+      </p:ext>
+    </p:extLst>
+  </p:cSld>
+  <p:clrMapOvr>
+    <a:masterClrMapping/>
+  </p:clrMapOvr>
+</p:notes>
+</file>
+
+<file path=ppt/notesSlides/notesSlide13.xml><?xml version="1.0" encoding="utf-8"?>
+<p:notes xmlns:a="http://schemas.openxmlformats.org/drawingml/2006/main" xmlns:r="http://schemas.openxmlformats.org/officeDocument/2006/relationships" xmlns:p="http://schemas.openxmlformats.org/presentationml/2006/main">
+  <p:cSld>
+    <p:spTree>
+      <p:nvGrpSpPr>
+        <p:cNvPr id="1" name=""/>
+        <p:cNvGrpSpPr/>
+        <p:nvPr/>
+      </p:nvGrpSpPr>
+      <p:grpSpPr>
+        <a:xfrm>
+          <a:off x="0" y="0"/>
+          <a:ext cx="0" cy="0"/>
+          <a:chOff x="0" y="0"/>
+          <a:chExt cx="0" cy="0"/>
+        </a:xfrm>
+      </p:grpSpPr>
+      <p:sp>
+        <p:nvSpPr>
+          <p:cNvPr id="2" name="幻灯片图像占位符 1"/>
+          <p:cNvSpPr>
+            <a:spLocks noGrp="1" noRot="1" noChangeAspect="1"/>
+          </p:cNvSpPr>
+          <p:nvPr>
+            <p:ph type="sldImg"/>
+          </p:nvPr>
+        </p:nvSpPr>
+        <p:spPr/>
+      </p:sp>
+      <p:sp>
+        <p:nvSpPr>
+          <p:cNvPr id="3" name="备注占位符 2"/>
+          <p:cNvSpPr>
+            <a:spLocks noGrp="1"/>
+          </p:cNvSpPr>
+          <p:nvPr>
+            <p:ph type="body" idx="1"/>
+          </p:nvPr>
+        </p:nvSpPr>
+        <p:spPr/>
+        <p:txBody>
+          <a:bodyPr/>
+          <a:lstStyle/>
+          <a:p>
+            <a:r>
+              <a:rPr lang="en-US" altLang="zh-CN" sz="1200" kern="1200" dirty="0" smtClean="0">
+                <a:solidFill>
+                  <a:schemeClr val="tx1"/>
+                </a:solidFill>
+                <a:effectLst/>
+                <a:latin typeface="+mn-lt"/>
+                <a:ea typeface="+mn-ea"/>
+                <a:cs typeface="+mn-cs"/>
+              </a:rPr>
+              <a:t>When the change is relatively large (with shape varying), the accuracy order is unchanged, but the absolute mean error of SCFNN becomes larger than MCE. This is maybe caused by the noisy training data.</a:t>
+            </a:r>
+            <a:endParaRPr lang="zh-CN" altLang="zh-CN" sz="1200" kern="1200" dirty="0" smtClean="0">
+              <a:solidFill>
+                <a:schemeClr val="tx1"/>
+              </a:solidFill>
+              <a:effectLst/>
+              <a:latin typeface="+mn-lt"/>
+              <a:ea typeface="+mn-ea"/>
+              <a:cs typeface="+mn-cs"/>
+            </a:endParaRPr>
+          </a:p>
+          <a:p>
+            <a:r>
+              <a:rPr lang="en-US" altLang="zh-CN" sz="1200" kern="1200" dirty="0" smtClean="0">
+                <a:solidFill>
+                  <a:schemeClr val="tx1"/>
+                </a:solidFill>
+                <a:effectLst/>
+                <a:latin typeface="+mn-lt"/>
+                <a:ea typeface="+mn-ea"/>
+                <a:cs typeface="+mn-cs"/>
+              </a:rPr>
+              <a:t> </a:t>
+            </a:r>
+            <a:endParaRPr lang="zh-CN" altLang="zh-CN" sz="1200" kern="1200" dirty="0" smtClean="0">
+              <a:solidFill>
+                <a:schemeClr val="tx1"/>
+              </a:solidFill>
+              <a:effectLst/>
+              <a:latin typeface="+mn-lt"/>
+              <a:ea typeface="+mn-ea"/>
+              <a:cs typeface="+mn-cs"/>
+            </a:endParaRPr>
+          </a:p>
+          <a:p>
+            <a:r>
+              <a:rPr lang="en-US" altLang="zh-CN" sz="1200" kern="1200" dirty="0" smtClean="0">
+                <a:solidFill>
+                  <a:schemeClr val="tx1"/>
+                </a:solidFill>
+                <a:effectLst/>
+                <a:latin typeface="+mn-lt"/>
+                <a:ea typeface="+mn-ea"/>
+                <a:cs typeface="+mn-cs"/>
+              </a:rPr>
+              <a:t>Compared with the performance on ssp-i905, we can see that, when the environment SSP has a big change in shape, the SCFNN performs poorly, and the accuracy drops about 40%. </a:t>
+            </a:r>
+            <a:endParaRPr lang="zh-CN" altLang="zh-CN" sz="1200" kern="1200" dirty="0" smtClean="0">
+              <a:solidFill>
+                <a:schemeClr val="tx1"/>
+              </a:solidFill>
+              <a:effectLst/>
+              <a:latin typeface="+mn-lt"/>
+              <a:ea typeface="+mn-ea"/>
+              <a:cs typeface="+mn-cs"/>
+            </a:endParaRPr>
+          </a:p>
+          <a:p>
+            <a:r>
+              <a:rPr lang="en-US" altLang="zh-CN" sz="1200" kern="1200" dirty="0" smtClean="0">
+                <a:solidFill>
+                  <a:schemeClr val="tx1"/>
+                </a:solidFill>
+                <a:effectLst/>
+                <a:latin typeface="+mn-lt"/>
+                <a:ea typeface="+mn-ea"/>
+                <a:cs typeface="+mn-cs"/>
+              </a:rPr>
+              <a:t> </a:t>
+            </a:r>
+            <a:endParaRPr lang="zh-CN" altLang="zh-CN" sz="1200" kern="1200" dirty="0" smtClean="0">
+              <a:solidFill>
+                <a:schemeClr val="tx1"/>
+              </a:solidFill>
+              <a:effectLst/>
+              <a:latin typeface="+mn-lt"/>
+              <a:ea typeface="+mn-ea"/>
+              <a:cs typeface="+mn-cs"/>
+            </a:endParaRPr>
+          </a:p>
+          <a:p>
+            <a:r>
+              <a:rPr lang="en-US" altLang="zh-CN" sz="1200" kern="1200" dirty="0" smtClean="0">
+                <a:solidFill>
+                  <a:schemeClr val="tx1"/>
+                </a:solidFill>
+                <a:effectLst/>
+                <a:latin typeface="+mn-lt"/>
+                <a:ea typeface="+mn-ea"/>
+                <a:cs typeface="+mn-cs"/>
+              </a:rPr>
+              <a:t>We can say that, SCFNN is also sensitive to SSP mismatch, but still performs better than Bartlett and the performance of SCFNN is close to the MCE method.</a:t>
+            </a:r>
+            <a:endParaRPr lang="zh-CN" altLang="en-US" dirty="0"/>
+          </a:p>
+        </p:txBody>
+      </p:sp>
+      <p:sp>
+        <p:nvSpPr>
+          <p:cNvPr id="4" name="灯片编号占位符 3"/>
+          <p:cNvSpPr>
+            <a:spLocks noGrp="1"/>
+          </p:cNvSpPr>
+          <p:nvPr>
+            <p:ph type="sldNum" sz="quarter" idx="10"/>
+          </p:nvPr>
+        </p:nvSpPr>
+        <p:spPr/>
+        <p:txBody>
+          <a:bodyPr/>
+          <a:lstStyle/>
+          <a:p>
+            <a:fld id="{907F34D5-E4BE-4E94-974F-96F8937DECE5}" type="slidenum">
+              <a:rPr lang="zh-CN" altLang="en-US" smtClean="0"/>
+              <a:t>13</a:t>
+            </a:fld>
+            <a:endParaRPr lang="zh-CN" altLang="en-US"/>
+          </a:p>
+        </p:txBody>
+      </p:sp>
+    </p:spTree>
+    <p:extLst>
+      <p:ext uri="{BB962C8B-B14F-4D97-AF65-F5344CB8AC3E}">
+        <p14:creationId xmlns:p14="http://schemas.microsoft.com/office/powerpoint/2010/main" val="384846"/>
+      </p:ext>
+    </p:extLst>
+  </p:cSld>
+  <p:clrMapOvr>
+    <a:masterClrMapping/>
+  </p:clrMapOvr>
+</p:notes>
+</file>
+
+<file path=ppt/notesSlides/notesSlide14.xml><?xml version="1.0" encoding="utf-8"?>
+<p:notes xmlns:a="http://schemas.openxmlformats.org/drawingml/2006/main" xmlns:r="http://schemas.openxmlformats.org/officeDocument/2006/relationships" xmlns:p="http://schemas.openxmlformats.org/presentationml/2006/main">
+  <p:cSld>
+    <p:spTree>
+      <p:nvGrpSpPr>
+        <p:cNvPr id="1" name=""/>
+        <p:cNvGrpSpPr/>
+        <p:nvPr/>
+      </p:nvGrpSpPr>
+      <p:grpSpPr>
+        <a:xfrm>
+          <a:off x="0" y="0"/>
+          <a:ext cx="0" cy="0"/>
+          <a:chOff x="0" y="0"/>
+          <a:chExt cx="0" cy="0"/>
+        </a:xfrm>
+      </p:grpSpPr>
+      <p:sp>
+        <p:nvSpPr>
+          <p:cNvPr id="2" name="幻灯片图像占位符 1"/>
+          <p:cNvSpPr>
+            <a:spLocks noGrp="1" noRot="1" noChangeAspect="1"/>
+          </p:cNvSpPr>
+          <p:nvPr>
+            <p:ph type="sldImg"/>
+          </p:nvPr>
+        </p:nvSpPr>
+        <p:spPr/>
+      </p:sp>
+      <p:sp>
+        <p:nvSpPr>
+          <p:cNvPr id="3" name="备注占位符 2"/>
+          <p:cNvSpPr>
+            <a:spLocks noGrp="1"/>
+          </p:cNvSpPr>
+          <p:nvPr>
+            <p:ph type="body" idx="1"/>
+          </p:nvPr>
+        </p:nvSpPr>
+        <p:spPr/>
+        <p:txBody>
+          <a:bodyPr/>
+          <a:lstStyle/>
+          <a:p>
+            <a:r>
+              <a:rPr lang="en-US" altLang="zh-CN" sz="1200" kern="1200" dirty="0" smtClean="0">
+                <a:solidFill>
+                  <a:schemeClr val="tx1"/>
+                </a:solidFill>
+                <a:effectLst/>
+                <a:latin typeface="+mn-lt"/>
+                <a:ea typeface="+mn-ea"/>
+                <a:cs typeface="+mn-cs"/>
+              </a:rPr>
+              <a:t>As neural networks are strong enough to learn regular pattern </a:t>
+            </a:r>
+            <a:r>
+              <a:rPr lang="zh-CN" altLang="zh-CN" sz="1200" kern="1200" dirty="0" smtClean="0">
+                <a:solidFill>
+                  <a:schemeClr val="tx1"/>
+                </a:solidFill>
+                <a:effectLst/>
+                <a:latin typeface="+mn-lt"/>
+                <a:ea typeface="+mn-ea"/>
+                <a:cs typeface="+mn-cs"/>
+              </a:rPr>
+              <a:t>['pætərn] </a:t>
+            </a:r>
+            <a:r>
+              <a:rPr lang="en-US" altLang="zh-CN" sz="1200" kern="1200" dirty="0" smtClean="0">
+                <a:solidFill>
+                  <a:schemeClr val="tx1"/>
+                </a:solidFill>
+                <a:effectLst/>
+                <a:latin typeface="+mn-lt"/>
+                <a:ea typeface="+mn-ea"/>
+                <a:cs typeface="+mn-cs"/>
+              </a:rPr>
+              <a:t>over a set of changing scenarios </a:t>
+            </a:r>
+            <a:r>
+              <a:rPr lang="zh-CN" altLang="zh-CN" sz="1200" kern="1200" dirty="0" smtClean="0">
+                <a:solidFill>
+                  <a:schemeClr val="tx1"/>
+                </a:solidFill>
+                <a:effectLst/>
+                <a:latin typeface="+mn-lt"/>
+                <a:ea typeface="+mn-ea"/>
+                <a:cs typeface="+mn-cs"/>
+              </a:rPr>
+              <a:t>[səˈnɛrioʊ]</a:t>
+            </a:r>
+            <a:r>
+              <a:rPr lang="en-US" altLang="zh-CN" sz="1200" kern="1200" dirty="0" smtClean="0">
+                <a:solidFill>
+                  <a:schemeClr val="tx1"/>
+                </a:solidFill>
+                <a:effectLst/>
+                <a:latin typeface="+mn-lt"/>
+                <a:ea typeface="+mn-ea"/>
+                <a:cs typeface="+mn-cs"/>
+              </a:rPr>
+              <a:t>, when training the network, we can use the examples gathered from diﬀerent mismatch scenarios to make the network be robust to mismatch.</a:t>
+            </a:r>
+            <a:endParaRPr lang="zh-CN" altLang="zh-CN" sz="1200" kern="1200" dirty="0" smtClean="0">
+              <a:solidFill>
+                <a:schemeClr val="tx1"/>
+              </a:solidFill>
+              <a:effectLst/>
+              <a:latin typeface="+mn-lt"/>
+              <a:ea typeface="+mn-ea"/>
+              <a:cs typeface="+mn-cs"/>
+            </a:endParaRPr>
+          </a:p>
+          <a:p>
+            <a:r>
+              <a:rPr lang="en-US" altLang="zh-CN" sz="1200" kern="1200" dirty="0" smtClean="0">
+                <a:solidFill>
+                  <a:schemeClr val="tx1"/>
+                </a:solidFill>
+                <a:effectLst/>
+                <a:latin typeface="+mn-lt"/>
+                <a:ea typeface="+mn-ea"/>
+                <a:cs typeface="+mn-cs"/>
+              </a:rPr>
+              <a:t> </a:t>
+            </a:r>
+            <a:endParaRPr lang="zh-CN" altLang="zh-CN" sz="1200" kern="1200" dirty="0" smtClean="0">
+              <a:solidFill>
+                <a:schemeClr val="tx1"/>
+              </a:solidFill>
+              <a:effectLst/>
+              <a:latin typeface="+mn-lt"/>
+              <a:ea typeface="+mn-ea"/>
+              <a:cs typeface="+mn-cs"/>
+            </a:endParaRPr>
+          </a:p>
+          <a:p>
+            <a:r>
+              <a:rPr lang="en-US" altLang="zh-CN" sz="1200" kern="1200" dirty="0" smtClean="0">
+                <a:solidFill>
+                  <a:schemeClr val="tx1"/>
+                </a:solidFill>
+                <a:effectLst/>
+                <a:latin typeface="+mn-lt"/>
+                <a:ea typeface="+mn-ea"/>
+                <a:cs typeface="+mn-cs"/>
+              </a:rPr>
+              <a:t>In this section, by combining the data collected from ssp-i906 and ssp-optimized as training set, the robustness of the classifier increases significantly; </a:t>
+            </a:r>
+            <a:endParaRPr lang="zh-CN" altLang="zh-CN" sz="1200" kern="1200" dirty="0" smtClean="0">
+              <a:solidFill>
+                <a:schemeClr val="tx1"/>
+              </a:solidFill>
+              <a:effectLst/>
+              <a:latin typeface="+mn-lt"/>
+              <a:ea typeface="+mn-ea"/>
+              <a:cs typeface="+mn-cs"/>
+            </a:endParaRPr>
+          </a:p>
+          <a:p>
+            <a:r>
+              <a:rPr lang="en-US" altLang="zh-CN" sz="1200" kern="1200" dirty="0" smtClean="0">
+                <a:solidFill>
+                  <a:schemeClr val="tx1"/>
+                </a:solidFill>
+                <a:effectLst/>
+                <a:latin typeface="+mn-lt"/>
+                <a:ea typeface="+mn-ea"/>
+                <a:cs typeface="+mn-cs"/>
+              </a:rPr>
+              <a:t> </a:t>
+            </a:r>
+            <a:endParaRPr lang="zh-CN" altLang="zh-CN" sz="1200" kern="1200" dirty="0" smtClean="0">
+              <a:solidFill>
+                <a:schemeClr val="tx1"/>
+              </a:solidFill>
+              <a:effectLst/>
+              <a:latin typeface="+mn-lt"/>
+              <a:ea typeface="+mn-ea"/>
+              <a:cs typeface="+mn-cs"/>
+            </a:endParaRPr>
+          </a:p>
+          <a:p>
+            <a:r>
+              <a:rPr lang="en-US" altLang="zh-CN" sz="1200" kern="1200" dirty="0" smtClean="0">
+                <a:solidFill>
+                  <a:schemeClr val="tx1"/>
+                </a:solidFill>
+                <a:effectLst/>
+                <a:latin typeface="+mn-lt"/>
+                <a:ea typeface="+mn-ea"/>
+                <a:cs typeface="+mn-cs"/>
+              </a:rPr>
+              <a:t>By data-model mixed trained, the re-trained classifier predicts accurately on ssp-i906*, just as well as on ssp-i905. Although the accuracy for i905 has a little glissade compared with data training only case, the performance for i906 is improved.</a:t>
+            </a:r>
+            <a:endParaRPr lang="zh-CN" altLang="zh-CN" sz="1200" kern="1200" dirty="0" smtClean="0">
+              <a:solidFill>
+                <a:schemeClr val="tx1"/>
+              </a:solidFill>
+              <a:effectLst/>
+              <a:latin typeface="+mn-lt"/>
+              <a:ea typeface="+mn-ea"/>
+              <a:cs typeface="+mn-cs"/>
+            </a:endParaRPr>
+          </a:p>
+          <a:p>
+            <a:r>
+              <a:rPr lang="en-US" altLang="zh-CN" sz="1200" kern="1200" dirty="0" smtClean="0">
+                <a:solidFill>
+                  <a:schemeClr val="tx1"/>
+                </a:solidFill>
+                <a:effectLst/>
+                <a:latin typeface="+mn-lt"/>
+                <a:ea typeface="+mn-ea"/>
+                <a:cs typeface="+mn-cs"/>
+              </a:rPr>
+              <a:t> </a:t>
+            </a:r>
+            <a:endParaRPr lang="zh-CN" altLang="zh-CN" sz="1200" kern="1200" dirty="0" smtClean="0">
+              <a:solidFill>
+                <a:schemeClr val="tx1"/>
+              </a:solidFill>
+              <a:effectLst/>
+              <a:latin typeface="+mn-lt"/>
+              <a:ea typeface="+mn-ea"/>
+              <a:cs typeface="+mn-cs"/>
+            </a:endParaRPr>
+          </a:p>
+          <a:p>
+            <a:r>
+              <a:rPr lang="en-US" altLang="zh-CN" sz="1200" kern="1200" dirty="0" smtClean="0">
+                <a:solidFill>
+                  <a:schemeClr val="tx1"/>
+                </a:solidFill>
+                <a:effectLst/>
+                <a:latin typeface="+mn-lt"/>
+                <a:ea typeface="+mn-ea"/>
+                <a:cs typeface="+mn-cs"/>
+              </a:rPr>
+              <a:t>In Fig., the legend ‘i905, combined’ means the model is trained by mixed data, and then tested on ssp-i905. The rest legends are similar.</a:t>
+            </a:r>
+            <a:endParaRPr lang="zh-CN" altLang="zh-CN" sz="1200" kern="1200" dirty="0" smtClean="0">
+              <a:solidFill>
+                <a:schemeClr val="tx1"/>
+              </a:solidFill>
+              <a:effectLst/>
+              <a:latin typeface="+mn-lt"/>
+              <a:ea typeface="+mn-ea"/>
+              <a:cs typeface="+mn-cs"/>
+            </a:endParaRPr>
+          </a:p>
+          <a:p>
+            <a:r>
+              <a:rPr lang="en-US" altLang="zh-CN" sz="1200" kern="1200" dirty="0" smtClean="0">
+                <a:solidFill>
+                  <a:schemeClr val="tx1"/>
+                </a:solidFill>
+                <a:effectLst/>
+                <a:latin typeface="+mn-lt"/>
+                <a:ea typeface="+mn-ea"/>
+                <a:cs typeface="+mn-cs"/>
+              </a:rPr>
+              <a:t> </a:t>
+            </a:r>
+            <a:endParaRPr lang="zh-CN" altLang="zh-CN" sz="1200" kern="1200" dirty="0" smtClean="0">
+              <a:solidFill>
+                <a:schemeClr val="tx1"/>
+              </a:solidFill>
+              <a:effectLst/>
+              <a:latin typeface="+mn-lt"/>
+              <a:ea typeface="+mn-ea"/>
+              <a:cs typeface="+mn-cs"/>
+            </a:endParaRPr>
+          </a:p>
+          <a:p>
+            <a:r>
+              <a:rPr lang="en-US" altLang="zh-CN" sz="1200" kern="1200" dirty="0" smtClean="0">
+                <a:solidFill>
+                  <a:schemeClr val="tx1"/>
+                </a:solidFill>
+                <a:effectLst/>
+                <a:latin typeface="+mn-lt"/>
+                <a:ea typeface="+mn-ea"/>
+                <a:cs typeface="+mn-cs"/>
+              </a:rPr>
+              <a:t>We can say that, by using mixed data-model training, the SCFNN classifier can work well on two entirely diﬀerent SSPs. </a:t>
+            </a:r>
+            <a:endParaRPr lang="zh-CN" altLang="zh-CN" sz="1200" kern="1200" dirty="0" smtClean="0">
+              <a:solidFill>
+                <a:schemeClr val="tx1"/>
+              </a:solidFill>
+              <a:effectLst/>
+              <a:latin typeface="+mn-lt"/>
+              <a:ea typeface="+mn-ea"/>
+              <a:cs typeface="+mn-cs"/>
+            </a:endParaRPr>
+          </a:p>
+          <a:p>
+            <a:endParaRPr lang="zh-CN" altLang="en-US" dirty="0"/>
+          </a:p>
+        </p:txBody>
+      </p:sp>
+      <p:sp>
+        <p:nvSpPr>
+          <p:cNvPr id="4" name="灯片编号占位符 3"/>
+          <p:cNvSpPr>
+            <a:spLocks noGrp="1"/>
+          </p:cNvSpPr>
+          <p:nvPr>
+            <p:ph type="sldNum" sz="quarter" idx="10"/>
+          </p:nvPr>
+        </p:nvSpPr>
+        <p:spPr/>
+        <p:txBody>
+          <a:bodyPr/>
+          <a:lstStyle/>
+          <a:p>
+            <a:fld id="{907F34D5-E4BE-4E94-974F-96F8937DECE5}" type="slidenum">
+              <a:rPr lang="zh-CN" altLang="en-US" smtClean="0"/>
+              <a:t>14</a:t>
+            </a:fld>
+            <a:endParaRPr lang="zh-CN" altLang="en-US"/>
+          </a:p>
+        </p:txBody>
+      </p:sp>
+    </p:spTree>
+    <p:extLst>
+      <p:ext uri="{BB962C8B-B14F-4D97-AF65-F5344CB8AC3E}">
+        <p14:creationId xmlns:p14="http://schemas.microsoft.com/office/powerpoint/2010/main" val="2890006155"/>
+      </p:ext>
+    </p:extLst>
+  </p:cSld>
+  <p:clrMapOvr>
+    <a:masterClrMapping/>
+  </p:clrMapOvr>
+</p:notes>
+</file>
+
+<file path=ppt/notesSlides/notesSlide15.xml><?xml version="1.0" encoding="utf-8"?>
+<p:notes xmlns:a="http://schemas.openxmlformats.org/drawingml/2006/main" xmlns:r="http://schemas.openxmlformats.org/officeDocument/2006/relationships" xmlns:p="http://schemas.openxmlformats.org/presentationml/2006/main">
+  <p:cSld>
+    <p:spTree>
+      <p:nvGrpSpPr>
+        <p:cNvPr id="1" name=""/>
+        <p:cNvGrpSpPr/>
+        <p:nvPr/>
+      </p:nvGrpSpPr>
+      <p:grpSpPr>
+        <a:xfrm>
+          <a:off x="0" y="0"/>
+          <a:ext cx="0" cy="0"/>
+          <a:chOff x="0" y="0"/>
+          <a:chExt cx="0" cy="0"/>
+        </a:xfrm>
+      </p:grpSpPr>
+      <p:sp>
+        <p:nvSpPr>
+          <p:cNvPr id="2" name="幻灯片图像占位符 1"/>
+          <p:cNvSpPr>
+            <a:spLocks noGrp="1" noRot="1" noChangeAspect="1"/>
+          </p:cNvSpPr>
+          <p:nvPr>
+            <p:ph type="sldImg"/>
+          </p:nvPr>
+        </p:nvSpPr>
+        <p:spPr/>
+      </p:sp>
+      <p:sp>
+        <p:nvSpPr>
+          <p:cNvPr id="3" name="备注占位符 2"/>
+          <p:cNvSpPr>
+            <a:spLocks noGrp="1"/>
+          </p:cNvSpPr>
+          <p:nvPr>
+            <p:ph type="body" idx="1"/>
+          </p:nvPr>
+        </p:nvSpPr>
+        <p:spPr/>
+        <p:txBody>
+          <a:bodyPr/>
+          <a:lstStyle/>
+          <a:p>
+            <a:r>
+              <a:rPr lang="en-US" altLang="zh-CN" sz="1200" kern="1200" dirty="0" smtClean="0">
+                <a:solidFill>
+                  <a:schemeClr val="tx1"/>
+                </a:solidFill>
+                <a:effectLst/>
+                <a:latin typeface="+mn-lt"/>
+                <a:ea typeface="+mn-ea"/>
+                <a:cs typeface="+mn-cs"/>
+              </a:rPr>
+              <a:t>In conclusion, Machine learning has potential advantages in unstable underwater acoustic environment.</a:t>
+            </a:r>
+            <a:endParaRPr lang="zh-CN" altLang="zh-CN" sz="1200" kern="1200" dirty="0" smtClean="0">
+              <a:solidFill>
+                <a:schemeClr val="tx1"/>
+              </a:solidFill>
+              <a:effectLst/>
+              <a:latin typeface="+mn-lt"/>
+              <a:ea typeface="+mn-ea"/>
+              <a:cs typeface="+mn-cs"/>
+            </a:endParaRPr>
+          </a:p>
+          <a:p>
+            <a:r>
+              <a:rPr lang="en-US" altLang="zh-CN" sz="1200" kern="1200" dirty="0" smtClean="0">
+                <a:solidFill>
+                  <a:schemeClr val="tx1"/>
+                </a:solidFill>
+                <a:effectLst/>
+                <a:latin typeface="+mn-lt"/>
+                <a:ea typeface="+mn-ea"/>
+                <a:cs typeface="+mn-cs"/>
+              </a:rPr>
+              <a:t>Combined with data-model mixed training, the SCFNN model can help reduce the mismatch problem in matched-field source localization. </a:t>
+            </a:r>
+            <a:endParaRPr lang="zh-CN" altLang="zh-CN" sz="1200" kern="1200" dirty="0" smtClean="0">
+              <a:solidFill>
+                <a:schemeClr val="tx1"/>
+              </a:solidFill>
+              <a:effectLst/>
+              <a:latin typeface="+mn-lt"/>
+              <a:ea typeface="+mn-ea"/>
+              <a:cs typeface="+mn-cs"/>
+            </a:endParaRPr>
+          </a:p>
+          <a:p>
+            <a:r>
+              <a:rPr lang="en-US" altLang="zh-CN" sz="1200" kern="1200" dirty="0" smtClean="0">
+                <a:solidFill>
+                  <a:schemeClr val="tx1"/>
+                </a:solidFill>
+                <a:effectLst/>
+                <a:latin typeface="+mn-lt"/>
+                <a:ea typeface="+mn-ea"/>
+                <a:cs typeface="+mn-cs"/>
+              </a:rPr>
+              <a:t> </a:t>
+            </a:r>
+            <a:endParaRPr lang="zh-CN" altLang="zh-CN" sz="1200" kern="1200" dirty="0" smtClean="0">
+              <a:solidFill>
+                <a:schemeClr val="tx1"/>
+              </a:solidFill>
+              <a:effectLst/>
+              <a:latin typeface="+mn-lt"/>
+              <a:ea typeface="+mn-ea"/>
+              <a:cs typeface="+mn-cs"/>
+            </a:endParaRPr>
+          </a:p>
+          <a:p>
+            <a:r>
+              <a:rPr lang="en-US" altLang="zh-CN" sz="1200" kern="1200" dirty="0" smtClean="0">
+                <a:solidFill>
+                  <a:schemeClr val="tx1"/>
+                </a:solidFill>
+                <a:effectLst/>
+                <a:latin typeface="+mn-lt"/>
+                <a:ea typeface="+mn-ea"/>
+                <a:cs typeface="+mn-cs"/>
+              </a:rPr>
+              <a:t>For now, the discussions are preliminary </a:t>
+            </a:r>
+            <a:r>
+              <a:rPr lang="zh-CN" altLang="zh-CN" sz="1200" kern="1200" dirty="0" smtClean="0">
+                <a:solidFill>
+                  <a:schemeClr val="tx1"/>
+                </a:solidFill>
+                <a:effectLst/>
+                <a:latin typeface="+mn-lt"/>
+                <a:ea typeface="+mn-ea"/>
+                <a:cs typeface="+mn-cs"/>
+              </a:rPr>
+              <a:t>[prɪ'lɪmə.neri]</a:t>
+            </a:r>
+            <a:r>
+              <a:rPr lang="en-US" altLang="zh-CN" sz="1200" kern="1200" dirty="0" smtClean="0">
+                <a:solidFill>
+                  <a:schemeClr val="tx1"/>
+                </a:solidFill>
+                <a:effectLst/>
+                <a:latin typeface="+mn-lt"/>
+                <a:ea typeface="+mn-ea"/>
+                <a:cs typeface="+mn-cs"/>
+              </a:rPr>
+              <a:t>. It deserves more eﬀorts.</a:t>
+            </a:r>
+            <a:endParaRPr lang="zh-CN" altLang="zh-CN" sz="1200" kern="1200" dirty="0" smtClean="0">
+              <a:solidFill>
+                <a:schemeClr val="tx1"/>
+              </a:solidFill>
+              <a:effectLst/>
+              <a:latin typeface="+mn-lt"/>
+              <a:ea typeface="+mn-ea"/>
+              <a:cs typeface="+mn-cs"/>
+            </a:endParaRPr>
+          </a:p>
+          <a:p>
+            <a:endParaRPr lang="zh-CN" altLang="en-US" dirty="0"/>
+          </a:p>
+        </p:txBody>
+      </p:sp>
+      <p:sp>
+        <p:nvSpPr>
+          <p:cNvPr id="4" name="灯片编号占位符 3"/>
+          <p:cNvSpPr>
+            <a:spLocks noGrp="1"/>
+          </p:cNvSpPr>
+          <p:nvPr>
+            <p:ph type="sldNum" sz="quarter" idx="10"/>
+          </p:nvPr>
+        </p:nvSpPr>
+        <p:spPr/>
+        <p:txBody>
+          <a:bodyPr/>
+          <a:lstStyle/>
+          <a:p>
+            <a:fld id="{907F34D5-E4BE-4E94-974F-96F8937DECE5}" type="slidenum">
+              <a:rPr lang="zh-CN" altLang="en-US" smtClean="0"/>
+              <a:t>15</a:t>
+            </a:fld>
+            <a:endParaRPr lang="zh-CN" altLang="en-US"/>
+          </a:p>
+        </p:txBody>
+      </p:sp>
+    </p:spTree>
+    <p:extLst>
+      <p:ext uri="{BB962C8B-B14F-4D97-AF65-F5344CB8AC3E}">
+        <p14:creationId xmlns:p14="http://schemas.microsoft.com/office/powerpoint/2010/main" val="2066414261"/>
+      </p:ext>
+    </p:extLst>
+  </p:cSld>
+  <p:clrMapOvr>
+    <a:masterClrMapping/>
+  </p:clrMapOvr>
+</p:notes>
+</file>
+
+<file path=ppt/notesSlides/notesSlide16.xml><?xml version="1.0" encoding="utf-8"?>
+<p:notes xmlns:a="http://schemas.openxmlformats.org/drawingml/2006/main" xmlns:r="http://schemas.openxmlformats.org/officeDocument/2006/relationships" xmlns:p="http://schemas.openxmlformats.org/presentationml/2006/main">
+  <p:cSld>
+    <p:spTree>
+      <p:nvGrpSpPr>
+        <p:cNvPr id="1" name=""/>
+        <p:cNvGrpSpPr/>
+        <p:nvPr/>
+      </p:nvGrpSpPr>
+      <p:grpSpPr>
+        <a:xfrm>
+          <a:off x="0" y="0"/>
+          <a:ext cx="0" cy="0"/>
+          <a:chOff x="0" y="0"/>
+          <a:chExt cx="0" cy="0"/>
+        </a:xfrm>
+      </p:grpSpPr>
+      <p:sp>
+        <p:nvSpPr>
+          <p:cNvPr id="2" name="幻灯片图像占位符 1"/>
+          <p:cNvSpPr>
+            <a:spLocks noGrp="1" noRot="1" noChangeAspect="1"/>
+          </p:cNvSpPr>
+          <p:nvPr>
+            <p:ph type="sldImg"/>
+          </p:nvPr>
+        </p:nvSpPr>
+        <p:spPr/>
+      </p:sp>
+      <p:sp>
+        <p:nvSpPr>
+          <p:cNvPr id="3" name="备注占位符 2"/>
+          <p:cNvSpPr>
+            <a:spLocks noGrp="1"/>
+          </p:cNvSpPr>
+          <p:nvPr>
+            <p:ph type="body" idx="1"/>
+          </p:nvPr>
+        </p:nvSpPr>
+        <p:spPr/>
+        <p:txBody>
+          <a:bodyPr/>
+          <a:lstStyle/>
+          <a:p>
+            <a:r>
+              <a:rPr lang="en-US" altLang="zh-CN" sz="1200" kern="1200" dirty="0" smtClean="0">
+                <a:solidFill>
+                  <a:schemeClr val="tx1"/>
+                </a:solidFill>
+                <a:effectLst/>
+                <a:latin typeface="+mn-lt"/>
+                <a:ea typeface="+mn-ea"/>
+                <a:cs typeface="+mn-cs"/>
+              </a:rPr>
+              <a:t>Our future work may include the following orientations </a:t>
+            </a:r>
+            <a:r>
+              <a:rPr lang="zh-CN" altLang="zh-CN" sz="1200" kern="1200" dirty="0" smtClean="0">
+                <a:solidFill>
+                  <a:schemeClr val="tx1"/>
+                </a:solidFill>
+                <a:effectLst/>
+                <a:latin typeface="+mn-lt"/>
+                <a:ea typeface="+mn-ea"/>
+                <a:cs typeface="+mn-cs"/>
+              </a:rPr>
+              <a:t>[.ɔriən'teɪʃ(ə)n]</a:t>
+            </a:r>
+            <a:r>
+              <a:rPr lang="en-US" altLang="zh-CN" sz="1200" kern="1200" dirty="0" smtClean="0">
+                <a:solidFill>
+                  <a:schemeClr val="tx1"/>
+                </a:solidFill>
+                <a:effectLst/>
+                <a:latin typeface="+mn-lt"/>
+                <a:ea typeface="+mn-ea"/>
+                <a:cs typeface="+mn-cs"/>
+              </a:rPr>
+              <a:t>.</a:t>
+            </a:r>
+            <a:endParaRPr lang="zh-CN" altLang="zh-CN" sz="1200" kern="1200" dirty="0" smtClean="0">
+              <a:solidFill>
+                <a:schemeClr val="tx1"/>
+              </a:solidFill>
+              <a:effectLst/>
+              <a:latin typeface="+mn-lt"/>
+              <a:ea typeface="+mn-ea"/>
+              <a:cs typeface="+mn-cs"/>
+            </a:endParaRPr>
+          </a:p>
+          <a:p>
+            <a:r>
+              <a:rPr lang="en-US" altLang="zh-CN" sz="1200" kern="1200" dirty="0" smtClean="0">
+                <a:solidFill>
+                  <a:schemeClr val="tx1"/>
+                </a:solidFill>
+                <a:effectLst/>
+                <a:latin typeface="+mn-lt"/>
+                <a:ea typeface="+mn-ea"/>
+                <a:cs typeface="+mn-cs"/>
+              </a:rPr>
+              <a:t>Firstly, as the localization error at low SNR is still huge, we will integrate </a:t>
+            </a:r>
+            <a:r>
+              <a:rPr lang="zh-CN" altLang="zh-CN" sz="1200" kern="1200" dirty="0" smtClean="0">
+                <a:solidFill>
+                  <a:schemeClr val="tx1"/>
+                </a:solidFill>
+                <a:effectLst/>
+                <a:latin typeface="+mn-lt"/>
+                <a:ea typeface="+mn-ea"/>
+                <a:cs typeface="+mn-cs"/>
+              </a:rPr>
+              <a:t>['ɪntə.ɡreɪt] </a:t>
+            </a:r>
+            <a:r>
+              <a:rPr lang="en-US" altLang="zh-CN" sz="1200" kern="1200" dirty="0" smtClean="0">
+                <a:solidFill>
+                  <a:schemeClr val="tx1"/>
+                </a:solidFill>
+                <a:effectLst/>
+                <a:latin typeface="+mn-lt"/>
+                <a:ea typeface="+mn-ea"/>
+                <a:cs typeface="+mn-cs"/>
+              </a:rPr>
+              <a:t>adversarial </a:t>
+            </a:r>
+            <a:r>
+              <a:rPr lang="zh-CN" altLang="zh-CN" sz="1200" kern="1200" dirty="0" smtClean="0">
+                <a:solidFill>
+                  <a:schemeClr val="tx1"/>
+                </a:solidFill>
+                <a:effectLst/>
+                <a:latin typeface="+mn-lt"/>
+                <a:ea typeface="+mn-ea"/>
+                <a:cs typeface="+mn-cs"/>
+              </a:rPr>
+              <a:t>[.ædvɜr'seriəl] </a:t>
+            </a:r>
+            <a:r>
+              <a:rPr lang="en-US" altLang="zh-CN" sz="1200" kern="1200" dirty="0" smtClean="0">
+                <a:solidFill>
+                  <a:schemeClr val="tx1"/>
+                </a:solidFill>
+                <a:effectLst/>
+                <a:latin typeface="+mn-lt"/>
+                <a:ea typeface="+mn-ea"/>
+                <a:cs typeface="+mn-cs"/>
+              </a:rPr>
+              <a:t>learning into our model, and make the characteristic </a:t>
+            </a:r>
+            <a:r>
+              <a:rPr lang="zh-CN" altLang="zh-CN" sz="1200" kern="1200" dirty="0" smtClean="0">
+                <a:solidFill>
+                  <a:schemeClr val="tx1"/>
+                </a:solidFill>
+                <a:effectLst/>
+                <a:latin typeface="+mn-lt"/>
+                <a:ea typeface="+mn-ea"/>
+                <a:cs typeface="+mn-cs"/>
+              </a:rPr>
+              <a:t>[.kerəktə'rɪstɪk]</a:t>
+            </a:r>
+            <a:r>
+              <a:rPr lang="en-US" altLang="zh-CN" sz="1200" kern="1200" dirty="0" smtClean="0">
+                <a:solidFill>
+                  <a:schemeClr val="tx1"/>
+                </a:solidFill>
+                <a:effectLst/>
+                <a:latin typeface="+mn-lt"/>
+                <a:ea typeface="+mn-ea"/>
+                <a:cs typeface="+mn-cs"/>
+              </a:rPr>
+              <a:t> parameters </a:t>
+            </a:r>
+            <a:r>
+              <a:rPr lang="zh-CN" altLang="zh-CN" sz="1200" kern="1200" dirty="0" smtClean="0">
+                <a:solidFill>
+                  <a:schemeClr val="tx1"/>
+                </a:solidFill>
+                <a:effectLst/>
+                <a:latin typeface="+mn-lt"/>
+                <a:ea typeface="+mn-ea"/>
+                <a:cs typeface="+mn-cs"/>
+              </a:rPr>
+              <a:t>[pə'ræmɪtər] </a:t>
+            </a:r>
+            <a:r>
+              <a:rPr lang="en-US" altLang="zh-CN" sz="1200" kern="1200" dirty="0" smtClean="0">
+                <a:solidFill>
+                  <a:schemeClr val="tx1"/>
+                </a:solidFill>
+                <a:effectLst/>
+                <a:latin typeface="+mn-lt"/>
+                <a:ea typeface="+mn-ea"/>
+                <a:cs typeface="+mn-cs"/>
+              </a:rPr>
+              <a:t>can be enhanced, when the noise is high.</a:t>
+            </a:r>
+            <a:endParaRPr lang="zh-CN" altLang="zh-CN" sz="1200" kern="1200" dirty="0" smtClean="0">
+              <a:solidFill>
+                <a:schemeClr val="tx1"/>
+              </a:solidFill>
+              <a:effectLst/>
+              <a:latin typeface="+mn-lt"/>
+              <a:ea typeface="+mn-ea"/>
+              <a:cs typeface="+mn-cs"/>
+            </a:endParaRPr>
+          </a:p>
+          <a:p>
+            <a:r>
+              <a:rPr lang="en-US" altLang="zh-CN" sz="1200" kern="1200" dirty="0" smtClean="0">
+                <a:solidFill>
+                  <a:schemeClr val="tx1"/>
+                </a:solidFill>
+                <a:effectLst/>
+                <a:latin typeface="+mn-lt"/>
+                <a:ea typeface="+mn-ea"/>
+                <a:cs typeface="+mn-cs"/>
+              </a:rPr>
+              <a:t>Secondly, we will try to do some mathematical analysis on the learned model and try to explain how does the model robustness been improved by mixed training. </a:t>
+            </a:r>
+            <a:endParaRPr lang="zh-CN" altLang="zh-CN" sz="1200" kern="1200" dirty="0" smtClean="0">
+              <a:solidFill>
+                <a:schemeClr val="tx1"/>
+              </a:solidFill>
+              <a:effectLst/>
+              <a:latin typeface="+mn-lt"/>
+              <a:ea typeface="+mn-ea"/>
+              <a:cs typeface="+mn-cs"/>
+            </a:endParaRPr>
+          </a:p>
+          <a:p>
+            <a:pPr marL="228600" indent="-228600">
+              <a:buAutoNum type="arabicPeriod"/>
+            </a:pPr>
+            <a:endParaRPr lang="zh-CN" altLang="en-US" dirty="0"/>
+          </a:p>
+        </p:txBody>
+      </p:sp>
+      <p:sp>
+        <p:nvSpPr>
+          <p:cNvPr id="4" name="灯片编号占位符 3"/>
+          <p:cNvSpPr>
+            <a:spLocks noGrp="1"/>
+          </p:cNvSpPr>
+          <p:nvPr>
+            <p:ph type="sldNum" sz="quarter" idx="10"/>
+          </p:nvPr>
+        </p:nvSpPr>
+        <p:spPr/>
+        <p:txBody>
+          <a:bodyPr/>
+          <a:lstStyle/>
+          <a:p>
+            <a:fld id="{907F34D5-E4BE-4E94-974F-96F8937DECE5}" type="slidenum">
+              <a:rPr lang="zh-CN" altLang="en-US" smtClean="0"/>
+              <a:t>16</a:t>
+            </a:fld>
+            <a:endParaRPr lang="zh-CN" altLang="en-US"/>
+          </a:p>
+        </p:txBody>
+      </p:sp>
+    </p:spTree>
+    <p:extLst>
+      <p:ext uri="{BB962C8B-B14F-4D97-AF65-F5344CB8AC3E}">
+        <p14:creationId xmlns:p14="http://schemas.microsoft.com/office/powerpoint/2010/main" val="2765429624"/>
+      </p:ext>
+    </p:extLst>
+  </p:cSld>
+  <p:clrMapOvr>
+    <a:masterClrMapping/>
+  </p:clrMapOvr>
+</p:notes>
+</file>
+
+<file path=ppt/notesSlides/notesSlide17.xml><?xml version="1.0" encoding="utf-8"?>
+<p:notes xmlns:a="http://schemas.openxmlformats.org/drawingml/2006/main" xmlns:r="http://schemas.openxmlformats.org/officeDocument/2006/relationships" xmlns:p="http://schemas.openxmlformats.org/presentationml/2006/main">
+  <p:cSld>
+    <p:spTree>
+      <p:nvGrpSpPr>
+        <p:cNvPr id="1" name=""/>
+        <p:cNvGrpSpPr/>
+        <p:nvPr/>
+      </p:nvGrpSpPr>
+      <p:grpSpPr>
+        <a:xfrm>
+          <a:off x="0" y="0"/>
+          <a:ext cx="0" cy="0"/>
+          <a:chOff x="0" y="0"/>
+          <a:chExt cx="0" cy="0"/>
+        </a:xfrm>
+      </p:grpSpPr>
+      <p:sp>
+        <p:nvSpPr>
+          <p:cNvPr id="2" name="幻灯片图像占位符 1"/>
+          <p:cNvSpPr>
+            <a:spLocks noGrp="1" noRot="1" noChangeAspect="1"/>
+          </p:cNvSpPr>
+          <p:nvPr>
+            <p:ph type="sldImg"/>
+          </p:nvPr>
+        </p:nvSpPr>
+        <p:spPr/>
+      </p:sp>
+      <p:sp>
+        <p:nvSpPr>
+          <p:cNvPr id="3" name="备注占位符 2"/>
+          <p:cNvSpPr>
+            <a:spLocks noGrp="1"/>
+          </p:cNvSpPr>
+          <p:nvPr>
+            <p:ph type="body" idx="1"/>
+          </p:nvPr>
+        </p:nvSpPr>
+        <p:spPr/>
+        <p:txBody>
+          <a:bodyPr/>
+          <a:lstStyle/>
+          <a:p>
+            <a:r>
+              <a:rPr lang="en-US" altLang="zh-CN" sz="1200" kern="1200" smtClean="0">
+                <a:solidFill>
+                  <a:schemeClr val="tx1"/>
+                </a:solidFill>
+                <a:effectLst/>
+                <a:latin typeface="+mn-lt"/>
+                <a:ea typeface="+mn-ea"/>
+                <a:cs typeface="+mn-cs"/>
+              </a:rPr>
+              <a:t>Thank </a:t>
+            </a:r>
+            <a:r>
+              <a:rPr lang="en-US" altLang="zh-CN" sz="1200" kern="1200" dirty="0" smtClean="0">
+                <a:solidFill>
+                  <a:schemeClr val="tx1"/>
+                </a:solidFill>
+                <a:effectLst/>
+                <a:latin typeface="+mn-lt"/>
+                <a:ea typeface="+mn-ea"/>
+                <a:cs typeface="+mn-cs"/>
+              </a:rPr>
+              <a:t>you for your listening.</a:t>
+            </a:r>
+            <a:endParaRPr lang="zh-CN" altLang="zh-CN" sz="1200" kern="1200" dirty="0" smtClean="0">
+              <a:solidFill>
+                <a:schemeClr val="tx1"/>
+              </a:solidFill>
+              <a:effectLst/>
+              <a:latin typeface="+mn-lt"/>
+              <a:ea typeface="+mn-ea"/>
+              <a:cs typeface="+mn-cs"/>
+            </a:endParaRPr>
+          </a:p>
+          <a:p>
+            <a:pPr marL="0" indent="0">
+              <a:buNone/>
+            </a:pPr>
+            <a:endParaRPr lang="zh-CN" altLang="en-US" dirty="0"/>
+          </a:p>
+        </p:txBody>
+      </p:sp>
+      <p:sp>
+        <p:nvSpPr>
+          <p:cNvPr id="4" name="灯片编号占位符 3"/>
+          <p:cNvSpPr>
+            <a:spLocks noGrp="1"/>
+          </p:cNvSpPr>
+          <p:nvPr>
+            <p:ph type="sldNum" sz="quarter" idx="10"/>
+          </p:nvPr>
+        </p:nvSpPr>
+        <p:spPr/>
+        <p:txBody>
+          <a:bodyPr/>
+          <a:lstStyle/>
+          <a:p>
+            <a:fld id="{907F34D5-E4BE-4E94-974F-96F8937DECE5}" type="slidenum">
+              <a:rPr lang="zh-CN" altLang="en-US" smtClean="0"/>
               <a:t>17</a:t>
             </a:fld>
             <a:endParaRPr lang="zh-CN" altLang="en-US"/>
@@ -644,6 +2155,90 @@
     <p:extLst>
       <p:ext uri="{BB962C8B-B14F-4D97-AF65-F5344CB8AC3E}">
         <p14:creationId xmlns:p14="http://schemas.microsoft.com/office/powerpoint/2010/main" val="578112884"/>
+      </p:ext>
+    </p:extLst>
+  </p:cSld>
+  <p:clrMapOvr>
+    <a:masterClrMapping/>
+  </p:clrMapOvr>
+</p:notes>
+</file>
+
+<file path=ppt/notesSlides/notesSlide18.xml><?xml version="1.0" encoding="utf-8"?>
+<p:notes xmlns:a="http://schemas.openxmlformats.org/drawingml/2006/main" xmlns:r="http://schemas.openxmlformats.org/officeDocument/2006/relationships" xmlns:p="http://schemas.openxmlformats.org/presentationml/2006/main">
+  <p:cSld>
+    <p:spTree>
+      <p:nvGrpSpPr>
+        <p:cNvPr id="1" name=""/>
+        <p:cNvGrpSpPr/>
+        <p:nvPr/>
+      </p:nvGrpSpPr>
+      <p:grpSpPr>
+        <a:xfrm>
+          <a:off x="0" y="0"/>
+          <a:ext cx="0" cy="0"/>
+          <a:chOff x="0" y="0"/>
+          <a:chExt cx="0" cy="0"/>
+        </a:xfrm>
+      </p:grpSpPr>
+      <p:sp>
+        <p:nvSpPr>
+          <p:cNvPr id="2" name="幻灯片图像占位符 1"/>
+          <p:cNvSpPr>
+            <a:spLocks noGrp="1" noRot="1" noChangeAspect="1"/>
+          </p:cNvSpPr>
+          <p:nvPr>
+            <p:ph type="sldImg"/>
+          </p:nvPr>
+        </p:nvSpPr>
+        <p:spPr/>
+      </p:sp>
+      <p:sp>
+        <p:nvSpPr>
+          <p:cNvPr id="3" name="备注占位符 2"/>
+          <p:cNvSpPr>
+            <a:spLocks noGrp="1"/>
+          </p:cNvSpPr>
+          <p:nvPr>
+            <p:ph type="body" idx="1"/>
+          </p:nvPr>
+        </p:nvSpPr>
+        <p:spPr/>
+        <p:txBody>
+          <a:bodyPr/>
+          <a:lstStyle/>
+          <a:p>
+            <a:endParaRPr lang="zh-CN" altLang="en-US" dirty="0"/>
+          </a:p>
+        </p:txBody>
+      </p:sp>
+      <p:sp>
+        <p:nvSpPr>
+          <p:cNvPr id="4" name="灯片编号占位符 3"/>
+          <p:cNvSpPr>
+            <a:spLocks noGrp="1"/>
+          </p:cNvSpPr>
+          <p:nvPr>
+            <p:ph type="sldNum" sz="quarter" idx="10"/>
+          </p:nvPr>
+        </p:nvSpPr>
+        <p:spPr/>
+        <p:txBody>
+          <a:bodyPr/>
+          <a:lstStyle/>
+          <a:p>
+            <a:fld id="{907F34D5-E4BE-4E94-974F-96F8937DECE5}" type="slidenum">
+              <a:rPr lang="zh-CN" altLang="en-US" smtClean="0"/>
+              <a:t>18</a:t>
+            </a:fld>
+            <a:endParaRPr lang="zh-CN" altLang="en-US"/>
+          </a:p>
+        </p:txBody>
+      </p:sp>
+    </p:spTree>
+    <p:extLst>
+      <p:ext uri="{BB962C8B-B14F-4D97-AF65-F5344CB8AC3E}">
+        <p14:creationId xmlns:p14="http://schemas.microsoft.com/office/powerpoint/2010/main" val="2186222145"/>
       </p:ext>
     </p:extLst>
   </p:cSld>
@@ -697,7 +2292,76 @@
           <a:bodyPr/>
           <a:lstStyle/>
           <a:p>
-            <a:endParaRPr lang="zh-CN" altLang="en-US"/>
+            <a:r>
+              <a:rPr lang="en-US" altLang="zh-CN" sz="1200" kern="1200" dirty="0" smtClean="0">
+                <a:solidFill>
+                  <a:schemeClr val="tx1"/>
+                </a:solidFill>
+                <a:effectLst/>
+                <a:latin typeface="+mn-lt"/>
+                <a:ea typeface="+mn-ea"/>
+                <a:cs typeface="+mn-cs"/>
+              </a:rPr>
+              <a:t>Source localization is a basic problem in underwater acoustics. Many solving approaches have been developed, and the matched-field processing (MFP) is one of the mostly-studied. However, MFP is sensitive to the mismatch problem and performs well only when the knowledge of ocean environment is accurate.</a:t>
+            </a:r>
+            <a:endParaRPr lang="zh-CN" altLang="zh-CN" sz="1200" kern="1200" dirty="0" smtClean="0">
+              <a:solidFill>
+                <a:schemeClr val="tx1"/>
+              </a:solidFill>
+              <a:effectLst/>
+              <a:latin typeface="+mn-lt"/>
+              <a:ea typeface="+mn-ea"/>
+              <a:cs typeface="+mn-cs"/>
+            </a:endParaRPr>
+          </a:p>
+          <a:p>
+            <a:r>
+              <a:rPr lang="en-US" altLang="zh-CN" sz="1200" kern="1200" dirty="0" smtClean="0">
+                <a:solidFill>
+                  <a:schemeClr val="tx1"/>
+                </a:solidFill>
+                <a:effectLst/>
+                <a:latin typeface="+mn-lt"/>
+                <a:ea typeface="+mn-ea"/>
+                <a:cs typeface="+mn-cs"/>
+              </a:rPr>
+              <a:t> </a:t>
+            </a:r>
+            <a:endParaRPr lang="zh-CN" altLang="zh-CN" sz="1200" kern="1200" dirty="0" smtClean="0">
+              <a:solidFill>
+                <a:schemeClr val="tx1"/>
+              </a:solidFill>
+              <a:effectLst/>
+              <a:latin typeface="+mn-lt"/>
+              <a:ea typeface="+mn-ea"/>
+              <a:cs typeface="+mn-cs"/>
+            </a:endParaRPr>
+          </a:p>
+          <a:p>
+            <a:r>
+              <a:rPr lang="en-US" altLang="zh-CN" sz="1200" kern="1200" dirty="0" smtClean="0">
+                <a:solidFill>
+                  <a:schemeClr val="tx1"/>
+                </a:solidFill>
+                <a:effectLst/>
+                <a:latin typeface="+mn-lt"/>
+                <a:ea typeface="+mn-ea"/>
+                <a:cs typeface="+mn-cs"/>
+              </a:rPr>
+              <a:t>Machine learning learns directly from the observation and can be designed to learn a generic model suitable for different scenarios. In our paper, source localization is viewed as a machine learning problem and a matched-field source localization model is learned by training a sparsely-coded feed-forward neural network (SCFNN) with mixed environment models and data.</a:t>
+            </a:r>
+            <a:endParaRPr lang="zh-CN" altLang="zh-CN" sz="1200" kern="1200" dirty="0" smtClean="0">
+              <a:solidFill>
+                <a:schemeClr val="tx1"/>
+              </a:solidFill>
+              <a:effectLst/>
+              <a:latin typeface="+mn-lt"/>
+              <a:ea typeface="+mn-ea"/>
+              <a:cs typeface="+mn-cs"/>
+            </a:endParaRPr>
+          </a:p>
+          <a:p>
+            <a:endParaRPr lang="zh-CN" altLang="en-US" dirty="0"/>
           </a:p>
         </p:txBody>
       </p:sp>
@@ -718,7 +2382,7 @@
           <a:p>
             <a:fld id="{907F34D5-E4BE-4E94-974F-96F8937DECE5}" type="slidenum">
               <a:rPr lang="zh-CN" altLang="en-US" smtClean="0"/>
-              <a:t>5</a:t>
+              <a:t>2</a:t>
             </a:fld>
             <a:endParaRPr lang="zh-CN" altLang="en-US"/>
           </a:p>
@@ -727,7 +2391,7 @@
     </p:spTree>
     <p:extLst>
       <p:ext uri="{BB962C8B-B14F-4D97-AF65-F5344CB8AC3E}">
-        <p14:creationId xmlns:p14="http://schemas.microsoft.com/office/powerpoint/2010/main" val="1678077358"/>
+        <p14:creationId xmlns:p14="http://schemas.microsoft.com/office/powerpoint/2010/main" val="3624546431"/>
       </p:ext>
     </p:extLst>
   </p:cSld>
@@ -781,7 +2445,47 @@
           <a:bodyPr/>
           <a:lstStyle/>
           <a:p>
-            <a:endParaRPr lang="zh-CN" altLang="en-US"/>
+            <a:pPr marL="0" marR="0" lvl="0" indent="0" algn="l" defTabSz="914400" rtl="0" eaLnBrk="1" fontAlgn="auto" latinLnBrk="0" hangingPunct="1">
+              <a:lnSpc>
+                <a:spcPct val="100000"/>
+              </a:lnSpc>
+              <a:spcBef>
+                <a:spcPts val="0"/>
+              </a:spcBef>
+              <a:spcAft>
+                <a:spcPts val="0"/>
+              </a:spcAft>
+              <a:buClrTx/>
+              <a:buSzTx/>
+              <a:buFontTx/>
+              <a:buNone/>
+              <a:tabLst/>
+              <a:defRPr/>
+            </a:pPr>
+            <a:r>
+              <a:rPr lang="en-US" altLang="zh-CN" sz="1200" kern="1200" dirty="0" smtClean="0">
+                <a:solidFill>
+                  <a:schemeClr val="tx1"/>
+                </a:solidFill>
+                <a:effectLst/>
+                <a:latin typeface="+mn-lt"/>
+                <a:ea typeface="+mn-ea"/>
+                <a:cs typeface="+mn-cs"/>
+              </a:rPr>
+              <a:t>My presentation will go on in this order. First, i’ll introduce how to establish an SCFNN source localization model and how to learn the parameter from data. Then, i’ll train and test a localization prediction model on the experimental data, to confirm that the SCFNN works well on source localization. And in part III, the inﬂuence of SSP mismatch on the SCFNN model is investigated by simulations, together with performance comparison with two conventional MFP methods, in part IV, data-model mixed training strategy is used to improve the model robustness, the end is a summary &amp; future work.</a:t>
+            </a:r>
+            <a:endParaRPr lang="zh-CN" altLang="zh-CN" sz="1200" kern="1200" dirty="0" smtClean="0">
+              <a:solidFill>
+                <a:schemeClr val="tx1"/>
+              </a:solidFill>
+              <a:effectLst/>
+              <a:latin typeface="+mn-lt"/>
+              <a:ea typeface="+mn-ea"/>
+              <a:cs typeface="+mn-cs"/>
+            </a:endParaRPr>
+          </a:p>
+          <a:p>
+            <a:endParaRPr lang="zh-CN" altLang="en-US" dirty="0"/>
           </a:p>
         </p:txBody>
       </p:sp>
@@ -802,7 +2506,7 @@
           <a:p>
             <a:fld id="{907F34D5-E4BE-4E94-974F-96F8937DECE5}" type="slidenum">
               <a:rPr lang="zh-CN" altLang="en-US" smtClean="0"/>
-              <a:t>6</a:t>
+              <a:t>3</a:t>
             </a:fld>
             <a:endParaRPr lang="zh-CN" altLang="en-US"/>
           </a:p>
@@ -811,7 +2515,7 @@
     </p:spTree>
     <p:extLst>
       <p:ext uri="{BB962C8B-B14F-4D97-AF65-F5344CB8AC3E}">
-        <p14:creationId xmlns:p14="http://schemas.microsoft.com/office/powerpoint/2010/main" val="3600908269"/>
+        <p14:creationId xmlns:p14="http://schemas.microsoft.com/office/powerpoint/2010/main" val="491758073"/>
       </p:ext>
     </p:extLst>
   </p:cSld>
@@ -865,7 +2569,218 @@
           <a:bodyPr/>
           <a:lstStyle/>
           <a:p>
-            <a:endParaRPr lang="zh-CN" altLang="en-US"/>
+            <a:r>
+              <a:rPr lang="en-US" altLang="zh-CN" sz="1200" kern="1200" dirty="0" smtClean="0">
+                <a:solidFill>
+                  <a:schemeClr val="tx1"/>
+                </a:solidFill>
+                <a:effectLst/>
+                <a:latin typeface="+mn-lt"/>
+                <a:ea typeface="+mn-ea"/>
+                <a:cs typeface="+mn-cs"/>
+              </a:rPr>
+              <a:t>Our work mainly refers to Niu’s paper published on JASA (Journal of the Acoustical Society of America), you can find it by search the paper name given below. Same as Niu (UCSD) did in his work (JASA 2017), we also assumed that there is a deterministic </a:t>
+            </a:r>
+            <a:r>
+              <a:rPr lang="zh-CN" altLang="zh-CN" sz="1200" kern="1200" dirty="0" smtClean="0">
+                <a:solidFill>
+                  <a:schemeClr val="tx1"/>
+                </a:solidFill>
+                <a:effectLst/>
+                <a:latin typeface="+mn-lt"/>
+                <a:ea typeface="+mn-ea"/>
+                <a:cs typeface="+mn-cs"/>
+              </a:rPr>
+              <a:t>[dɪˌtɜːmɪ'nɪstɪk] </a:t>
+            </a:r>
+            <a:r>
+              <a:rPr lang="en-US" altLang="zh-CN" sz="1200" kern="1200" dirty="0" smtClean="0">
+                <a:solidFill>
+                  <a:schemeClr val="tx1"/>
+                </a:solidFill>
+                <a:effectLst/>
+                <a:latin typeface="+mn-lt"/>
+                <a:ea typeface="+mn-ea"/>
+                <a:cs typeface="+mn-cs"/>
+              </a:rPr>
+              <a:t>relationship between source range and sample-covariance matrix (SCM) and approximated this relationship by the FNN. </a:t>
+            </a:r>
+            <a:endParaRPr lang="zh-CN" altLang="zh-CN" sz="1200" kern="1200" dirty="0" smtClean="0">
+              <a:solidFill>
+                <a:schemeClr val="tx1"/>
+              </a:solidFill>
+              <a:effectLst/>
+              <a:latin typeface="+mn-lt"/>
+              <a:ea typeface="+mn-ea"/>
+              <a:cs typeface="+mn-cs"/>
+            </a:endParaRPr>
+          </a:p>
+          <a:p>
+            <a:r>
+              <a:rPr lang="en-US" altLang="zh-CN" sz="1200" kern="1200" dirty="0" smtClean="0">
+                <a:solidFill>
+                  <a:schemeClr val="tx1"/>
+                </a:solidFill>
+                <a:effectLst/>
+                <a:latin typeface="+mn-lt"/>
+                <a:ea typeface="+mn-ea"/>
+                <a:cs typeface="+mn-cs"/>
+              </a:rPr>
+              <a:t> </a:t>
+            </a:r>
+            <a:endParaRPr lang="zh-CN" altLang="zh-CN" sz="1200" kern="1200" dirty="0" smtClean="0">
+              <a:solidFill>
+                <a:schemeClr val="tx1"/>
+              </a:solidFill>
+              <a:effectLst/>
+              <a:latin typeface="+mn-lt"/>
+              <a:ea typeface="+mn-ea"/>
+              <a:cs typeface="+mn-cs"/>
+            </a:endParaRPr>
+          </a:p>
+          <a:p>
+            <a:r>
+              <a:rPr lang="en-US" altLang="zh-CN" sz="1200" kern="1200" dirty="0" smtClean="0">
+                <a:solidFill>
+                  <a:schemeClr val="tx1"/>
+                </a:solidFill>
+                <a:effectLst/>
+                <a:latin typeface="+mn-lt"/>
+                <a:ea typeface="+mn-ea"/>
+                <a:cs typeface="+mn-cs"/>
+              </a:rPr>
+              <a:t>The feed-forward neural network (FNN), also known as multi-layer perceptron, is constructed using a feedforward directed acyclic </a:t>
+            </a:r>
+            <a:r>
+              <a:rPr lang="zh-CN" altLang="zh-CN" sz="1200" kern="1200" dirty="0" smtClean="0">
+                <a:solidFill>
+                  <a:schemeClr val="tx1"/>
+                </a:solidFill>
+                <a:effectLst/>
+                <a:latin typeface="+mn-lt"/>
+                <a:ea typeface="+mn-ea"/>
+                <a:cs typeface="+mn-cs"/>
+              </a:rPr>
+              <a:t>[eɪ'saɪklɪk] </a:t>
+            </a:r>
+            <a:r>
+              <a:rPr lang="en-US" altLang="zh-CN" sz="1200" kern="1200" dirty="0" smtClean="0">
+                <a:solidFill>
+                  <a:schemeClr val="tx1"/>
+                </a:solidFill>
+                <a:effectLst/>
+                <a:latin typeface="+mn-lt"/>
+                <a:ea typeface="+mn-ea"/>
+                <a:cs typeface="+mn-cs"/>
+              </a:rPr>
+              <a:t>architecture. The outputs are formed through a series of functional transformations of the weighted inputs. </a:t>
+            </a:r>
+            <a:endParaRPr lang="zh-CN" altLang="zh-CN" sz="1200" kern="1200" dirty="0" smtClean="0">
+              <a:solidFill>
+                <a:schemeClr val="tx1"/>
+              </a:solidFill>
+              <a:effectLst/>
+              <a:latin typeface="+mn-lt"/>
+              <a:ea typeface="+mn-ea"/>
+              <a:cs typeface="+mn-cs"/>
+            </a:endParaRPr>
+          </a:p>
+          <a:p>
+            <a:r>
+              <a:rPr lang="en-US" altLang="zh-CN" sz="1200" kern="1200" dirty="0" smtClean="0">
+                <a:solidFill>
+                  <a:schemeClr val="tx1"/>
+                </a:solidFill>
+                <a:effectLst/>
+                <a:latin typeface="+mn-lt"/>
+                <a:ea typeface="+mn-ea"/>
+                <a:cs typeface="+mn-cs"/>
+              </a:rPr>
+              <a:t> </a:t>
+            </a:r>
+            <a:endParaRPr lang="zh-CN" altLang="zh-CN" sz="1200" kern="1200" dirty="0" smtClean="0">
+              <a:solidFill>
+                <a:schemeClr val="tx1"/>
+              </a:solidFill>
+              <a:effectLst/>
+              <a:latin typeface="+mn-lt"/>
+              <a:ea typeface="+mn-ea"/>
+              <a:cs typeface="+mn-cs"/>
+            </a:endParaRPr>
+          </a:p>
+          <a:p>
+            <a:r>
+              <a:rPr lang="en-US" altLang="zh-CN" sz="1200" kern="1200" dirty="0" smtClean="0">
+                <a:solidFill>
+                  <a:schemeClr val="tx1"/>
+                </a:solidFill>
+                <a:effectLst/>
+                <a:latin typeface="+mn-lt"/>
+                <a:ea typeface="+mn-ea"/>
+                <a:cs typeface="+mn-cs"/>
+              </a:rPr>
+              <a:t>Here, a three layer model (input layer L1, hidden layer L2 and output layer L3) is used to construct the FNN. The input layer L1 is comprised of D input variables x. The output y is discrete </a:t>
+            </a:r>
+            <a:r>
+              <a:rPr lang="zh-CN" altLang="zh-CN" sz="1200" kern="1200" dirty="0" smtClean="0">
+                <a:solidFill>
+                  <a:schemeClr val="tx1"/>
+                </a:solidFill>
+                <a:effectLst/>
+                <a:latin typeface="+mn-lt"/>
+                <a:ea typeface="+mn-ea"/>
+                <a:cs typeface="+mn-cs"/>
+              </a:rPr>
+              <a:t>[dɪˈskrit] </a:t>
+            </a:r>
+            <a:r>
+              <a:rPr lang="en-US" altLang="zh-CN" sz="1200" kern="1200" dirty="0" smtClean="0">
+                <a:solidFill>
+                  <a:schemeClr val="tx1"/>
+                </a:solidFill>
+                <a:effectLst/>
+                <a:latin typeface="+mn-lt"/>
+                <a:ea typeface="+mn-ea"/>
+                <a:cs typeface="+mn-cs"/>
+              </a:rPr>
+              <a:t>corresponding </a:t>
+            </a:r>
+            <a:r>
+              <a:rPr lang="zh-CN" altLang="zh-CN" sz="1200" kern="1200" dirty="0" smtClean="0">
+                <a:solidFill>
+                  <a:schemeClr val="tx1"/>
+                </a:solidFill>
+                <a:effectLst/>
+                <a:latin typeface="+mn-lt"/>
+                <a:ea typeface="+mn-ea"/>
+                <a:cs typeface="+mn-cs"/>
+              </a:rPr>
+              <a:t>[.kɔrə'spɑndɪŋ] </a:t>
+            </a:r>
+            <a:r>
+              <a:rPr lang="en-US" altLang="zh-CN" sz="1200" kern="1200" dirty="0" smtClean="0">
+                <a:solidFill>
+                  <a:schemeClr val="tx1"/>
+                </a:solidFill>
+                <a:effectLst/>
+                <a:latin typeface="+mn-lt"/>
+                <a:ea typeface="+mn-ea"/>
+                <a:cs typeface="+mn-cs"/>
+              </a:rPr>
+              <a:t>to the estimated source range.</a:t>
+            </a:r>
+            <a:endParaRPr lang="zh-CN" altLang="zh-CN" sz="1200" kern="1200" dirty="0" smtClean="0">
+              <a:solidFill>
+                <a:schemeClr val="tx1"/>
+              </a:solidFill>
+              <a:effectLst/>
+              <a:latin typeface="+mn-lt"/>
+              <a:ea typeface="+mn-ea"/>
+              <a:cs typeface="+mn-cs"/>
+            </a:endParaRPr>
+          </a:p>
+          <a:p>
+            <a:endParaRPr lang="zh-CN" altLang="en-US" dirty="0"/>
           </a:p>
         </p:txBody>
       </p:sp>
@@ -886,7 +2801,7 @@
           <a:p>
             <a:fld id="{907F34D5-E4BE-4E94-974F-96F8937DECE5}" type="slidenum">
               <a:rPr lang="zh-CN" altLang="en-US" smtClean="0"/>
-              <a:t>7</a:t>
+              <a:t>4</a:t>
             </a:fld>
             <a:endParaRPr lang="zh-CN" altLang="en-US"/>
           </a:p>
@@ -895,7 +2810,7 @@
     </p:spTree>
     <p:extLst>
       <p:ext uri="{BB962C8B-B14F-4D97-AF65-F5344CB8AC3E}">
-        <p14:creationId xmlns:p14="http://schemas.microsoft.com/office/powerpoint/2010/main" val="4186264672"/>
+        <p14:creationId xmlns:p14="http://schemas.microsoft.com/office/powerpoint/2010/main" val="944769038"/>
       </p:ext>
     </p:extLst>
   </p:cSld>
@@ -949,11 +2864,8 @@
           <a:bodyPr/>
           <a:lstStyle/>
           <a:p>
-            <a:pPr marL="228600" indent="-228600">
-              <a:buAutoNum type="arabicPeriod"/>
-            </a:pPr>
-            <a:r>
-              <a:rPr lang="en-US" altLang="zh-CN" sz="1200" b="0" i="0" kern="1200" dirty="0" smtClean="0">
+            <a:r>
+              <a:rPr lang="en-US" altLang="zh-CN" sz="1200" kern="1200" dirty="0" smtClean="0">
                 <a:solidFill>
                   <a:schemeClr val="tx1"/>
                 </a:solidFill>
@@ -962,10 +2874,21 @@
                 <a:ea typeface="+mn-ea"/>
                 <a:cs typeface="+mn-cs"/>
               </a:rPr>
-              <a:t>In the MFP method, the model accuracy is heavily aﬀected</a:t>
-            </a:r>
-            <a:r>
-              <a:rPr lang="en-US" altLang="zh-CN" sz="1200" b="0" i="0" kern="1200" baseline="0" dirty="0" smtClean="0">
+              <a:t>The FNN used in our paper is a simple three layer model (input layer L1, hidden layer L2 and output layer L3). </a:t>
+            </a:r>
+            <a:endParaRPr lang="zh-CN" altLang="zh-CN" sz="1200" kern="1200" dirty="0" smtClean="0">
+              <a:solidFill>
+                <a:schemeClr val="tx1"/>
+              </a:solidFill>
+              <a:effectLst/>
+              <a:latin typeface="+mn-lt"/>
+              <a:ea typeface="+mn-ea"/>
+              <a:cs typeface="+mn-cs"/>
+            </a:endParaRPr>
+          </a:p>
+          <a:p>
+            <a:r>
+              <a:rPr lang="en-US" altLang="zh-CN" sz="1200" kern="1200" dirty="0" smtClean="0">
                 <a:solidFill>
                   <a:schemeClr val="tx1"/>
                 </a:solidFill>
@@ -974,10 +2897,21 @@
                 <a:ea typeface="+mn-ea"/>
                 <a:cs typeface="+mn-cs"/>
               </a:rPr>
-              <a:t> </a:t>
-            </a:r>
-            <a:r>
-              <a:rPr lang="en-US" altLang="zh-CN" sz="1200" b="0" i="0" kern="1200" dirty="0" smtClean="0">
+              <a:t> </a:t>
+            </a:r>
+            <a:endParaRPr lang="zh-CN" altLang="zh-CN" sz="1200" kern="1200" dirty="0" smtClean="0">
+              <a:solidFill>
+                <a:schemeClr val="tx1"/>
+              </a:solidFill>
+              <a:effectLst/>
+              <a:latin typeface="+mn-lt"/>
+              <a:ea typeface="+mn-ea"/>
+              <a:cs typeface="+mn-cs"/>
+            </a:endParaRPr>
+          </a:p>
+          <a:p>
+            <a:r>
+              <a:rPr lang="en-US" altLang="zh-CN" sz="1200" kern="1200" dirty="0" smtClean="0">
                 <a:solidFill>
                   <a:schemeClr val="tx1"/>
                 </a:solidFill>
@@ -986,15 +2920,10 @@
                 <a:ea typeface="+mn-ea"/>
                 <a:cs typeface="+mn-cs"/>
               </a:rPr>
-              <a:t>by the mismatch problem</a:t>
-            </a:r>
-          </a:p>
-          <a:p>
-            <a:pPr marL="228600" indent="-228600">
-              <a:buAutoNum type="arabicPeriod"/>
-            </a:pPr>
-            <a:r>
-              <a:rPr lang="en-US" altLang="zh-CN" sz="1200" b="0" i="0" kern="1200" dirty="0" smtClean="0">
+              <a:t>The hidden layer is a linear combination with input layer and then transformed using an activation function f(·). </a:t>
+            </a:r>
+            <a:r>
+              <a:rPr lang="en-US" altLang="zh-CN" sz="1200" u="none" strike="noStrike" kern="1200" dirty="0" smtClean="0">
                 <a:solidFill>
                   <a:schemeClr val="tx1"/>
                 </a:solidFill>
@@ -1002,11 +2931,12 @@
                 <a:latin typeface="+mn-lt"/>
                 <a:ea typeface="+mn-ea"/>
                 <a:cs typeface="+mn-cs"/>
-              </a:rPr>
-              <a:t>The performance curves for</a:t>
-            </a:r>
-            <a:r>
-              <a:rPr lang="en-US" altLang="zh-CN" sz="1200" b="0" i="0" kern="1200" baseline="0" dirty="0" smtClean="0">
+                <a:hlinkClick r:id="rId3"/>
+              </a:rPr>
+              <a:t>ReLu </a:t>
+            </a:r>
+            <a:r>
+              <a:rPr lang="en-US" altLang="zh-CN" sz="1200" kern="1200" dirty="0" smtClean="0">
                 <a:solidFill>
                   <a:schemeClr val="tx1"/>
                 </a:solidFill>
@@ -1015,10 +2945,10 @@
                 <a:ea typeface="+mn-ea"/>
                 <a:cs typeface="+mn-cs"/>
               </a:rPr>
-              <a:t> </a:t>
-            </a:r>
-            <a:r>
-              <a:rPr lang="en-US" altLang="zh-CN" sz="1200" b="0" i="0" kern="1200" dirty="0" smtClean="0">
+              <a:t>(Rectified </a:t>
+            </a:r>
+            <a:r>
+              <a:rPr lang="zh-CN" altLang="zh-CN" sz="1200" kern="1200" dirty="0" smtClean="0">
                 <a:solidFill>
                   <a:schemeClr val="tx1"/>
                 </a:solidFill>
@@ -1027,10 +2957,10 @@
                 <a:ea typeface="+mn-ea"/>
                 <a:cs typeface="+mn-cs"/>
               </a:rPr>
-              <a:t>SCFNN, Bartlett and MCE vs SNR are plotted by 1000 times</a:t>
-            </a:r>
-            <a:r>
-              <a:rPr lang="en-US" altLang="zh-CN" sz="1200" b="0" i="0" kern="1200" baseline="0" dirty="0" smtClean="0">
+              <a:t>['rektə.faɪ]</a:t>
+            </a:r>
+            <a:r>
+              <a:rPr lang="en-US" altLang="zh-CN" sz="1200" kern="1200" dirty="0" smtClean="0">
                 <a:solidFill>
                   <a:schemeClr val="tx1"/>
                 </a:solidFill>
@@ -1039,10 +2969,10 @@
                 <a:ea typeface="+mn-ea"/>
                 <a:cs typeface="+mn-cs"/>
               </a:rPr>
-              <a:t> </a:t>
-            </a:r>
-            <a:r>
-              <a:rPr lang="en-US" altLang="zh-CN" sz="1200" b="0" i="0" kern="1200" dirty="0" smtClean="0">
+              <a:t> Linear Units) function was chosen as the intermediate </a:t>
+            </a:r>
+            <a:r>
+              <a:rPr lang="zh-CN" altLang="zh-CN" sz="1200" kern="1200" dirty="0" smtClean="0">
                 <a:solidFill>
                   <a:schemeClr val="tx1"/>
                 </a:solidFill>
@@ -1051,19 +2981,10 @@
                 <a:ea typeface="+mn-ea"/>
                 <a:cs typeface="+mn-cs"/>
               </a:rPr>
-              <a:t>Monte Carlo simulations</a:t>
-            </a:r>
-            <a:r>
-              <a:rPr lang="en-US" altLang="zh-CN" dirty="0" smtClean="0"/>
-              <a:t> is plotted here.</a:t>
-            </a:r>
-          </a:p>
-          <a:p>
-            <a:pPr marL="228600" indent="-228600">
-              <a:buAutoNum type="arabicPeriod"/>
-            </a:pPr>
-            <a:r>
-              <a:rPr lang="en-US" altLang="zh-CN" sz="1200" b="0" i="0" kern="1200" dirty="0" smtClean="0">
+              <a:t>[.ɪntər'midiət]</a:t>
+            </a:r>
+            <a:r>
+              <a:rPr lang="en-US" altLang="zh-CN" sz="1200" kern="1200" dirty="0" smtClean="0">
                 <a:solidFill>
                   <a:schemeClr val="tx1"/>
                 </a:solidFill>
@@ -1072,10 +2993,21 @@
                 <a:ea typeface="+mn-ea"/>
                 <a:cs typeface="+mn-cs"/>
               </a:rPr>
-              <a:t>The snapshot</a:t>
-            </a:r>
-            <a:r>
-              <a:rPr lang="en-US" altLang="zh-CN" sz="1200" b="0" i="0" kern="1200" baseline="0" dirty="0" smtClean="0">
+              <a:t> activation function for this neural network, function curve can been seen in Fig(b).</a:t>
+            </a:r>
+            <a:endParaRPr lang="zh-CN" altLang="zh-CN" sz="1200" kern="1200" dirty="0" smtClean="0">
+              <a:solidFill>
+                <a:schemeClr val="tx1"/>
+              </a:solidFill>
+              <a:effectLst/>
+              <a:latin typeface="+mn-lt"/>
+              <a:ea typeface="+mn-ea"/>
+              <a:cs typeface="+mn-cs"/>
+            </a:endParaRPr>
+          </a:p>
+          <a:p>
+            <a:r>
+              <a:rPr lang="en-US" altLang="zh-CN" sz="1200" kern="1200" dirty="0" smtClean="0">
                 <a:solidFill>
                   <a:schemeClr val="tx1"/>
                 </a:solidFill>
@@ -1084,10 +3016,21 @@
                 <a:ea typeface="+mn-ea"/>
                 <a:cs typeface="+mn-cs"/>
               </a:rPr>
-              <a:t> </a:t>
-            </a:r>
-            <a:r>
-              <a:rPr lang="en-US" altLang="zh-CN" sz="1200" b="0" i="0" kern="1200" dirty="0" smtClean="0">
+              <a:t> </a:t>
+            </a:r>
+            <a:endParaRPr lang="zh-CN" altLang="zh-CN" sz="1200" kern="1200" dirty="0" smtClean="0">
+              <a:solidFill>
+                <a:schemeClr val="tx1"/>
+              </a:solidFill>
+              <a:effectLst/>
+              <a:latin typeface="+mn-lt"/>
+              <a:ea typeface="+mn-ea"/>
+              <a:cs typeface="+mn-cs"/>
+            </a:endParaRPr>
+          </a:p>
+          <a:p>
+            <a:r>
+              <a:rPr lang="en-US" altLang="zh-CN" sz="1200" kern="1200" dirty="0" smtClean="0">
                 <a:solidFill>
                   <a:schemeClr val="tx1"/>
                 </a:solidFill>
@@ -1096,15 +3039,21 @@
                 <a:ea typeface="+mn-ea"/>
                 <a:cs typeface="+mn-cs"/>
               </a:rPr>
-              <a:t>number here is 10. </a:t>
-            </a:r>
-          </a:p>
-          <a:p>
-            <a:pPr marL="228600" indent="-228600">
-              <a:buAutoNum type="arabicPeriod"/>
-            </a:pPr>
-            <a:r>
-              <a:rPr lang="en-US" altLang="zh-CN" sz="1200" b="0" i="0" kern="1200" dirty="0" smtClean="0">
+              <a:t>Similarly, Neurons between the hidden layer and the output layer are mapped by a linear function,</a:t>
+            </a:r>
+            <a:endParaRPr lang="zh-CN" altLang="zh-CN" sz="1200" kern="1200" dirty="0" smtClean="0">
+              <a:solidFill>
+                <a:schemeClr val="tx1"/>
+              </a:solidFill>
+              <a:effectLst/>
+              <a:latin typeface="+mn-lt"/>
+              <a:ea typeface="+mn-ea"/>
+              <a:cs typeface="+mn-cs"/>
+            </a:endParaRPr>
+          </a:p>
+          <a:p>
+            <a:r>
+              <a:rPr lang="en-US" altLang="zh-CN" sz="1200" kern="1200" dirty="0" smtClean="0">
                 <a:solidFill>
                   <a:schemeClr val="tx1"/>
                 </a:solidFill>
@@ -1113,10 +3062,10 @@
                 <a:ea typeface="+mn-ea"/>
                 <a:cs typeface="+mn-cs"/>
               </a:rPr>
-              <a:t>legend ‘FNN,i905’</a:t>
-            </a:r>
-            <a:r>
-              <a:rPr lang="en-US" altLang="zh-CN" sz="1200" b="0" i="0" kern="1200" baseline="0" dirty="0" smtClean="0">
+              <a:t>and is normalized by </a:t>
+            </a:r>
+            <a:r>
+              <a:rPr lang="en-US" altLang="zh-CN" sz="1200" i="1" kern="1200" dirty="0" smtClean="0">
                 <a:solidFill>
                   <a:schemeClr val="tx1"/>
                 </a:solidFill>
@@ -1125,10 +3074,10 @@
                 <a:ea typeface="+mn-ea"/>
                 <a:cs typeface="+mn-cs"/>
               </a:rPr>
-              <a:t> </a:t>
-            </a:r>
-            <a:r>
-              <a:rPr lang="en-US" altLang="zh-CN" sz="1200" b="0" i="0" kern="1200" dirty="0" smtClean="0">
+              <a:t>softmax</a:t>
+            </a:r>
+            <a:r>
+              <a:rPr lang="en-US" altLang="zh-CN" sz="1200" kern="1200" dirty="0" smtClean="0">
                 <a:solidFill>
                   <a:schemeClr val="tx1"/>
                 </a:solidFill>
@@ -1137,39 +3086,19 @@
                 <a:ea typeface="+mn-ea"/>
                 <a:cs typeface="+mn-cs"/>
               </a:rPr>
-              <a:t>means that, the corresponding method is FNN and the test</a:t>
-            </a:r>
-            <a:r>
-              <a:rPr lang="en-US" altLang="zh-CN" sz="1200" b="0" i="0" kern="1200" baseline="0" dirty="0" smtClean="0">
-                <a:solidFill>
-                  <a:schemeClr val="tx1"/>
-                </a:solidFill>
-                <a:effectLst/>
-                <a:latin typeface="+mn-lt"/>
-                <a:ea typeface="+mn-ea"/>
-                <a:cs typeface="+mn-cs"/>
-              </a:rPr>
-              <a:t> </a:t>
-            </a:r>
-            <a:r>
-              <a:rPr lang="en-US" altLang="zh-CN" sz="1200" b="0" i="0" kern="1200" dirty="0" smtClean="0">
-                <a:solidFill>
-                  <a:schemeClr val="tx1"/>
-                </a:solidFill>
-                <a:effectLst/>
-                <a:latin typeface="+mn-lt"/>
-                <a:ea typeface="+mn-ea"/>
-                <a:cs typeface="+mn-cs"/>
-              </a:rPr>
-              <a:t>data is from i905 environment, rests are similar. </a:t>
-            </a:r>
-            <a:r>
-              <a:rPr lang="en-US" altLang="zh-CN" dirty="0" smtClean="0"/>
-              <a:t/>
-            </a:r>
-            <a:br>
-              <a:rPr lang="en-US" altLang="zh-CN" dirty="0" smtClean="0"/>
-            </a:br>
+              <a:t> function, which is a common choice for multi-class classification task.</a:t>
+            </a:r>
+            <a:endParaRPr lang="zh-CN" altLang="zh-CN" sz="1200" kern="1200" dirty="0" smtClean="0">
+              <a:solidFill>
+                <a:schemeClr val="tx1"/>
+              </a:solidFill>
+              <a:effectLst/>
+              <a:latin typeface="+mn-lt"/>
+              <a:ea typeface="+mn-ea"/>
+              <a:cs typeface="+mn-cs"/>
+            </a:endParaRPr>
+          </a:p>
+          <a:p>
             <a:endParaRPr lang="zh-CN" altLang="en-US" dirty="0"/>
           </a:p>
         </p:txBody>
@@ -1191,7 +3120,7 @@
           <a:p>
             <a:fld id="{907F34D5-E4BE-4E94-974F-96F8937DECE5}" type="slidenum">
               <a:rPr lang="zh-CN" altLang="en-US" smtClean="0"/>
-              <a:t>12</a:t>
+              <a:t>5</a:t>
             </a:fld>
             <a:endParaRPr lang="zh-CN" altLang="en-US"/>
           </a:p>
@@ -1200,7 +3129,7 @@
     </p:spTree>
     <p:extLst>
       <p:ext uri="{BB962C8B-B14F-4D97-AF65-F5344CB8AC3E}">
-        <p14:creationId xmlns:p14="http://schemas.microsoft.com/office/powerpoint/2010/main" val="2368178604"/>
+        <p14:creationId xmlns:p14="http://schemas.microsoft.com/office/powerpoint/2010/main" val="1678077358"/>
       </p:ext>
     </p:extLst>
   </p:cSld>
@@ -1254,11 +3183,8 @@
           <a:bodyPr/>
           <a:lstStyle/>
           <a:p>
-            <a:pPr marL="228600" indent="-228600">
-              <a:buAutoNum type="arabicPeriod"/>
-            </a:pPr>
-            <a:r>
-              <a:rPr lang="en-US" altLang="zh-CN" sz="1200" b="0" i="0" kern="1200" dirty="0" smtClean="0">
+            <a:r>
+              <a:rPr lang="en-US" altLang="zh-CN" sz="1200" kern="1200" dirty="0" smtClean="0">
                 <a:solidFill>
                   <a:schemeClr val="tx1"/>
                 </a:solidFill>
@@ -1267,10 +3193,21 @@
                 <a:ea typeface="+mn-ea"/>
                 <a:cs typeface="+mn-cs"/>
               </a:rPr>
-              <a:t>the SCFNN is also sensitive to</a:t>
-            </a:r>
-            <a:r>
-              <a:rPr lang="en-US" altLang="zh-CN" sz="1200" b="0" i="0" kern="1200" baseline="0" dirty="0" smtClean="0">
+              <a:t>The sound pressure is modeled as source term S(f) multiply Green’s function g(f, r), then add with noise term n.</a:t>
+            </a:r>
+            <a:endParaRPr lang="zh-CN" altLang="zh-CN" sz="1200" kern="1200" dirty="0" smtClean="0">
+              <a:solidFill>
+                <a:schemeClr val="tx1"/>
+              </a:solidFill>
+              <a:effectLst/>
+              <a:latin typeface="+mn-lt"/>
+              <a:ea typeface="+mn-ea"/>
+              <a:cs typeface="+mn-cs"/>
+            </a:endParaRPr>
+          </a:p>
+          <a:p>
+            <a:r>
+              <a:rPr lang="en-US" altLang="zh-CN" sz="1200" kern="1200" dirty="0" smtClean="0">
                 <a:solidFill>
                   <a:schemeClr val="tx1"/>
                 </a:solidFill>
@@ -1279,10 +3216,21 @@
                 <a:ea typeface="+mn-ea"/>
                 <a:cs typeface="+mn-cs"/>
               </a:rPr>
-              <a:t> </a:t>
-            </a:r>
-            <a:r>
-              <a:rPr lang="en-US" altLang="zh-CN" sz="1200" b="0" i="0" kern="1200" dirty="0" smtClean="0">
+              <a:t> </a:t>
+            </a:r>
+            <a:endParaRPr lang="zh-CN" altLang="zh-CN" sz="1200" kern="1200" dirty="0" smtClean="0">
+              <a:solidFill>
+                <a:schemeClr val="tx1"/>
+              </a:solidFill>
+              <a:effectLst/>
+              <a:latin typeface="+mn-lt"/>
+              <a:ea typeface="+mn-ea"/>
+              <a:cs typeface="+mn-cs"/>
+            </a:endParaRPr>
+          </a:p>
+          <a:p>
+            <a:r>
+              <a:rPr lang="en-US" altLang="zh-CN" sz="1200" kern="1200" dirty="0" smtClean="0">
                 <a:solidFill>
                   <a:schemeClr val="tx1"/>
                 </a:solidFill>
@@ -1291,14 +3239,10 @@
                 <a:ea typeface="+mn-ea"/>
                 <a:cs typeface="+mn-cs"/>
               </a:rPr>
-              <a:t>SSP mismatch. When the environment SSP has a big change</a:t>
-            </a:r>
-            <a:r>
-              <a:rPr lang="en-US" altLang="zh-CN" dirty="0" smtClean="0"/>
-              <a:t> </a:t>
-            </a:r>
-            <a:r>
-              <a:rPr lang="en-US" altLang="zh-CN" sz="1200" b="0" i="0" kern="1200" dirty="0" smtClean="0">
+              <a:t>To reduce the effect of the source amplitude |S(f)|, this complex pressure is normalized, and the sample covariance matrices (SCMs) are averaged over Ns snapshots to form the conjugate </a:t>
+            </a:r>
+            <a:r>
+              <a:rPr lang="zh-CN" altLang="zh-CN" sz="1200" kern="1200" dirty="0" smtClean="0">
                 <a:solidFill>
                   <a:schemeClr val="tx1"/>
                 </a:solidFill>
@@ -1307,10 +3251,10 @@
                 <a:ea typeface="+mn-ea"/>
                 <a:cs typeface="+mn-cs"/>
               </a:rPr>
-              <a:t>in shape, the classifier trained by single data set performs</a:t>
-            </a:r>
-            <a:r>
-              <a:rPr lang="en-US" altLang="zh-CN" sz="1200" b="0" i="0" kern="1200" baseline="0" dirty="0" smtClean="0">
+              <a:t>['kɑndʒə.ɡeɪt] </a:t>
+            </a:r>
+            <a:r>
+              <a:rPr lang="en-US" altLang="zh-CN" sz="1200" kern="1200" dirty="0" smtClean="0">
                 <a:solidFill>
                   <a:schemeClr val="tx1"/>
                 </a:solidFill>
@@ -1319,10 +3263,10 @@
                 <a:ea typeface="+mn-ea"/>
                 <a:cs typeface="+mn-cs"/>
               </a:rPr>
-              <a:t> </a:t>
-            </a:r>
-            <a:r>
-              <a:rPr lang="en-US" altLang="zh-CN" sz="1200" b="0" i="0" kern="1200" dirty="0" smtClean="0">
+              <a:t>symmetric </a:t>
+            </a:r>
+            <a:r>
+              <a:rPr lang="zh-CN" altLang="zh-CN" sz="1200" kern="1200" dirty="0" smtClean="0">
                 <a:solidFill>
                   <a:schemeClr val="tx1"/>
                 </a:solidFill>
@@ -1331,15 +3275,10 @@
                 <a:ea typeface="+mn-ea"/>
                 <a:cs typeface="+mn-cs"/>
               </a:rPr>
-              <a:t>poorly. </a:t>
-            </a:r>
-          </a:p>
-          <a:p>
-            <a:pPr marL="228600" indent="-228600">
-              <a:buAutoNum type="arabicPeriod"/>
-            </a:pPr>
-            <a:r>
-              <a:rPr lang="en-US" altLang="zh-CN" sz="1200" b="0" i="0" kern="1200" dirty="0" smtClean="0">
+              <a:t>[sɪ'metrɪk] </a:t>
+            </a:r>
+            <a:r>
+              <a:rPr lang="en-US" altLang="zh-CN" sz="1200" kern="1200" dirty="0" smtClean="0">
                 <a:solidFill>
                   <a:schemeClr val="tx1"/>
                 </a:solidFill>
@@ -1348,10 +3287,21 @@
                 <a:ea typeface="+mn-ea"/>
                 <a:cs typeface="+mn-cs"/>
               </a:rPr>
-              <a:t>for example, the model, trained by data set corresponding to </a:t>
-            </a:r>
-            <a:r>
-              <a:rPr lang="en-US" altLang="zh-CN" sz="1200" b="0" i="0" kern="1200" dirty="0" err="1" smtClean="0">
+              <a:t>matrix.</a:t>
+            </a:r>
+            <a:endParaRPr lang="zh-CN" altLang="zh-CN" sz="1200" kern="1200" dirty="0" smtClean="0">
+              <a:solidFill>
+                <a:schemeClr val="tx1"/>
+              </a:solidFill>
+              <a:effectLst/>
+              <a:latin typeface="+mn-lt"/>
+              <a:ea typeface="+mn-ea"/>
+              <a:cs typeface="+mn-cs"/>
+            </a:endParaRPr>
+          </a:p>
+          <a:p>
+            <a:r>
+              <a:rPr lang="en-US" altLang="zh-CN" sz="1200" kern="1200" dirty="0" smtClean="0">
                 <a:solidFill>
                   <a:schemeClr val="tx1"/>
                 </a:solidFill>
@@ -1360,10 +3310,21 @@
                 <a:ea typeface="+mn-ea"/>
                 <a:cs typeface="+mn-cs"/>
               </a:rPr>
-              <a:t>ssp</a:t>
-            </a:r>
-            <a:r>
-              <a:rPr lang="en-US" altLang="zh-CN" sz="1200" b="0" i="0" kern="1200" dirty="0" smtClean="0">
+              <a:t> </a:t>
+            </a:r>
+            <a:endParaRPr lang="zh-CN" altLang="zh-CN" sz="1200" kern="1200" dirty="0" smtClean="0">
+              <a:solidFill>
+                <a:schemeClr val="tx1"/>
+              </a:solidFill>
+              <a:effectLst/>
+              <a:latin typeface="+mn-lt"/>
+              <a:ea typeface="+mn-ea"/>
+              <a:cs typeface="+mn-cs"/>
+            </a:endParaRPr>
+          </a:p>
+          <a:p>
+            <a:r>
+              <a:rPr lang="en-US" altLang="zh-CN" sz="1200" kern="1200" dirty="0" smtClean="0">
                 <a:solidFill>
                   <a:schemeClr val="tx1"/>
                 </a:solidFill>
@@ -1372,10 +3333,10 @@
                 <a:ea typeface="+mn-ea"/>
                 <a:cs typeface="+mn-cs"/>
               </a:rPr>
-              <a:t>-optimized , performs poorly on</a:t>
-            </a:r>
-            <a:r>
-              <a:rPr lang="en-US" altLang="zh-CN" sz="1200" b="0" i="0" kern="1200" baseline="0" dirty="0" smtClean="0">
+              <a:t>Only the real and imaginary parts of the complex valued entries of diagonal </a:t>
+            </a:r>
+            <a:r>
+              <a:rPr lang="zh-CN" altLang="zh-CN" sz="1200" kern="1200" dirty="0" smtClean="0">
                 <a:solidFill>
                   <a:schemeClr val="tx1"/>
                 </a:solidFill>
@@ -1384,10 +3345,10 @@
                 <a:ea typeface="+mn-ea"/>
                 <a:cs typeface="+mn-cs"/>
               </a:rPr>
-              <a:t> </a:t>
-            </a:r>
-            <a:r>
-              <a:rPr lang="en-US" altLang="zh-CN" sz="1200" b="0" i="0" kern="1200" dirty="0" smtClean="0">
+              <a:t>[daɪ'æɡənəl] </a:t>
+            </a:r>
+            <a:r>
+              <a:rPr lang="en-US" altLang="zh-CN" sz="1200" kern="1200" dirty="0" smtClean="0">
                 <a:solidFill>
                   <a:schemeClr val="tx1"/>
                 </a:solidFill>
@@ -1396,15 +3357,21 @@
                 <a:ea typeface="+mn-ea"/>
                 <a:cs typeface="+mn-cs"/>
               </a:rPr>
-              <a:t>ssp-i906*,</a:t>
-            </a:r>
-          </a:p>
-          <a:p>
-            <a:pPr marL="0" indent="0">
-              <a:buNone/>
-            </a:pPr>
-            <a:r>
-              <a:rPr lang="en-US" altLang="zh-CN" sz="1200" b="0" i="0" kern="1200" dirty="0" smtClean="0">
+              <a:t>and upper triangular matrix in C(f) are used as input.</a:t>
+            </a:r>
+            <a:endParaRPr lang="zh-CN" altLang="zh-CN" sz="1200" kern="1200" dirty="0" smtClean="0">
+              <a:solidFill>
+                <a:schemeClr val="tx1"/>
+              </a:solidFill>
+              <a:effectLst/>
+              <a:latin typeface="+mn-lt"/>
+              <a:ea typeface="+mn-ea"/>
+              <a:cs typeface="+mn-cs"/>
+            </a:endParaRPr>
+          </a:p>
+          <a:p>
+            <a:r>
+              <a:rPr lang="en-US" altLang="zh-CN" sz="1200" kern="1200" dirty="0" smtClean="0">
                 <a:solidFill>
                   <a:schemeClr val="tx1"/>
                 </a:solidFill>
@@ -1413,10 +3380,21 @@
                 <a:ea typeface="+mn-ea"/>
                 <a:cs typeface="+mn-cs"/>
               </a:rPr>
-              <a:t>      and the accuracy drops about 40%, compared with</a:t>
-            </a:r>
-            <a:r>
-              <a:rPr lang="en-US" altLang="zh-CN" sz="1200" b="0" i="0" kern="1200" baseline="0" dirty="0" smtClean="0">
+              <a:t> </a:t>
+            </a:r>
+            <a:endParaRPr lang="zh-CN" altLang="zh-CN" sz="1200" kern="1200" dirty="0" smtClean="0">
+              <a:solidFill>
+                <a:schemeClr val="tx1"/>
+              </a:solidFill>
+              <a:effectLst/>
+              <a:latin typeface="+mn-lt"/>
+              <a:ea typeface="+mn-ea"/>
+              <a:cs typeface="+mn-cs"/>
+            </a:endParaRPr>
+          </a:p>
+          <a:p>
+            <a:r>
+              <a:rPr lang="en-US" altLang="zh-CN" sz="1200" kern="1200" dirty="0" smtClean="0">
                 <a:solidFill>
                   <a:schemeClr val="tx1"/>
                 </a:solidFill>
@@ -1425,68 +3403,22 @@
                 <a:ea typeface="+mn-ea"/>
                 <a:cs typeface="+mn-cs"/>
               </a:rPr>
-              <a:t> </a:t>
-            </a:r>
-            <a:r>
-              <a:rPr lang="en-US" altLang="zh-CN" sz="1200" b="0" i="0" kern="1200" dirty="0" smtClean="0">
-                <a:solidFill>
-                  <a:schemeClr val="tx1"/>
-                </a:solidFill>
-                <a:effectLst/>
-                <a:latin typeface="+mn-lt"/>
-                <a:ea typeface="+mn-ea"/>
-                <a:cs typeface="+mn-cs"/>
-              </a:rPr>
-              <a:t>the performance on ssp-i905. </a:t>
-            </a:r>
-          </a:p>
-          <a:p>
-            <a:pPr marL="0" indent="0">
-              <a:buNone/>
-            </a:pPr>
-            <a:r>
-              <a:rPr lang="en-US" altLang="zh-CN" sz="1200" b="0" i="0" kern="1200" dirty="0" smtClean="0">
-                <a:solidFill>
-                  <a:schemeClr val="tx1"/>
-                </a:solidFill>
-                <a:effectLst/>
-                <a:latin typeface="+mn-lt"/>
-                <a:ea typeface="+mn-ea"/>
-                <a:cs typeface="+mn-cs"/>
-              </a:rPr>
-              <a:t>3.  although, SCFNN is also sensitive to SSP mismatch, still performs better than Bartlett and the performance of</a:t>
-            </a:r>
-            <a:r>
-              <a:rPr lang="en-US" altLang="zh-CN" sz="1200" b="0" i="0" kern="1200" baseline="0" dirty="0" smtClean="0">
-                <a:solidFill>
-                  <a:schemeClr val="tx1"/>
-                </a:solidFill>
-                <a:effectLst/>
-                <a:latin typeface="+mn-lt"/>
-                <a:ea typeface="+mn-ea"/>
-                <a:cs typeface="+mn-cs"/>
-              </a:rPr>
-              <a:t> </a:t>
-            </a:r>
-            <a:r>
-              <a:rPr lang="en-US" altLang="zh-CN" sz="1200" b="0" i="0" kern="1200" dirty="0" smtClean="0">
-                <a:solidFill>
-                  <a:schemeClr val="tx1"/>
-                </a:solidFill>
-                <a:effectLst/>
-                <a:latin typeface="+mn-lt"/>
-                <a:ea typeface="+mn-ea"/>
-                <a:cs typeface="+mn-cs"/>
-              </a:rPr>
-              <a:t>SCFNN is close to the MCE method.</a:t>
-            </a:r>
-            <a:r>
-              <a:rPr lang="en-US" altLang="zh-CN" dirty="0" smtClean="0"/>
-              <a:t> </a:t>
-            </a:r>
-            <a:br>
-              <a:rPr lang="en-US" altLang="zh-CN" dirty="0" smtClean="0"/>
-            </a:br>
+              <a:t>Preprocessing the data according to these equations ensures that the Green’s function is used for localization.</a:t>
+            </a:r>
+            <a:endParaRPr lang="zh-CN" altLang="zh-CN" sz="1200" kern="1200" dirty="0" smtClean="0">
+              <a:solidFill>
+                <a:schemeClr val="tx1"/>
+              </a:solidFill>
+              <a:effectLst/>
+              <a:latin typeface="+mn-lt"/>
+              <a:ea typeface="+mn-ea"/>
+              <a:cs typeface="+mn-cs"/>
+            </a:endParaRPr>
+          </a:p>
+          <a:p>
+            <a:endParaRPr lang="en-US" altLang="zh-CN" dirty="0" smtClean="0"/>
+          </a:p>
+          <a:p>
             <a:endParaRPr lang="zh-CN" altLang="en-US" dirty="0"/>
           </a:p>
         </p:txBody>
@@ -1508,7 +3440,7 @@
           <a:p>
             <a:fld id="{907F34D5-E4BE-4E94-974F-96F8937DECE5}" type="slidenum">
               <a:rPr lang="zh-CN" altLang="en-US" smtClean="0"/>
-              <a:t>13</a:t>
+              <a:t>6</a:t>
             </a:fld>
             <a:endParaRPr lang="zh-CN" altLang="en-US"/>
           </a:p>
@@ -1517,7 +3449,7 @@
     </p:spTree>
     <p:extLst>
       <p:ext uri="{BB962C8B-B14F-4D97-AF65-F5344CB8AC3E}">
-        <p14:creationId xmlns:p14="http://schemas.microsoft.com/office/powerpoint/2010/main" val="384846"/>
+        <p14:creationId xmlns:p14="http://schemas.microsoft.com/office/powerpoint/2010/main" val="3600908269"/>
       </p:ext>
     </p:extLst>
   </p:cSld>
@@ -1572,7 +3504,7 @@
           <a:lstStyle/>
           <a:p>
             <a:r>
-              <a:rPr lang="en-US" altLang="zh-CN" sz="1200" b="0" i="0" kern="1200" dirty="0" smtClean="0">
+              <a:rPr lang="en-US" altLang="zh-CN" sz="1200" kern="1200" dirty="0" smtClean="0">
                 <a:solidFill>
                   <a:schemeClr val="tx1"/>
                 </a:solidFill>
@@ -1581,10 +3513,10 @@
                 <a:ea typeface="+mn-ea"/>
                 <a:cs typeface="+mn-cs"/>
               </a:rPr>
-              <a:t>1. by combining</a:t>
-            </a:r>
-            <a:r>
-              <a:rPr lang="en-US" altLang="zh-CN" sz="1200" b="0" i="0" kern="1200" baseline="0" dirty="0" smtClean="0">
+              <a:t>In this probelm, a set of source ranges is discretized </a:t>
+            </a:r>
+            <a:r>
+              <a:rPr lang="zh-CN" altLang="zh-CN" sz="1200" kern="1200" dirty="0" smtClean="0">
                 <a:solidFill>
                   <a:schemeClr val="tx1"/>
                 </a:solidFill>
@@ -1593,10 +3525,10 @@
                 <a:ea typeface="+mn-ea"/>
                 <a:cs typeface="+mn-cs"/>
               </a:rPr>
-              <a:t> </a:t>
-            </a:r>
-            <a:r>
-              <a:rPr lang="en-US" altLang="zh-CN" sz="1200" b="0" i="0" kern="1200" dirty="0" smtClean="0">
+              <a:t>[dɪ'skrit] </a:t>
+            </a:r>
+            <a:r>
+              <a:rPr lang="en-US" altLang="zh-CN" sz="1200" kern="1200" dirty="0" smtClean="0">
                 <a:solidFill>
                   <a:schemeClr val="tx1"/>
                 </a:solidFill>
@@ -1605,10 +3537,10 @@
                 <a:ea typeface="+mn-ea"/>
                 <a:cs typeface="+mn-cs"/>
               </a:rPr>
-              <a:t>the data collected from ssp-i906 and </a:t>
-            </a:r>
-            <a:r>
-              <a:rPr lang="en-US" altLang="zh-CN" sz="1200" b="0" i="0" kern="1200" dirty="0" err="1" smtClean="0">
+              <a:t>into K bins, r1, ..., rK, of equal width </a:t>
+            </a:r>
+            <a:r>
+              <a:rPr lang="zh-CN" altLang="zh-CN" sz="1200" kern="1200" dirty="0" smtClean="0">
                 <a:solidFill>
                   <a:schemeClr val="tx1"/>
                 </a:solidFill>
@@ -1617,10 +3549,10 @@
                 <a:ea typeface="+mn-ea"/>
                 <a:cs typeface="+mn-cs"/>
               </a:rPr>
-              <a:t>ssp</a:t>
-            </a:r>
-            <a:r>
-              <a:rPr lang="en-US" altLang="zh-CN" sz="1200" b="0" i="0" kern="1200" dirty="0" smtClean="0">
+              <a:t>[wɪtθ] </a:t>
+            </a:r>
+            <a:r>
+              <a:rPr lang="en-US" altLang="zh-CN" sz="1200" kern="1200" dirty="0" smtClean="0">
                 <a:solidFill>
                   <a:schemeClr val="tx1"/>
                 </a:solidFill>
@@ -1629,10 +3561,21 @@
                 <a:ea typeface="+mn-ea"/>
                 <a:cs typeface="+mn-cs"/>
               </a:rPr>
-              <a:t>-optimized as training</a:t>
-            </a:r>
-            <a:r>
-              <a:rPr lang="en-US" altLang="zh-CN" sz="1200" b="0" i="0" kern="1200" baseline="0" dirty="0" smtClean="0">
+              <a:t>∆r.</a:t>
+            </a:r>
+            <a:endParaRPr lang="zh-CN" altLang="zh-CN" sz="1200" kern="1200" dirty="0" smtClean="0">
+              <a:solidFill>
+                <a:schemeClr val="tx1"/>
+              </a:solidFill>
+              <a:effectLst/>
+              <a:latin typeface="+mn-lt"/>
+              <a:ea typeface="+mn-ea"/>
+              <a:cs typeface="+mn-cs"/>
+            </a:endParaRPr>
+          </a:p>
+          <a:p>
+            <a:r>
+              <a:rPr lang="en-US" altLang="zh-CN" sz="1200" kern="1200" dirty="0" smtClean="0">
                 <a:solidFill>
                   <a:schemeClr val="tx1"/>
                 </a:solidFill>
@@ -1641,10 +3584,21 @@
                 <a:ea typeface="+mn-ea"/>
                 <a:cs typeface="+mn-cs"/>
               </a:rPr>
-              <a:t> </a:t>
-            </a:r>
-            <a:r>
-              <a:rPr lang="en-US" altLang="zh-CN" sz="1200" b="0" i="0" kern="1200" dirty="0" smtClean="0">
+              <a:t> </a:t>
+            </a:r>
+            <a:endParaRPr lang="zh-CN" altLang="zh-CN" sz="1200" kern="1200" dirty="0" smtClean="0">
+              <a:solidFill>
+                <a:schemeClr val="tx1"/>
+              </a:solidFill>
+              <a:effectLst/>
+              <a:latin typeface="+mn-lt"/>
+              <a:ea typeface="+mn-ea"/>
+              <a:cs typeface="+mn-cs"/>
+            </a:endParaRPr>
+          </a:p>
+          <a:p>
+            <a:r>
+              <a:rPr lang="en-US" altLang="zh-CN" sz="1200" kern="1200" dirty="0" smtClean="0">
                 <a:solidFill>
                   <a:schemeClr val="tx1"/>
                 </a:solidFill>
@@ -1653,12 +3607,24 @@
                 <a:ea typeface="+mn-ea"/>
                 <a:cs typeface="+mn-cs"/>
               </a:rPr>
-              <a:t>set, </a:t>
-            </a:r>
-          </a:p>
-          <a:p>
-            <a:r>
-              <a:rPr lang="en-US" altLang="zh-CN" sz="1200" b="0" i="0" kern="1200" dirty="0" smtClean="0">
+              <a:t>Here, rk, r = 1,…,K are the source range classes.</a:t>
+            </a:r>
+            <a:endParaRPr lang="zh-CN" altLang="zh-CN" sz="1200" kern="1200" dirty="0" smtClean="0">
+              <a:solidFill>
+                <a:schemeClr val="tx1"/>
+              </a:solidFill>
+              <a:effectLst/>
+              <a:latin typeface="+mn-lt"/>
+              <a:ea typeface="+mn-ea"/>
+              <a:cs typeface="+mn-cs"/>
+            </a:endParaRPr>
+          </a:p>
+          <a:p>
+            <a:endParaRPr lang="en-US" altLang="zh-CN" dirty="0" smtClean="0"/>
+          </a:p>
+          <a:p>
+            <a:r>
+              <a:rPr lang="en-US" altLang="zh-CN" sz="1200" kern="1200" dirty="0" smtClean="0">
                 <a:solidFill>
                   <a:schemeClr val="tx1"/>
                 </a:solidFill>
@@ -1667,10 +3633,10 @@
                 <a:ea typeface="+mn-ea"/>
                 <a:cs typeface="+mn-cs"/>
               </a:rPr>
-              <a:t>    the robustness of the classifier increases significantly; as</a:t>
-            </a:r>
-            <a:r>
-              <a:rPr lang="en-US" altLang="zh-CN" sz="1200" b="0" i="0" kern="1200" baseline="0" dirty="0" smtClean="0">
+              <a:t>The weight matrix W ,V and bias vector b1, b2 are the parameters to be learned. In our case, the parametric </a:t>
+            </a:r>
+            <a:r>
+              <a:rPr lang="zh-CN" altLang="zh-CN" sz="1200" kern="1200" dirty="0" smtClean="0">
                 <a:solidFill>
                   <a:schemeClr val="tx1"/>
                 </a:solidFill>
@@ -1679,10 +3645,10 @@
                 <a:ea typeface="+mn-ea"/>
                 <a:cs typeface="+mn-cs"/>
               </a:rPr>
-              <a:t> </a:t>
-            </a:r>
-            <a:r>
-              <a:rPr lang="en-US" altLang="zh-CN" sz="1200" b="0" i="0" kern="1200" dirty="0" smtClean="0">
+              <a:t>[ˌpærə'metrɪk] </a:t>
+            </a:r>
+            <a:r>
+              <a:rPr lang="en-US" altLang="zh-CN" sz="1200" kern="1200" dirty="0" smtClean="0">
                 <a:solidFill>
                   <a:schemeClr val="tx1"/>
                 </a:solidFill>
@@ -1691,10 +3657,21 @@
                 <a:ea typeface="+mn-ea"/>
                 <a:cs typeface="+mn-cs"/>
               </a:rPr>
-              <a:t>the fig.</a:t>
-            </a:r>
-            <a:r>
-              <a:rPr lang="en-US" altLang="zh-CN" sz="1200" b="0" i="0" kern="1200" baseline="0" dirty="0" smtClean="0">
+              <a:t>model defines a distribution of target location, and we can simply use the principle of maximum likelihood to determine the parameters in this model.</a:t>
+            </a:r>
+            <a:endParaRPr lang="zh-CN" altLang="zh-CN" sz="1200" kern="1200" dirty="0" smtClean="0">
+              <a:solidFill>
+                <a:schemeClr val="tx1"/>
+              </a:solidFill>
+              <a:effectLst/>
+              <a:latin typeface="+mn-lt"/>
+              <a:ea typeface="+mn-ea"/>
+              <a:cs typeface="+mn-cs"/>
+            </a:endParaRPr>
+          </a:p>
+          <a:p>
+            <a:r>
+              <a:rPr lang="en-US" altLang="zh-CN" sz="1200" kern="1200" dirty="0" smtClean="0">
                 <a:solidFill>
                   <a:schemeClr val="tx1"/>
                 </a:solidFill>
@@ -1703,10 +3680,21 @@
                 <a:ea typeface="+mn-ea"/>
                 <a:cs typeface="+mn-cs"/>
               </a:rPr>
-              <a:t> </a:t>
-            </a:r>
-            <a:r>
-              <a:rPr lang="en-US" altLang="zh-CN" sz="1200" b="0" i="0" kern="1200" dirty="0" smtClean="0">
+              <a:t> </a:t>
+            </a:r>
+            <a:endParaRPr lang="zh-CN" altLang="zh-CN" sz="1200" kern="1200" dirty="0" smtClean="0">
+              <a:solidFill>
+                <a:schemeClr val="tx1"/>
+              </a:solidFill>
+              <a:effectLst/>
+              <a:latin typeface="+mn-lt"/>
+              <a:ea typeface="+mn-ea"/>
+              <a:cs typeface="+mn-cs"/>
+            </a:endParaRPr>
+          </a:p>
+          <a:p>
+            <a:r>
+              <a:rPr lang="en-US" altLang="zh-CN" sz="1200" kern="1200" dirty="0" smtClean="0">
                 <a:solidFill>
                   <a:schemeClr val="tx1"/>
                 </a:solidFill>
@@ -1715,12 +3703,10 @@
                 <a:ea typeface="+mn-ea"/>
                 <a:cs typeface="+mn-cs"/>
               </a:rPr>
-              <a:t>shows, </a:t>
-            </a:r>
-          </a:p>
-          <a:p>
-            <a:r>
-              <a:rPr lang="en-US" altLang="zh-CN" sz="1200" b="0" i="0" kern="1200" dirty="0" smtClean="0">
+              <a:t>The first term in </a:t>
+            </a:r>
+            <a:r>
+              <a:rPr lang="en-US" altLang="zh-CN" sz="1200" i="1" kern="1200" dirty="0" smtClean="0">
                 <a:solidFill>
                   <a:schemeClr val="tx1"/>
                 </a:solidFill>
@@ -1729,10 +3715,10 @@
                 <a:ea typeface="+mn-ea"/>
                 <a:cs typeface="+mn-cs"/>
               </a:rPr>
-              <a:t>2. the re-trained classifier predicts accurately on</a:t>
-            </a:r>
-            <a:r>
-              <a:rPr lang="en-US" altLang="zh-CN" sz="1200" b="0" i="0" kern="1200" baseline="0" dirty="0" smtClean="0">
+              <a:t>E(w)</a:t>
+            </a:r>
+            <a:r>
+              <a:rPr lang="en-US" altLang="zh-CN" sz="1200" kern="1200" dirty="0" smtClean="0">
                 <a:solidFill>
                   <a:schemeClr val="tx1"/>
                 </a:solidFill>
@@ -1741,10 +3727,10 @@
                 <a:ea typeface="+mn-ea"/>
                 <a:cs typeface="+mn-cs"/>
               </a:rPr>
-              <a:t> </a:t>
-            </a:r>
-            <a:r>
-              <a:rPr lang="en-US" altLang="zh-CN" sz="1200" b="0" i="0" kern="1200" dirty="0" smtClean="0">
+              <a:t> is the cross-entropy, equivalently </a:t>
+            </a:r>
+            <a:r>
+              <a:rPr lang="zh-CN" altLang="zh-CN" sz="1200" kern="1200" dirty="0" smtClean="0">
                 <a:solidFill>
                   <a:schemeClr val="tx1"/>
                 </a:solidFill>
@@ -1753,12 +3739,10 @@
                 <a:ea typeface="+mn-ea"/>
                 <a:cs typeface="+mn-cs"/>
               </a:rPr>
-              <a:t>ssp-i906*, just as well as on ssp-i905. </a:t>
-            </a:r>
-          </a:p>
-          <a:p>
-            <a:r>
-              <a:rPr lang="en-US" altLang="zh-CN" sz="1200" b="0" i="0" kern="1200" dirty="0" smtClean="0">
+              <a:t>[ɪk'wɪvələntlɪ] </a:t>
+            </a:r>
+            <a:r>
+              <a:rPr lang="en-US" altLang="zh-CN" sz="1200" kern="1200" dirty="0" smtClean="0">
                 <a:solidFill>
                   <a:schemeClr val="tx1"/>
                 </a:solidFill>
@@ -1767,10 +3751,21 @@
                 <a:ea typeface="+mn-ea"/>
                 <a:cs typeface="+mn-cs"/>
               </a:rPr>
-              <a:t>3. Although the accuracy</a:t>
-            </a:r>
-            <a:r>
-              <a:rPr lang="en-US" altLang="zh-CN" sz="1200" b="0" i="0" kern="1200" baseline="0" dirty="0" smtClean="0">
+              <a:t>the negative log-likelihood, between the true/desired distribution and the model predict distribution.</a:t>
+            </a:r>
+            <a:endParaRPr lang="zh-CN" altLang="zh-CN" sz="1200" kern="1200" dirty="0" smtClean="0">
+              <a:solidFill>
+                <a:schemeClr val="tx1"/>
+              </a:solidFill>
+              <a:effectLst/>
+              <a:latin typeface="+mn-lt"/>
+              <a:ea typeface="+mn-ea"/>
+              <a:cs typeface="+mn-cs"/>
+            </a:endParaRPr>
+          </a:p>
+          <a:p>
+            <a:r>
+              <a:rPr lang="en-US" altLang="zh-CN" sz="1200" kern="1200" dirty="0" smtClean="0">
                 <a:solidFill>
                   <a:schemeClr val="tx1"/>
                 </a:solidFill>
@@ -1779,10 +3774,21 @@
                 <a:ea typeface="+mn-ea"/>
                 <a:cs typeface="+mn-cs"/>
               </a:rPr>
-              <a:t> </a:t>
-            </a:r>
-            <a:r>
-              <a:rPr lang="en-US" altLang="zh-CN" sz="1200" b="0" i="0" kern="1200" dirty="0" smtClean="0">
+              <a:t> </a:t>
+            </a:r>
+            <a:endParaRPr lang="zh-CN" altLang="zh-CN" sz="1200" kern="1200" dirty="0" smtClean="0">
+              <a:solidFill>
+                <a:schemeClr val="tx1"/>
+              </a:solidFill>
+              <a:effectLst/>
+              <a:latin typeface="+mn-lt"/>
+              <a:ea typeface="+mn-ea"/>
+              <a:cs typeface="+mn-cs"/>
+            </a:endParaRPr>
+          </a:p>
+          <a:p>
+            <a:r>
+              <a:rPr lang="en-US" altLang="zh-CN" sz="1200" kern="1200" dirty="0" smtClean="0">
                 <a:solidFill>
                   <a:schemeClr val="tx1"/>
                 </a:solidFill>
@@ -1791,10 +3797,10 @@
                 <a:ea typeface="+mn-ea"/>
                 <a:cs typeface="+mn-cs"/>
               </a:rPr>
-              <a:t>for i905 has a little glissade compared with data training</a:t>
-            </a:r>
-            <a:r>
-              <a:rPr lang="en-US" altLang="zh-CN" sz="1200" b="0" i="0" kern="1200" baseline="0" dirty="0" smtClean="0">
+              <a:t>The second and third term are the sparsity constraints </a:t>
+            </a:r>
+            <a:r>
+              <a:rPr lang="zh-CN" altLang="zh-CN" sz="1200" kern="1200" dirty="0" smtClean="0">
                 <a:solidFill>
                   <a:schemeClr val="tx1"/>
                 </a:solidFill>
@@ -1803,10 +3809,10 @@
                 <a:ea typeface="+mn-ea"/>
                 <a:cs typeface="+mn-cs"/>
               </a:rPr>
-              <a:t> </a:t>
-            </a:r>
-            <a:r>
-              <a:rPr lang="en-US" altLang="zh-CN" sz="1200" b="0" i="0" kern="1200" dirty="0" smtClean="0">
+              <a:t>[kən'streɪnt] </a:t>
+            </a:r>
+            <a:r>
+              <a:rPr lang="en-US" altLang="zh-CN" sz="1200" kern="1200" dirty="0" smtClean="0">
                 <a:solidFill>
                   <a:schemeClr val="tx1"/>
                 </a:solidFill>
@@ -1815,12 +3821,21 @@
                 <a:ea typeface="+mn-ea"/>
                 <a:cs typeface="+mn-cs"/>
               </a:rPr>
-              <a:t>only case, the performance for i906 is improved. </a:t>
-            </a:r>
-          </a:p>
-          <a:p>
-            <a:r>
-              <a:rPr lang="en-US" altLang="zh-CN" sz="1200" b="0" i="0" kern="1200" dirty="0" smtClean="0">
+              <a:t>on neural networks.</a:t>
+            </a:r>
+            <a:endParaRPr lang="zh-CN" altLang="zh-CN" sz="1200" kern="1200" dirty="0" smtClean="0">
+              <a:solidFill>
+                <a:schemeClr val="tx1"/>
+              </a:solidFill>
+              <a:effectLst/>
+              <a:latin typeface="+mn-lt"/>
+              <a:ea typeface="+mn-ea"/>
+              <a:cs typeface="+mn-cs"/>
+            </a:endParaRPr>
+          </a:p>
+          <a:p>
+            <a:r>
+              <a:rPr lang="en-US" altLang="zh-CN" sz="1200" kern="1200" dirty="0" smtClean="0">
                 <a:solidFill>
                   <a:schemeClr val="tx1"/>
                 </a:solidFill>
@@ -1829,10 +3844,21 @@
                 <a:ea typeface="+mn-ea"/>
                 <a:cs typeface="+mn-cs"/>
               </a:rPr>
-              <a:t>4.</a:t>
-            </a:r>
-            <a:r>
-              <a:rPr lang="en-US" altLang="zh-CN" sz="1200" b="0" i="0" kern="1200" baseline="0" dirty="0" smtClean="0">
+              <a:t> </a:t>
+            </a:r>
+            <a:endParaRPr lang="zh-CN" altLang="zh-CN" sz="1200" kern="1200" dirty="0" smtClean="0">
+              <a:solidFill>
+                <a:schemeClr val="tx1"/>
+              </a:solidFill>
+              <a:effectLst/>
+              <a:latin typeface="+mn-lt"/>
+              <a:ea typeface="+mn-ea"/>
+              <a:cs typeface="+mn-cs"/>
+            </a:endParaRPr>
+          </a:p>
+          <a:p>
+            <a:r>
+              <a:rPr lang="en-US" altLang="zh-CN" sz="1200" kern="1200" dirty="0" smtClean="0">
                 <a:solidFill>
                   <a:schemeClr val="tx1"/>
                 </a:solidFill>
@@ -1841,10 +3867,21 @@
                 <a:ea typeface="+mn-ea"/>
                 <a:cs typeface="+mn-cs"/>
               </a:rPr>
-              <a:t> </a:t>
-            </a:r>
-            <a:r>
-              <a:rPr lang="en-US" altLang="zh-CN" sz="1200" b="0" i="0" kern="1200" dirty="0" smtClean="0">
+              <a:t>In this paper, we use L1-norm to promote sparse neurons activations, and constrain the L2-norm of each row of the weight matrix V to prevent any one hidden unit from having very large weights. Thus, the neural network is sparsely coded, we named it as SCFNN.</a:t>
+            </a:r>
+            <a:endParaRPr lang="zh-CN" altLang="zh-CN" sz="1200" kern="1200" dirty="0" smtClean="0">
+              <a:solidFill>
+                <a:schemeClr val="tx1"/>
+              </a:solidFill>
+              <a:effectLst/>
+              <a:latin typeface="+mn-lt"/>
+              <a:ea typeface="+mn-ea"/>
+              <a:cs typeface="+mn-cs"/>
+            </a:endParaRPr>
+          </a:p>
+          <a:p>
+            <a:r>
+              <a:rPr lang="en-US" altLang="zh-CN" sz="1200" kern="1200" dirty="0" smtClean="0">
                 <a:solidFill>
                   <a:schemeClr val="tx1"/>
                 </a:solidFill>
@@ -1853,10 +3890,21 @@
                 <a:ea typeface="+mn-ea"/>
                 <a:cs typeface="+mn-cs"/>
               </a:rPr>
-              <a:t>By mixed</a:t>
-            </a:r>
-            <a:r>
-              <a:rPr lang="en-US" altLang="zh-CN" sz="1200" b="0" i="0" kern="1200" baseline="0" dirty="0" smtClean="0">
+              <a:t> </a:t>
+            </a:r>
+            <a:endParaRPr lang="zh-CN" altLang="zh-CN" sz="1200" kern="1200" dirty="0" smtClean="0">
+              <a:solidFill>
+                <a:schemeClr val="tx1"/>
+              </a:solidFill>
+              <a:effectLst/>
+              <a:latin typeface="+mn-lt"/>
+              <a:ea typeface="+mn-ea"/>
+              <a:cs typeface="+mn-cs"/>
+            </a:endParaRPr>
+          </a:p>
+          <a:p>
+            <a:r>
+              <a:rPr lang="en-US" altLang="zh-CN" sz="1200" kern="1200" dirty="0" smtClean="0">
                 <a:solidFill>
                   <a:schemeClr val="tx1"/>
                 </a:solidFill>
@@ -1865,10 +3913,10 @@
                 <a:ea typeface="+mn-ea"/>
                 <a:cs typeface="+mn-cs"/>
               </a:rPr>
-              <a:t> </a:t>
-            </a:r>
-            <a:r>
-              <a:rPr lang="en-US" altLang="zh-CN" sz="1200" b="0" i="0" kern="1200" dirty="0" smtClean="0">
+              <a:t>By minimizing this criteria </a:t>
+            </a:r>
+            <a:r>
+              <a:rPr lang="zh-CN" altLang="zh-CN" sz="1200" kern="1200" dirty="0" smtClean="0">
                 <a:solidFill>
                   <a:schemeClr val="tx1"/>
                 </a:solidFill>
@@ -1877,12 +3925,10 @@
                 <a:ea typeface="+mn-ea"/>
                 <a:cs typeface="+mn-cs"/>
               </a:rPr>
-              <a:t>data-model training, the SCFNN classifier works well on two entirely diﬀerent SSPs. </a:t>
-            </a:r>
-          </a:p>
-          <a:p>
-            <a:r>
-              <a:rPr lang="en-US" altLang="zh-CN" sz="1200" b="0" i="0" kern="1200" dirty="0" smtClean="0">
+              <a:t>[kraɪ'tɪriən]</a:t>
+            </a:r>
+            <a:r>
+              <a:rPr lang="en-US" altLang="zh-CN" sz="1200" kern="1200" dirty="0" smtClean="0">
                 <a:solidFill>
                   <a:schemeClr val="tx1"/>
                 </a:solidFill>
@@ -1891,10 +3937,41 @@
                 <a:ea typeface="+mn-ea"/>
                 <a:cs typeface="+mn-cs"/>
               </a:rPr>
-              <a:t>5.</a:t>
-            </a:r>
-            <a:r>
-              <a:rPr lang="en-US" altLang="zh-CN" sz="1200" b="0" i="0" kern="1200" baseline="0" dirty="0" smtClean="0">
+              <a:t>, we can learn the model weights from training data and finally get a source localization prediction model.</a:t>
+            </a:r>
+            <a:endParaRPr lang="zh-CN" altLang="zh-CN" sz="1200" kern="1200" dirty="0" smtClean="0">
+              <a:solidFill>
+                <a:schemeClr val="tx1"/>
+              </a:solidFill>
+              <a:effectLst/>
+              <a:latin typeface="+mn-lt"/>
+              <a:ea typeface="+mn-ea"/>
+              <a:cs typeface="+mn-cs"/>
+            </a:endParaRPr>
+          </a:p>
+          <a:p>
+            <a:endParaRPr lang="en-US" altLang="zh-CN" dirty="0" smtClean="0"/>
+          </a:p>
+          <a:p>
+            <a:pPr marL="0" marR="0" lvl="0" indent="0" algn="l" defTabSz="914400" rtl="0" eaLnBrk="1" fontAlgn="auto" latinLnBrk="0" hangingPunct="1">
+              <a:lnSpc>
+                <a:spcPct val="100000"/>
+              </a:lnSpc>
+              <a:spcBef>
+                <a:spcPts val="0"/>
+              </a:spcBef>
+              <a:spcAft>
+                <a:spcPts val="0"/>
+              </a:spcAft>
+              <a:buClrTx/>
+              <a:buSzTx/>
+              <a:buFontTx/>
+              <a:buNone/>
+              <a:tabLst/>
+              <a:defRPr/>
+            </a:pPr>
+            <a:r>
+              <a:rPr lang="en-US" altLang="zh-CN" sz="1200" kern="1200" dirty="0" smtClean="0">
                 <a:solidFill>
                   <a:schemeClr val="tx1"/>
                 </a:solidFill>
@@ -1903,10 +3980,10 @@
                 <a:ea typeface="+mn-ea"/>
                 <a:cs typeface="+mn-cs"/>
               </a:rPr>
-              <a:t> </a:t>
-            </a:r>
-            <a:r>
-              <a:rPr lang="en-US" altLang="zh-CN" sz="1200" b="0" i="0" kern="1200" dirty="0" smtClean="0">
+              <a:t>As the maximum likelihood criterion </a:t>
+            </a:r>
+            <a:r>
+              <a:rPr lang="zh-CN" altLang="zh-CN" sz="1200" kern="1200" dirty="0" smtClean="0">
                 <a:solidFill>
                   <a:schemeClr val="tx1"/>
                 </a:solidFill>
@@ -1915,10 +3992,10 @@
                 <a:ea typeface="+mn-ea"/>
                 <a:cs typeface="+mn-cs"/>
               </a:rPr>
-              <a:t>the legend</a:t>
-            </a:r>
-            <a:r>
-              <a:rPr lang="en-US" altLang="zh-CN" sz="1200" b="0" i="0" kern="1200" baseline="0" dirty="0" smtClean="0">
+              <a:t>[kraɪ'tɪrion]</a:t>
+            </a:r>
+            <a:r>
+              <a:rPr lang="en-US" altLang="zh-CN" sz="1200" kern="1200" dirty="0" smtClean="0">
                 <a:solidFill>
                   <a:schemeClr val="tx1"/>
                 </a:solidFill>
@@ -1927,10 +4004,24 @@
                 <a:ea typeface="+mn-ea"/>
                 <a:cs typeface="+mn-cs"/>
               </a:rPr>
-              <a:t> </a:t>
-            </a:r>
-            <a:r>
-              <a:rPr lang="en-US" altLang="zh-CN" sz="1200" b="0" i="0" kern="1200" dirty="0" smtClean="0">
+              <a:t> is consistent, the model is capable of representing the training data distribution.</a:t>
+            </a:r>
+            <a:endParaRPr lang="zh-CN" altLang="zh-CN" sz="1200" kern="1200" dirty="0" smtClean="0">
+              <a:solidFill>
+                <a:schemeClr val="tx1"/>
+              </a:solidFill>
+              <a:effectLst/>
+              <a:latin typeface="+mn-lt"/>
+              <a:ea typeface="+mn-ea"/>
+              <a:cs typeface="+mn-cs"/>
+            </a:endParaRPr>
+          </a:p>
+          <a:p>
+            <a:endParaRPr lang="en-US" altLang="zh-CN" dirty="0" smtClean="0"/>
+          </a:p>
+          <a:p>
+            <a:r>
+              <a:rPr lang="en-US" altLang="zh-CN" sz="1200" kern="1200" dirty="0" smtClean="0">
                 <a:solidFill>
                   <a:schemeClr val="tx1"/>
                 </a:solidFill>
@@ -1939,10 +4030,21 @@
                 <a:ea typeface="+mn-ea"/>
                 <a:cs typeface="+mn-cs"/>
               </a:rPr>
-              <a:t>‘i905,combined’ means the model is trained by mixed data,</a:t>
-            </a:r>
-            <a:r>
-              <a:rPr lang="en-US" altLang="zh-CN" sz="1200" b="0" i="0" kern="1200" baseline="0" dirty="0" smtClean="0">
+              <a:t>The model accuracy is defined as the percentage of accurately predicted samples.</a:t>
+            </a:r>
+            <a:endParaRPr lang="zh-CN" altLang="zh-CN" sz="1200" kern="1200" dirty="0" smtClean="0">
+              <a:solidFill>
+                <a:schemeClr val="tx1"/>
+              </a:solidFill>
+              <a:effectLst/>
+              <a:latin typeface="+mn-lt"/>
+              <a:ea typeface="+mn-ea"/>
+              <a:cs typeface="+mn-cs"/>
+            </a:endParaRPr>
+          </a:p>
+          <a:p>
+            <a:r>
+              <a:rPr lang="en-US" altLang="zh-CN" sz="1200" kern="1200" dirty="0" smtClean="0">
                 <a:solidFill>
                   <a:schemeClr val="tx1"/>
                 </a:solidFill>
@@ -1951,10 +4053,10 @@
                 <a:ea typeface="+mn-ea"/>
                 <a:cs typeface="+mn-cs"/>
               </a:rPr>
-              <a:t> </a:t>
-            </a:r>
-            <a:r>
-              <a:rPr lang="en-US" altLang="zh-CN" sz="1200" b="0" i="0" kern="1200" dirty="0" smtClean="0">
+              <a:t>In this equation, tn is the label of data xn (x subscript </a:t>
+            </a:r>
+            <a:r>
+              <a:rPr lang="zh-CN" altLang="zh-CN" sz="1200" kern="1200" dirty="0" smtClean="0">
                 <a:solidFill>
                   <a:schemeClr val="tx1"/>
                 </a:solidFill>
@@ -1963,15 +4065,54 @@
                 <a:ea typeface="+mn-ea"/>
                 <a:cs typeface="+mn-cs"/>
               </a:rPr>
-              <a:t>and then tested on ssp-i905.</a:t>
-            </a:r>
-            <a:r>
-              <a:rPr lang="en-US" altLang="zh-CN" dirty="0" smtClean="0"/>
-              <a:t> </a:t>
-            </a:r>
-            <a:br>
-              <a:rPr lang="en-US" altLang="zh-CN" dirty="0" smtClean="0"/>
-            </a:br>
+              <a:t>['sʌbskrɪpt] </a:t>
+            </a:r>
+            <a:r>
+              <a:rPr lang="en-US" altLang="zh-CN" sz="1200" kern="1200" dirty="0" smtClean="0">
+                <a:solidFill>
+                  <a:schemeClr val="tx1"/>
+                </a:solidFill>
+                <a:effectLst/>
+                <a:latin typeface="+mn-lt"/>
+                <a:ea typeface="+mn-ea"/>
+                <a:cs typeface="+mn-cs"/>
+              </a:rPr>
+              <a:t>n ). The upper case N is the number of test samples.</a:t>
+            </a:r>
+            <a:endParaRPr lang="zh-CN" altLang="zh-CN" sz="1200" kern="1200" dirty="0" smtClean="0">
+              <a:solidFill>
+                <a:schemeClr val="tx1"/>
+              </a:solidFill>
+              <a:effectLst/>
+              <a:latin typeface="+mn-lt"/>
+              <a:ea typeface="+mn-ea"/>
+              <a:cs typeface="+mn-cs"/>
+            </a:endParaRPr>
+          </a:p>
+          <a:p>
+            <a:r>
+              <a:rPr lang="en-US" altLang="zh-CN" sz="1200" kern="1200" dirty="0" smtClean="0">
+                <a:solidFill>
+                  <a:schemeClr val="tx1"/>
+                </a:solidFill>
+                <a:effectLst/>
+                <a:latin typeface="+mn-lt"/>
+                <a:ea typeface="+mn-ea"/>
+                <a:cs typeface="+mn-cs"/>
+              </a:rPr>
+              <a:t> </a:t>
+            </a:r>
+            <a:endParaRPr lang="zh-CN" altLang="zh-CN" sz="1200" kern="1200" dirty="0" smtClean="0">
+              <a:solidFill>
+                <a:schemeClr val="tx1"/>
+              </a:solidFill>
+              <a:effectLst/>
+              <a:latin typeface="+mn-lt"/>
+              <a:ea typeface="+mn-ea"/>
+              <a:cs typeface="+mn-cs"/>
+            </a:endParaRPr>
+          </a:p>
+          <a:p>
             <a:endParaRPr lang="zh-CN" altLang="en-US" dirty="0"/>
           </a:p>
         </p:txBody>
@@ -1993,7 +4134,7 @@
           <a:p>
             <a:fld id="{907F34D5-E4BE-4E94-974F-96F8937DECE5}" type="slidenum">
               <a:rPr lang="zh-CN" altLang="en-US" smtClean="0"/>
-              <a:t>14</a:t>
+              <a:t>7</a:t>
             </a:fld>
             <a:endParaRPr lang="zh-CN" altLang="en-US"/>
           </a:p>
@@ -2002,7 +4143,7 @@
     </p:spTree>
     <p:extLst>
       <p:ext uri="{BB962C8B-B14F-4D97-AF65-F5344CB8AC3E}">
-        <p14:creationId xmlns:p14="http://schemas.microsoft.com/office/powerpoint/2010/main" val="2890006155"/>
+        <p14:creationId xmlns:p14="http://schemas.microsoft.com/office/powerpoint/2010/main" val="4186264672"/>
       </p:ext>
     </p:extLst>
   </p:cSld>
@@ -2057,7 +4198,7 @@
           <a:lstStyle/>
           <a:p>
             <a:r>
-              <a:rPr lang="en-US" altLang="zh-CN" sz="1200" b="0" i="0" kern="1200" dirty="0" smtClean="0">
+              <a:rPr lang="en-US" altLang="zh-CN" sz="1200" kern="1200" dirty="0" smtClean="0">
                 <a:solidFill>
                   <a:schemeClr val="tx1"/>
                 </a:solidFill>
@@ -2066,10 +4207,21 @@
                 <a:ea typeface="+mn-ea"/>
                 <a:cs typeface="+mn-cs"/>
               </a:rPr>
-              <a:t>1. we propose a method that can help reduce the</a:t>
-            </a:r>
-            <a:r>
-              <a:rPr lang="en-US" altLang="zh-CN" sz="1200" b="0" i="0" kern="1200" baseline="0" dirty="0" smtClean="0">
+              <a:t>Here are two picture introduced SWell96-Ex test, conducted in a shallow water waveguide environment with depth of 216 m. </a:t>
+            </a:r>
+            <a:endParaRPr lang="zh-CN" altLang="zh-CN" sz="1200" kern="1200" dirty="0" smtClean="0">
+              <a:solidFill>
+                <a:schemeClr val="tx1"/>
+              </a:solidFill>
+              <a:effectLst/>
+              <a:latin typeface="+mn-lt"/>
+              <a:ea typeface="+mn-ea"/>
+              <a:cs typeface="+mn-cs"/>
+            </a:endParaRPr>
+          </a:p>
+          <a:p>
+            <a:r>
+              <a:rPr lang="en-US" altLang="zh-CN" sz="1200" kern="1200" dirty="0" smtClean="0">
                 <a:solidFill>
                   <a:schemeClr val="tx1"/>
                 </a:solidFill>
@@ -2078,10 +4230,21 @@
                 <a:ea typeface="+mn-ea"/>
                 <a:cs typeface="+mn-cs"/>
               </a:rPr>
-              <a:t> </a:t>
-            </a:r>
-            <a:r>
-              <a:rPr lang="en-US" altLang="zh-CN" sz="1200" b="0" i="0" kern="1200" dirty="0" smtClean="0">
+              <a:t> </a:t>
+            </a:r>
+            <a:endParaRPr lang="zh-CN" altLang="zh-CN" sz="1200" kern="1200" dirty="0" smtClean="0">
+              <a:solidFill>
+                <a:schemeClr val="tx1"/>
+              </a:solidFill>
+              <a:effectLst/>
+              <a:latin typeface="+mn-lt"/>
+              <a:ea typeface="+mn-ea"/>
+              <a:cs typeface="+mn-cs"/>
+            </a:endParaRPr>
+          </a:p>
+          <a:p>
+            <a:r>
+              <a:rPr lang="en-US" altLang="zh-CN" sz="1200" kern="1200" dirty="0" smtClean="0">
                 <a:solidFill>
                   <a:schemeClr val="tx1"/>
                 </a:solidFill>
@@ -2090,12 +4253,21 @@
                 <a:ea typeface="+mn-ea"/>
                 <a:cs typeface="+mn-cs"/>
               </a:rPr>
-              <a:t>mismatch problem in matched-field source localization, </a:t>
-            </a:r>
-          </a:p>
-          <a:p>
-            <a:r>
-              <a:rPr lang="en-US" altLang="zh-CN" sz="1200" b="0" i="0" kern="1200" dirty="0" smtClean="0">
+              <a:t>During the experiment, two moving sound sources are deployed in field, including a deep source (J-15) and a shallow source (J-13).</a:t>
+            </a:r>
+            <a:endParaRPr lang="zh-CN" altLang="zh-CN" sz="1200" kern="1200" dirty="0" smtClean="0">
+              <a:solidFill>
+                <a:schemeClr val="tx1"/>
+              </a:solidFill>
+              <a:effectLst/>
+              <a:latin typeface="+mn-lt"/>
+              <a:ea typeface="+mn-ea"/>
+              <a:cs typeface="+mn-cs"/>
+            </a:endParaRPr>
+          </a:p>
+          <a:p>
+            <a:r>
+              <a:rPr lang="en-US" altLang="zh-CN" sz="1200" kern="1200" dirty="0" smtClean="0">
                 <a:solidFill>
                   <a:schemeClr val="tx1"/>
                 </a:solidFill>
@@ -2104,10 +4276,21 @@
                 <a:ea typeface="+mn-ea"/>
                 <a:cs typeface="+mn-cs"/>
               </a:rPr>
-              <a:t>   by</a:t>
-            </a:r>
-            <a:r>
-              <a:rPr lang="en-US" altLang="zh-CN" sz="1200" b="0" i="0" kern="1200" baseline="0" dirty="0" smtClean="0">
+              <a:t> </a:t>
+            </a:r>
+            <a:endParaRPr lang="zh-CN" altLang="zh-CN" sz="1200" kern="1200" dirty="0" smtClean="0">
+              <a:solidFill>
+                <a:schemeClr val="tx1"/>
+              </a:solidFill>
+              <a:effectLst/>
+              <a:latin typeface="+mn-lt"/>
+              <a:ea typeface="+mn-ea"/>
+              <a:cs typeface="+mn-cs"/>
+            </a:endParaRPr>
+          </a:p>
+          <a:p>
+            <a:r>
+              <a:rPr lang="en-US" altLang="zh-CN" sz="1200" kern="1200" dirty="0" smtClean="0">
                 <a:solidFill>
                   <a:schemeClr val="tx1"/>
                 </a:solidFill>
@@ -2116,10 +4299,21 @@
                 <a:ea typeface="+mn-ea"/>
                 <a:cs typeface="+mn-cs"/>
               </a:rPr>
-              <a:t> </a:t>
-            </a:r>
-            <a:r>
-              <a:rPr lang="en-US" altLang="zh-CN" sz="1200" b="0" i="0" kern="1200" dirty="0" smtClean="0">
+              <a:t>The source ship (R/V Sproul) started its track south of all of the arrays and proceeded northward at a speed of 5 knots (2.5 m/s), as Fig. (b) shows.</a:t>
+            </a:r>
+            <a:endParaRPr lang="zh-CN" altLang="zh-CN" sz="1200" kern="1200" dirty="0" smtClean="0">
+              <a:solidFill>
+                <a:schemeClr val="tx1"/>
+              </a:solidFill>
+              <a:effectLst/>
+              <a:latin typeface="+mn-lt"/>
+              <a:ea typeface="+mn-ea"/>
+              <a:cs typeface="+mn-cs"/>
+            </a:endParaRPr>
+          </a:p>
+          <a:p>
+            <a:r>
+              <a:rPr lang="en-US" altLang="zh-CN" sz="1200" kern="1200" dirty="0" smtClean="0">
                 <a:solidFill>
                   <a:schemeClr val="tx1"/>
                 </a:solidFill>
@@ -2128,18 +4322,21 @@
                 <a:ea typeface="+mn-ea"/>
                 <a:cs typeface="+mn-cs"/>
               </a:rPr>
-              <a:t>using a sparsely-coded feed-forward neural network(SCFNN),</a:t>
-            </a:r>
-            <a:r>
-              <a:rPr lang="en-US" altLang="zh-CN" dirty="0" smtClean="0"/>
-              <a:t> </a:t>
-            </a:r>
-            <a:r>
-              <a:rPr lang="en-US" altLang="zh-CN" baseline="0" dirty="0" smtClean="0"/>
-              <a:t> </a:t>
-            </a:r>
-            <a:r>
-              <a:rPr lang="en-US" altLang="zh-CN" sz="1200" b="0" i="0" kern="1200" dirty="0" smtClean="0">
+              <a:t> </a:t>
+            </a:r>
+            <a:endParaRPr lang="zh-CN" altLang="zh-CN" sz="1200" kern="1200" dirty="0" smtClean="0">
+              <a:solidFill>
+                <a:schemeClr val="tx1"/>
+              </a:solidFill>
+              <a:effectLst/>
+              <a:latin typeface="+mn-lt"/>
+              <a:ea typeface="+mn-ea"/>
+              <a:cs typeface="+mn-cs"/>
+            </a:endParaRPr>
+          </a:p>
+          <a:p>
+            <a:r>
+              <a:rPr lang="en-US" altLang="zh-CN" sz="1200" kern="1200" dirty="0" smtClean="0">
                 <a:solidFill>
                   <a:schemeClr val="tx1"/>
                 </a:solidFill>
@@ -2148,12 +4345,21 @@
                 <a:ea typeface="+mn-ea"/>
                 <a:cs typeface="+mn-cs"/>
               </a:rPr>
-              <a:t>combined with data-model mixed training. </a:t>
-            </a:r>
-          </a:p>
-          <a:p>
-            <a:r>
-              <a:rPr lang="en-US" altLang="zh-CN" sz="1200" b="0" i="0" kern="1200" dirty="0" smtClean="0">
+              <a:t>The number of vertical array elements is 21, other specific deployment parameters are shown in Fig. (a).</a:t>
+            </a:r>
+            <a:endParaRPr lang="zh-CN" altLang="zh-CN" sz="1200" kern="1200" dirty="0" smtClean="0">
+              <a:solidFill>
+                <a:schemeClr val="tx1"/>
+              </a:solidFill>
+              <a:effectLst/>
+              <a:latin typeface="+mn-lt"/>
+              <a:ea typeface="+mn-ea"/>
+              <a:cs typeface="+mn-cs"/>
+            </a:endParaRPr>
+          </a:p>
+          <a:p>
+            <a:r>
+              <a:rPr lang="en-US" altLang="zh-CN" sz="1200" kern="1200" dirty="0" smtClean="0">
                 <a:solidFill>
                   <a:schemeClr val="tx1"/>
                 </a:solidFill>
@@ -2162,10 +4368,21 @@
                 <a:ea typeface="+mn-ea"/>
                 <a:cs typeface="+mn-cs"/>
               </a:rPr>
-              <a:t>2. The proposal is</a:t>
-            </a:r>
-            <a:r>
-              <a:rPr lang="en-US" altLang="zh-CN" sz="1200" b="0" i="0" kern="1200" baseline="0" dirty="0" smtClean="0">
+              <a:t> </a:t>
+            </a:r>
+            <a:endParaRPr lang="zh-CN" altLang="zh-CN" sz="1200" kern="1200" dirty="0" smtClean="0">
+              <a:solidFill>
+                <a:schemeClr val="tx1"/>
+              </a:solidFill>
+              <a:effectLst/>
+              <a:latin typeface="+mn-lt"/>
+              <a:ea typeface="+mn-ea"/>
+              <a:cs typeface="+mn-cs"/>
+            </a:endParaRPr>
+          </a:p>
+          <a:p>
+            <a:r>
+              <a:rPr lang="en-US" altLang="zh-CN" sz="1200" kern="1200" dirty="0" smtClean="0">
                 <a:solidFill>
                   <a:schemeClr val="tx1"/>
                 </a:solidFill>
@@ -2174,326 +4391,19 @@
                 <a:ea typeface="+mn-ea"/>
                 <a:cs typeface="+mn-cs"/>
               </a:rPr>
-              <a:t> </a:t>
-            </a:r>
-            <a:r>
-              <a:rPr lang="en-US" altLang="zh-CN" sz="1200" b="0" i="0" kern="1200" dirty="0" smtClean="0">
-                <a:solidFill>
-                  <a:schemeClr val="tx1"/>
-                </a:solidFill>
-                <a:effectLst/>
-                <a:latin typeface="+mn-lt"/>
-                <a:ea typeface="+mn-ea"/>
-                <a:cs typeface="+mn-cs"/>
-              </a:rPr>
-              <a:t>examined on SWellEx-96 experiment. </a:t>
-            </a:r>
-          </a:p>
-          <a:p>
-            <a:r>
-              <a:rPr lang="en-US" altLang="zh-CN" sz="1200" b="0" i="0" kern="1200" dirty="0" smtClean="0">
-                <a:solidFill>
-                  <a:schemeClr val="tx1"/>
-                </a:solidFill>
-                <a:effectLst/>
-                <a:latin typeface="+mn-lt"/>
-                <a:ea typeface="+mn-ea"/>
-                <a:cs typeface="+mn-cs"/>
-              </a:rPr>
-              <a:t>    To be specific, we firstly train and test a prediction model on the experimental data,</a:t>
-            </a:r>
-            <a:r>
-              <a:rPr lang="en-US" altLang="zh-CN" sz="1200" b="0" i="0" kern="1200" baseline="0" dirty="0" smtClean="0">
-                <a:solidFill>
-                  <a:schemeClr val="tx1"/>
-                </a:solidFill>
-                <a:effectLst/>
-                <a:latin typeface="+mn-lt"/>
-                <a:ea typeface="+mn-ea"/>
-                <a:cs typeface="+mn-cs"/>
-              </a:rPr>
-              <a:t> </a:t>
-            </a:r>
-            <a:r>
-              <a:rPr lang="en-US" altLang="zh-CN" sz="1200" b="0" i="0" kern="1200" dirty="0" smtClean="0">
-                <a:solidFill>
-                  <a:schemeClr val="tx1"/>
-                </a:solidFill>
-                <a:effectLst/>
-                <a:latin typeface="+mn-lt"/>
-                <a:ea typeface="+mn-ea"/>
-                <a:cs typeface="+mn-cs"/>
-              </a:rPr>
-              <a:t>and confirm that the SCFNN works well on source localization. </a:t>
-            </a:r>
-          </a:p>
-          <a:p>
-            <a:r>
-              <a:rPr lang="en-US" altLang="zh-CN" sz="1200" b="0" i="0" kern="1200" dirty="0" smtClean="0">
-                <a:solidFill>
-                  <a:schemeClr val="tx1"/>
-                </a:solidFill>
-                <a:effectLst/>
-                <a:latin typeface="+mn-lt"/>
-                <a:ea typeface="+mn-ea"/>
-                <a:cs typeface="+mn-cs"/>
-              </a:rPr>
-              <a:t>    Then, the inﬂuence of SSP mismatch on the SCFNN</a:t>
-            </a:r>
-            <a:r>
-              <a:rPr lang="en-US" altLang="zh-CN" sz="1200" b="0" i="0" kern="1200" baseline="0" dirty="0" smtClean="0">
-                <a:solidFill>
-                  <a:schemeClr val="tx1"/>
-                </a:solidFill>
-                <a:effectLst/>
-                <a:latin typeface="+mn-lt"/>
-                <a:ea typeface="+mn-ea"/>
-                <a:cs typeface="+mn-cs"/>
-              </a:rPr>
-              <a:t> </a:t>
-            </a:r>
-            <a:r>
-              <a:rPr lang="en-US" altLang="zh-CN" sz="1200" b="0" i="0" kern="1200" dirty="0" smtClean="0">
-                <a:solidFill>
-                  <a:schemeClr val="tx1"/>
-                </a:solidFill>
-                <a:effectLst/>
-                <a:latin typeface="+mn-lt"/>
-                <a:ea typeface="+mn-ea"/>
-                <a:cs typeface="+mn-cs"/>
-              </a:rPr>
-              <a:t>classifier is investigated by simulations. </a:t>
-            </a:r>
-          </a:p>
-          <a:p>
-            <a:r>
-              <a:rPr lang="en-US" altLang="zh-CN" sz="1200" b="0" i="0" kern="1200" dirty="0" smtClean="0">
-                <a:solidFill>
-                  <a:schemeClr val="tx1"/>
-                </a:solidFill>
-                <a:effectLst/>
-                <a:latin typeface="+mn-lt"/>
-                <a:ea typeface="+mn-ea"/>
-                <a:cs typeface="+mn-cs"/>
-              </a:rPr>
-              <a:t>    Finally, we train the</a:t>
-            </a:r>
-            <a:r>
-              <a:rPr lang="en-US" altLang="zh-CN" sz="1200" b="0" i="0" kern="1200" baseline="0" dirty="0" smtClean="0">
-                <a:solidFill>
-                  <a:schemeClr val="tx1"/>
-                </a:solidFill>
-                <a:effectLst/>
-                <a:latin typeface="+mn-lt"/>
-                <a:ea typeface="+mn-ea"/>
-                <a:cs typeface="+mn-cs"/>
-              </a:rPr>
-              <a:t> </a:t>
-            </a:r>
-            <a:r>
-              <a:rPr lang="en-US" altLang="zh-CN" sz="1200" b="0" i="0" kern="1200" dirty="0" smtClean="0">
-                <a:solidFill>
-                  <a:schemeClr val="tx1"/>
-                </a:solidFill>
-                <a:effectLst/>
-                <a:latin typeface="+mn-lt"/>
-                <a:ea typeface="+mn-ea"/>
-                <a:cs typeface="+mn-cs"/>
-              </a:rPr>
-              <a:t>SCFNN with mixed environment model data. It can be seen</a:t>
-            </a:r>
-            <a:r>
-              <a:rPr lang="en-US" altLang="zh-CN" sz="1200" b="0" i="0" kern="1200" baseline="0" dirty="0" smtClean="0">
-                <a:solidFill>
-                  <a:schemeClr val="tx1"/>
-                </a:solidFill>
-                <a:effectLst/>
-                <a:latin typeface="+mn-lt"/>
-                <a:ea typeface="+mn-ea"/>
-                <a:cs typeface="+mn-cs"/>
-              </a:rPr>
-              <a:t> </a:t>
-            </a:r>
-            <a:r>
-              <a:rPr lang="en-US" altLang="zh-CN" sz="1200" b="0" i="0" kern="1200" dirty="0" smtClean="0">
-                <a:solidFill>
-                  <a:schemeClr val="tx1"/>
-                </a:solidFill>
-                <a:effectLst/>
-                <a:latin typeface="+mn-lt"/>
-                <a:ea typeface="+mn-ea"/>
-                <a:cs typeface="+mn-cs"/>
-              </a:rPr>
-              <a:t>that the model robustness is significantly improved and the</a:t>
-            </a:r>
-            <a:r>
-              <a:rPr lang="en-US" altLang="zh-CN" sz="1200" b="0" i="0" kern="1200" baseline="0" dirty="0" smtClean="0">
-                <a:solidFill>
-                  <a:schemeClr val="tx1"/>
-                </a:solidFill>
-                <a:effectLst/>
-                <a:latin typeface="+mn-lt"/>
-                <a:ea typeface="+mn-ea"/>
-                <a:cs typeface="+mn-cs"/>
-              </a:rPr>
-              <a:t> </a:t>
-            </a:r>
-            <a:r>
-              <a:rPr lang="en-US" altLang="zh-CN" sz="1200" b="0" i="0" kern="1200" dirty="0" smtClean="0">
-                <a:solidFill>
-                  <a:schemeClr val="tx1"/>
-                </a:solidFill>
-                <a:effectLst/>
-                <a:latin typeface="+mn-lt"/>
-                <a:ea typeface="+mn-ea"/>
-                <a:cs typeface="+mn-cs"/>
-              </a:rPr>
-              <a:t>trained classifier performs well on varying SSP environments.</a:t>
-            </a:r>
-            <a:r>
-              <a:rPr lang="en-US" altLang="zh-CN" dirty="0" smtClean="0"/>
-              <a:t> </a:t>
-            </a:r>
-          </a:p>
-          <a:p>
-            <a:pPr marL="0" indent="0">
-              <a:buNone/>
-            </a:pPr>
-            <a:r>
-              <a:rPr lang="en-US" altLang="zh-CN" dirty="0" smtClean="0"/>
-              <a:t>3.</a:t>
-            </a:r>
-            <a:r>
-              <a:rPr lang="en-US" altLang="zh-CN" baseline="0" dirty="0" smtClean="0"/>
-              <a:t> </a:t>
-            </a:r>
-            <a:r>
-              <a:rPr lang="en-US" altLang="zh-CN" sz="1200" b="0" i="0" kern="1200" dirty="0" smtClean="0">
-                <a:solidFill>
-                  <a:schemeClr val="tx1"/>
-                </a:solidFill>
-                <a:effectLst/>
-                <a:latin typeface="+mn-lt"/>
-                <a:ea typeface="+mn-ea"/>
-                <a:cs typeface="+mn-cs"/>
-              </a:rPr>
-              <a:t>The discussions on applying machine learning methods</a:t>
-            </a:r>
-            <a:r>
-              <a:rPr lang="en-US" altLang="zh-CN" sz="1200" b="0" i="0" kern="1200" baseline="0" dirty="0" smtClean="0">
-                <a:solidFill>
-                  <a:schemeClr val="tx1"/>
-                </a:solidFill>
-                <a:effectLst/>
-                <a:latin typeface="+mn-lt"/>
-                <a:ea typeface="+mn-ea"/>
-                <a:cs typeface="+mn-cs"/>
-              </a:rPr>
-              <a:t> </a:t>
-            </a:r>
-            <a:r>
-              <a:rPr lang="en-US" altLang="zh-CN" sz="1200" b="0" i="0" kern="1200" dirty="0" smtClean="0">
-                <a:solidFill>
-                  <a:schemeClr val="tx1"/>
-                </a:solidFill>
-                <a:effectLst/>
-                <a:latin typeface="+mn-lt"/>
-                <a:ea typeface="+mn-ea"/>
-                <a:cs typeface="+mn-cs"/>
-              </a:rPr>
-              <a:t>to overcome mismatch problem in underwater source localization are preliminary and only a fine-tuned FNN is used. </a:t>
-            </a:r>
-          </a:p>
-          <a:p>
-            <a:pPr marL="0" indent="0">
-              <a:buNone/>
-            </a:pPr>
-            <a:r>
-              <a:rPr lang="en-US" altLang="zh-CN" sz="1200" b="0" i="0" kern="1200" baseline="0" dirty="0" smtClean="0">
-                <a:solidFill>
-                  <a:schemeClr val="tx1"/>
-                </a:solidFill>
-                <a:effectLst/>
-                <a:latin typeface="+mn-lt"/>
-                <a:ea typeface="+mn-ea"/>
-                <a:cs typeface="+mn-cs"/>
-              </a:rPr>
-              <a:t>    </a:t>
-            </a:r>
-            <a:r>
-              <a:rPr lang="en-US" altLang="zh-CN" sz="1200" b="0" i="0" kern="1200" dirty="0" smtClean="0">
-                <a:solidFill>
-                  <a:schemeClr val="tx1"/>
-                </a:solidFill>
-                <a:effectLst/>
-                <a:latin typeface="+mn-lt"/>
-                <a:ea typeface="+mn-ea"/>
-                <a:cs typeface="+mn-cs"/>
-              </a:rPr>
-              <a:t>Machine learning has potential advantages in</a:t>
-            </a:r>
-            <a:r>
-              <a:rPr lang="en-US" altLang="zh-CN" sz="1200" b="0" i="0" kern="1200" baseline="0" dirty="0" smtClean="0">
-                <a:solidFill>
-                  <a:schemeClr val="tx1"/>
-                </a:solidFill>
-                <a:effectLst/>
-                <a:latin typeface="+mn-lt"/>
-                <a:ea typeface="+mn-ea"/>
-                <a:cs typeface="+mn-cs"/>
-              </a:rPr>
-              <a:t> </a:t>
-            </a:r>
-            <a:r>
-              <a:rPr lang="en-US" altLang="zh-CN" sz="1200" b="0" i="0" kern="1200" dirty="0" smtClean="0">
-                <a:solidFill>
-                  <a:schemeClr val="tx1"/>
-                </a:solidFill>
-                <a:effectLst/>
-                <a:latin typeface="+mn-lt"/>
-                <a:ea typeface="+mn-ea"/>
-                <a:cs typeface="+mn-cs"/>
-              </a:rPr>
-              <a:t>unstable underwater acoustic environment and thus deserves</a:t>
-            </a:r>
-            <a:r>
-              <a:rPr lang="en-US" altLang="zh-CN" sz="1200" b="0" i="0" kern="1200" baseline="0" dirty="0" smtClean="0">
-                <a:solidFill>
-                  <a:schemeClr val="tx1"/>
-                </a:solidFill>
-                <a:effectLst/>
-                <a:latin typeface="+mn-lt"/>
-                <a:ea typeface="+mn-ea"/>
-                <a:cs typeface="+mn-cs"/>
-              </a:rPr>
-              <a:t> </a:t>
-            </a:r>
-            <a:r>
-              <a:rPr lang="en-US" altLang="zh-CN" sz="1200" b="0" i="0" kern="1200" dirty="0" smtClean="0">
-                <a:solidFill>
-                  <a:schemeClr val="tx1"/>
-                </a:solidFill>
-                <a:effectLst/>
-                <a:latin typeface="+mn-lt"/>
-                <a:ea typeface="+mn-ea"/>
-                <a:cs typeface="+mn-cs"/>
-              </a:rPr>
-              <a:t>more further eﬀorts.</a:t>
-            </a:r>
-            <a:r>
-              <a:rPr lang="en-US" altLang="zh-CN" dirty="0" smtClean="0"/>
-              <a:t> </a:t>
-            </a:r>
-            <a:br>
-              <a:rPr lang="en-US" altLang="zh-CN" dirty="0" smtClean="0"/>
-            </a:br>
-            <a:r>
-              <a:rPr lang="en-US" altLang="zh-CN" dirty="0" smtClean="0"/>
-              <a:t/>
-            </a:r>
-            <a:br>
-              <a:rPr lang="en-US" altLang="zh-CN" dirty="0" smtClean="0"/>
-            </a:br>
+              <a:t>In all of our discussions, the shallow sound source is used, which was towed about 9 m in depth and emitted with 9 frequencies between 109 Hz and 385 Hz. </a:t>
+            </a:r>
+            <a:endParaRPr lang="zh-CN" altLang="zh-CN" sz="1200" kern="1200" dirty="0" smtClean="0">
+              <a:solidFill>
+                <a:schemeClr val="tx1"/>
+              </a:solidFill>
+              <a:effectLst/>
+              <a:latin typeface="+mn-lt"/>
+              <a:ea typeface="+mn-ea"/>
+              <a:cs typeface="+mn-cs"/>
+            </a:endParaRPr>
+          </a:p>
+          <a:p>
             <a:endParaRPr lang="zh-CN" altLang="en-US" dirty="0"/>
           </a:p>
         </p:txBody>
@@ -2515,7 +4425,7 @@
           <a:p>
             <a:fld id="{907F34D5-E4BE-4E94-974F-96F8937DECE5}" type="slidenum">
               <a:rPr lang="zh-CN" altLang="en-US" smtClean="0"/>
-              <a:t>15</a:t>
+              <a:t>8</a:t>
             </a:fld>
             <a:endParaRPr lang="zh-CN" altLang="en-US"/>
           </a:p>
@@ -2524,7 +4434,7 @@
     </p:spTree>
     <p:extLst>
       <p:ext uri="{BB962C8B-B14F-4D97-AF65-F5344CB8AC3E}">
-        <p14:creationId xmlns:p14="http://schemas.microsoft.com/office/powerpoint/2010/main" val="2066414261"/>
+        <p14:creationId xmlns:p14="http://schemas.microsoft.com/office/powerpoint/2010/main" val="1844956996"/>
       </p:ext>
     </p:extLst>
   </p:cSld>
@@ -2578,11 +4488,8 @@
           <a:bodyPr/>
           <a:lstStyle/>
           <a:p>
-            <a:pPr marL="228600" indent="-228600">
-              <a:buAutoNum type="arabicPeriod"/>
-            </a:pPr>
-            <a:r>
-              <a:rPr lang="en-US" altLang="zh-CN" sz="1200" b="0" i="0" kern="1200" dirty="0" smtClean="0">
+            <a:r>
+              <a:rPr lang="en-US" altLang="zh-CN" sz="1200" kern="1200" dirty="0" smtClean="0">
                 <a:solidFill>
                   <a:schemeClr val="tx1"/>
                 </a:solidFill>
@@ -2591,250 +4498,9 @@
                 <a:ea typeface="+mn-ea"/>
                 <a:cs typeface="+mn-cs"/>
               </a:rPr>
-              <a:t>I believe that</a:t>
-            </a:r>
-            <a:r>
-              <a:rPr lang="en-US" altLang="zh-CN" sz="1200" b="0" i="0" kern="1200" baseline="0" dirty="0" smtClean="0">
-                <a:solidFill>
-                  <a:schemeClr val="tx1"/>
-                </a:solidFill>
-                <a:effectLst/>
-                <a:latin typeface="+mn-lt"/>
-                <a:ea typeface="+mn-ea"/>
-                <a:cs typeface="+mn-cs"/>
-              </a:rPr>
-              <a:t> </a:t>
-            </a:r>
-            <a:r>
-              <a:rPr lang="en-US" altLang="zh-CN" sz="1200" b="0" i="0" kern="1200" dirty="0" smtClean="0">
-                <a:solidFill>
-                  <a:schemeClr val="tx1"/>
-                </a:solidFill>
-                <a:effectLst/>
-                <a:latin typeface="+mn-lt"/>
-                <a:ea typeface="+mn-ea"/>
-                <a:cs typeface="+mn-cs"/>
-              </a:rPr>
-              <a:t>carefully implemented machine learning techniques can have in </a:t>
-            </a:r>
-            <a:br>
-              <a:rPr lang="en-US" altLang="zh-CN" sz="1200" b="0" i="0" kern="1200" dirty="0" smtClean="0">
-                <a:solidFill>
-                  <a:schemeClr val="tx1"/>
-                </a:solidFill>
-                <a:effectLst/>
-                <a:latin typeface="+mn-lt"/>
-                <a:ea typeface="+mn-ea"/>
-                <a:cs typeface="+mn-cs"/>
-              </a:rPr>
-            </a:br>
-            <a:r>
-              <a:rPr lang="en-US" altLang="zh-CN" sz="1200" b="0" i="0" kern="1200" dirty="0" smtClean="0">
-                <a:solidFill>
-                  <a:schemeClr val="tx1"/>
-                </a:solidFill>
-                <a:effectLst/>
-                <a:latin typeface="+mn-lt"/>
-                <a:ea typeface="+mn-ea"/>
-                <a:cs typeface="+mn-cs"/>
-              </a:rPr>
-              <a:t>helping to characterize and to better understand natural systems and the physical </a:t>
-            </a:r>
-            <a:br>
-              <a:rPr lang="en-US" altLang="zh-CN" sz="1200" b="0" i="0" kern="1200" dirty="0" smtClean="0">
-                <a:solidFill>
-                  <a:schemeClr val="tx1"/>
-                </a:solidFill>
-                <a:effectLst/>
-                <a:latin typeface="+mn-lt"/>
-                <a:ea typeface="+mn-ea"/>
-                <a:cs typeface="+mn-cs"/>
-              </a:rPr>
-            </a:br>
-            <a:r>
-              <a:rPr lang="en-US" altLang="zh-CN" sz="1200" b="0" i="0" kern="1200" dirty="0" smtClean="0">
-                <a:solidFill>
-                  <a:schemeClr val="tx1"/>
-                </a:solidFill>
-                <a:effectLst/>
-                <a:latin typeface="+mn-lt"/>
-                <a:ea typeface="+mn-ea"/>
-                <a:cs typeface="+mn-cs"/>
-              </a:rPr>
-              <a:t>mechanisms that drive them</a:t>
-            </a:r>
-            <a:r>
-              <a:rPr lang="en-US" altLang="zh-CN" i="0" dirty="0" smtClean="0"/>
-              <a:t> </a:t>
-            </a:r>
-          </a:p>
-          <a:p>
-            <a:pPr marL="228600" indent="-228600">
-              <a:buAutoNum type="arabicPeriod"/>
-            </a:pPr>
-            <a:r>
-              <a:rPr lang="en-US" altLang="zh-CN" sz="1200" dirty="0" smtClean="0"/>
-              <a:t>We</a:t>
-            </a:r>
-            <a:r>
-              <a:rPr lang="en-US" altLang="zh-CN" sz="1200" baseline="0" dirty="0" smtClean="0"/>
-              <a:t> plan to </a:t>
-            </a:r>
-            <a:r>
-              <a:rPr lang="en-US" altLang="zh-CN" sz="1200" dirty="0" smtClean="0"/>
-              <a:t>train</a:t>
-            </a:r>
-            <a:r>
-              <a:rPr lang="en-US" altLang="zh-CN" sz="1200" baseline="0" dirty="0" smtClean="0"/>
-              <a:t> </a:t>
-            </a:r>
-            <a:r>
-              <a:rPr lang="en-US" altLang="zh-CN" sz="1200" dirty="0" smtClean="0"/>
-              <a:t>a sparse representation model</a:t>
-            </a:r>
-            <a:r>
-              <a:rPr lang="en-US" altLang="zh-CN" sz="1200" b="0" i="0" kern="1200" dirty="0" smtClean="0">
-                <a:solidFill>
-                  <a:schemeClr val="tx1"/>
-                </a:solidFill>
-                <a:effectLst/>
-                <a:latin typeface="+mn-lt"/>
-                <a:ea typeface="+mn-ea"/>
-                <a:cs typeface="+mn-cs"/>
-              </a:rPr>
-              <a:t>. The learned feature space spans data (SCM) space</a:t>
-            </a:r>
-            <a:br>
-              <a:rPr lang="en-US" altLang="zh-CN" sz="1200" b="0" i="0" kern="1200" dirty="0" smtClean="0">
-                <a:solidFill>
-                  <a:schemeClr val="tx1"/>
-                </a:solidFill>
-                <a:effectLst/>
-                <a:latin typeface="+mn-lt"/>
-                <a:ea typeface="+mn-ea"/>
-                <a:cs typeface="+mn-cs"/>
-              </a:rPr>
-            </a:br>
-            <a:r>
-              <a:rPr lang="en-US" altLang="zh-CN" sz="1200" b="0" i="0" kern="1200" dirty="0" smtClean="0">
-                <a:solidFill>
-                  <a:schemeClr val="tx1"/>
-                </a:solidFill>
-                <a:effectLst/>
-                <a:latin typeface="+mn-lt"/>
-                <a:ea typeface="+mn-ea"/>
-                <a:cs typeface="+mn-cs"/>
-              </a:rPr>
-              <a:t>likelihood that few basis functions.</a:t>
-            </a:r>
-            <a:r>
-              <a:rPr lang="en-US" altLang="zh-CN" sz="1200" b="0" i="0" kern="1200" baseline="0" dirty="0" smtClean="0">
-                <a:solidFill>
-                  <a:schemeClr val="tx1"/>
-                </a:solidFill>
-                <a:effectLst/>
-                <a:latin typeface="+mn-lt"/>
-                <a:ea typeface="+mn-ea"/>
-                <a:cs typeface="+mn-cs"/>
-              </a:rPr>
-              <a:t> Try to explain how the SCFNN works and how does the model robustness improved?</a:t>
-            </a:r>
-          </a:p>
-          <a:p>
-            <a:pPr marL="228600" indent="-228600">
-              <a:buAutoNum type="arabicPeriod"/>
-            </a:pPr>
-            <a:r>
-              <a:rPr lang="en-US" altLang="zh-CN" sz="1200" b="0" i="0" kern="1200" dirty="0" smtClean="0">
-                <a:solidFill>
-                  <a:schemeClr val="tx1"/>
-                </a:solidFill>
-                <a:effectLst/>
-                <a:latin typeface="+mn-lt"/>
-                <a:ea typeface="+mn-ea"/>
-                <a:cs typeface="+mn-cs"/>
-              </a:rPr>
-              <a:t>By now, In our example, the input 1323-elements</a:t>
-            </a:r>
-            <a:r>
-              <a:rPr lang="en-US" altLang="zh-CN" sz="1200" b="0" i="0" kern="1200" baseline="0" dirty="0" smtClean="0">
-                <a:solidFill>
-                  <a:schemeClr val="tx1"/>
-                </a:solidFill>
-                <a:effectLst/>
-                <a:latin typeface="+mn-lt"/>
-                <a:ea typeface="+mn-ea"/>
-                <a:cs typeface="+mn-cs"/>
-              </a:rPr>
-              <a:t> </a:t>
-            </a:r>
-            <a:r>
-              <a:rPr lang="en-US" altLang="zh-CN" sz="1200" b="0" i="0" kern="1200" dirty="0" smtClean="0">
-                <a:solidFill>
-                  <a:schemeClr val="tx1"/>
-                </a:solidFill>
-                <a:effectLst/>
-                <a:latin typeface="+mn-lt"/>
-                <a:ea typeface="+mn-ea"/>
-                <a:cs typeface="+mn-cs"/>
-              </a:rPr>
-              <a:t>SCM data space can be spanned by the 740 feature vectors,</a:t>
-            </a:r>
-            <a:br>
-              <a:rPr lang="en-US" altLang="zh-CN" sz="1200" b="0" i="0" kern="1200" dirty="0" smtClean="0">
-                <a:solidFill>
-                  <a:schemeClr val="tx1"/>
-                </a:solidFill>
-                <a:effectLst/>
-                <a:latin typeface="+mn-lt"/>
-                <a:ea typeface="+mn-ea"/>
-                <a:cs typeface="+mn-cs"/>
-              </a:rPr>
-            </a:br>
-            <a:r>
-              <a:rPr lang="en-US" altLang="zh-CN" sz="1200" b="0" i="0" kern="1200" dirty="0" smtClean="0">
-                <a:solidFill>
-                  <a:schemeClr val="tx1"/>
-                </a:solidFill>
-                <a:effectLst/>
-                <a:latin typeface="+mn-lt"/>
-                <a:ea typeface="+mn-ea"/>
-                <a:cs typeface="+mn-cs"/>
-              </a:rPr>
-              <a:t>and averagely, each data sample can be represented by only</a:t>
-            </a:r>
-            <a:r>
-              <a:rPr lang="en-US" altLang="zh-CN" sz="1200" b="0" i="0" kern="1200" baseline="0" dirty="0" smtClean="0">
-                <a:solidFill>
-                  <a:schemeClr val="tx1"/>
-                </a:solidFill>
-                <a:effectLst/>
-                <a:latin typeface="+mn-lt"/>
-                <a:ea typeface="+mn-ea"/>
-                <a:cs typeface="+mn-cs"/>
-              </a:rPr>
-              <a:t> </a:t>
-            </a:r>
-            <a:r>
-              <a:rPr lang="en-US" altLang="zh-CN" sz="1200" b="0" i="0" kern="1200" dirty="0" smtClean="0">
-                <a:solidFill>
-                  <a:schemeClr val="tx1"/>
-                </a:solidFill>
-                <a:effectLst/>
-                <a:latin typeface="+mn-lt"/>
-                <a:ea typeface="+mn-ea"/>
-                <a:cs typeface="+mn-cs"/>
-              </a:rPr>
-              <a:t>16 features.</a:t>
-            </a:r>
-            <a:r>
-              <a:rPr lang="en-US" altLang="zh-CN" dirty="0" smtClean="0"/>
-              <a:t> </a:t>
-            </a:r>
-            <a:br>
-              <a:rPr lang="en-US" altLang="zh-CN" dirty="0" smtClean="0"/>
-            </a:br>
-            <a:endParaRPr lang="en-US" altLang="zh-CN" sz="1200" b="0" i="0" kern="1200" baseline="0" dirty="0" smtClean="0">
+              <a:t>In this part, the proposed model is tested on experimental data, and compared with two methods denoted as Bartlett and MCE, Bartlett use the measured pressure to match with a replica field computed by a numerical propagation model, while, MCE matches the covariance. Note that, there are two kinds of replica-field used in the Bartlett processor, one is simulated by Kraken (noted as Bartlett 2), the other is the measurement data (noted as Bartlett 1), same as the training data used in SCFNN.</a:t>
+            </a:r>
+            <a:endParaRPr lang="zh-CN" altLang="zh-CN" sz="1200" kern="1200" dirty="0" smtClean="0">
               <a:solidFill>
                 <a:schemeClr val="tx1"/>
               </a:solidFill>
@@ -2845,11 +4511,8 @@
             </a:endParaRPr>
           </a:p>
           <a:p>
-            <a:pPr marL="0" indent="0">
-              <a:buNone/>
-            </a:pPr>
-            <a:r>
-              <a:rPr lang="en-US" altLang="zh-CN" sz="1200" b="0" i="0" kern="1200" baseline="0" dirty="0" smtClean="0">
+            <a:r>
+              <a:rPr lang="en-US" altLang="zh-CN" sz="1200" kern="1200" dirty="0" smtClean="0">
                 <a:solidFill>
                   <a:schemeClr val="tx1"/>
                 </a:solidFill>
@@ -2858,10 +4521,21 @@
                 <a:ea typeface="+mn-ea"/>
                 <a:cs typeface="+mn-cs"/>
               </a:rPr>
-              <a:t>      </a:t>
-            </a:r>
-            <a:r>
-              <a:rPr lang="en-US" altLang="zh-CN" sz="1200" b="0" i="0" kern="1200" dirty="0" smtClean="0">
+              <a:t> </a:t>
+            </a:r>
+            <a:endParaRPr lang="zh-CN" altLang="zh-CN" sz="1200" kern="1200" dirty="0" smtClean="0">
+              <a:solidFill>
+                <a:schemeClr val="tx1"/>
+              </a:solidFill>
+              <a:effectLst/>
+              <a:latin typeface="+mn-lt"/>
+              <a:ea typeface="+mn-ea"/>
+              <a:cs typeface="+mn-cs"/>
+            </a:endParaRPr>
+          </a:p>
+          <a:p>
+            <a:r>
+              <a:rPr lang="en-US" altLang="zh-CN" sz="1200" kern="1200" dirty="0" smtClean="0">
                 <a:solidFill>
                   <a:schemeClr val="tx1"/>
                 </a:solidFill>
@@ -2870,26 +4544,19 @@
                 <a:ea typeface="+mn-ea"/>
                 <a:cs typeface="+mn-cs"/>
               </a:rPr>
-              <a:t/>
-            </a:r>
-            <a:br>
-              <a:rPr lang="en-US" altLang="zh-CN" sz="1200" b="0" i="0" kern="1200" dirty="0" smtClean="0">
-                <a:solidFill>
-                  <a:schemeClr val="tx1"/>
-                </a:solidFill>
-                <a:effectLst/>
-                <a:latin typeface="+mn-lt"/>
-                <a:ea typeface="+mn-ea"/>
-                <a:cs typeface="+mn-cs"/>
-              </a:rPr>
-            </a:br>
-            <a:r>
-              <a:rPr lang="en-US" altLang="zh-CN" dirty="0" smtClean="0"/>
-              <a:t/>
-            </a:r>
-            <a:br>
-              <a:rPr lang="en-US" altLang="zh-CN" dirty="0" smtClean="0"/>
-            </a:br>
+              <a:t>As we can see, whether using single frequency or multi-frequencies, the accuracy of SCFNN is always better than the Bartlett, and not worse than direct data match (noted as MCE),.</a:t>
+            </a:r>
+            <a:endParaRPr lang="zh-CN" altLang="zh-CN" sz="1200" kern="1200" dirty="0" smtClean="0">
+              <a:solidFill>
+                <a:schemeClr val="tx1"/>
+              </a:solidFill>
+              <a:effectLst/>
+              <a:latin typeface="+mn-lt"/>
+              <a:ea typeface="+mn-ea"/>
+              <a:cs typeface="+mn-cs"/>
+            </a:endParaRPr>
+          </a:p>
+          <a:p>
             <a:endParaRPr lang="zh-CN" altLang="en-US" dirty="0"/>
           </a:p>
         </p:txBody>
@@ -2911,7 +4578,7 @@
           <a:p>
             <a:fld id="{907F34D5-E4BE-4E94-974F-96F8937DECE5}" type="slidenum">
               <a:rPr lang="zh-CN" altLang="en-US" smtClean="0"/>
-              <a:t>16</a:t>
+              <a:t>9</a:t>
             </a:fld>
             <a:endParaRPr lang="zh-CN" altLang="en-US"/>
           </a:p>
@@ -2920,7 +4587,7 @@
     </p:spTree>
     <p:extLst>
       <p:ext uri="{BB962C8B-B14F-4D97-AF65-F5344CB8AC3E}">
-        <p14:creationId xmlns:p14="http://schemas.microsoft.com/office/powerpoint/2010/main" val="2765429624"/>
+        <p14:creationId xmlns:p14="http://schemas.microsoft.com/office/powerpoint/2010/main" val="1880041753"/>
       </p:ext>
     </p:extLst>
   </p:cSld>
@@ -5068,7 +6735,7 @@
           <p:nvPr/>
         </p:nvPicPr>
         <p:blipFill>
-          <a:blip r:embed="rId2"/>
+          <a:blip r:embed="rId3"/>
           <a:stretch>
             <a:fillRect/>
           </a:stretch>
@@ -5634,7 +7301,7 @@
           <p:nvPr/>
         </p:nvPicPr>
         <p:blipFill>
-          <a:blip r:embed="rId2">
+          <a:blip r:embed="rId3">
             <a:extLst>
               <a:ext uri="{28A0092B-C50C-407E-A947-70E740481C1C}">
                 <a14:useLocalDpi xmlns:a14="http://schemas.microsoft.com/office/drawing/2010/main" val="0"/>
@@ -9611,11 +11278,7 @@
             </a:r>
             <a:r>
               <a:rPr lang="en-US" altLang="zh-CN" sz="1600" dirty="0" smtClean="0"/>
-              <a:t>problem</a:t>
-            </a:r>
-            <a:r>
-              <a:rPr lang="en-US" altLang="zh-CN" sz="1600" dirty="0" smtClean="0"/>
-              <a:t>;</a:t>
+              <a:t>problem;</a:t>
             </a:r>
             <a:endParaRPr lang="en-US" altLang="zh-CN" sz="1600" dirty="0"/>
           </a:p>
@@ -14232,7 +15895,7 @@
           <p:nvPr/>
         </p:nvPicPr>
         <p:blipFill>
-          <a:blip r:embed="rId2">
+          <a:blip r:embed="rId3">
             <a:extLst>
               <a:ext uri="{28A0092B-C50C-407E-A947-70E740481C1C}">
                 <a14:useLocalDpi xmlns:a14="http://schemas.microsoft.com/office/drawing/2010/main" val="0"/>
@@ -14262,7 +15925,7 @@
           <p:nvPr/>
         </p:nvPicPr>
         <p:blipFill>
-          <a:blip r:embed="rId3">
+          <a:blip r:embed="rId4">
             <a:extLst>
               <a:ext uri="{28A0092B-C50C-407E-A947-70E740481C1C}">
                 <a14:useLocalDpi xmlns:a14="http://schemas.microsoft.com/office/drawing/2010/main" val="0"/>
@@ -14899,7 +16562,7 @@
           <p:nvPr/>
         </p:nvPicPr>
         <p:blipFill>
-          <a:blip r:embed="rId2"/>
+          <a:blip r:embed="rId3"/>
           <a:stretch>
             <a:fillRect/>
           </a:stretch>

--- a/Oral Presentation/Backup/wuwnet17_v1(4：3).pptx
+++ b/Oral Presentation/Backup/wuwnet17_v1(4：3).pptx
@@ -10974,26 +10974,28 @@
               </a:rPr>
             </a:br>
             <a:r>
-              <a:rPr lang="en-US" altLang="zh-CN" sz="4400" dirty="0">
+              <a:rPr lang="en-US" altLang="zh-CN" sz="4000" dirty="0">
                 <a:latin typeface="+mn-lt"/>
               </a:rPr>
               <a:t>MFP and SSP mismatch problem </a:t>
             </a:r>
-            <a:r>
-              <a:rPr lang="en-US" altLang="zh-CN" sz="4400" dirty="0"/>
+            <a:br>
+              <a:rPr lang="en-US" altLang="zh-CN" sz="4000" dirty="0">
+                <a:latin typeface="+mn-lt"/>
+              </a:rPr>
+            </a:br>
+            <a:r>
+              <a:rPr lang="en-US" altLang="zh-CN" sz="4000" dirty="0">
+                <a:latin typeface="+mn-lt"/>
+              </a:rPr>
               <a:t/>
             </a:r>
             <a:br>
-              <a:rPr lang="en-US" altLang="zh-CN" sz="4400" dirty="0"/>
+              <a:rPr lang="en-US" altLang="zh-CN" sz="4000" dirty="0">
+                <a:latin typeface="+mn-lt"/>
+              </a:rPr>
             </a:br>
-            <a:r>
-              <a:rPr lang="en-US" altLang="zh-CN" sz="4400" dirty="0"/>
-              <a:t/>
-            </a:r>
-            <a:br>
-              <a:rPr lang="en-US" altLang="zh-CN" sz="4400" dirty="0"/>
-            </a:br>
-            <a:endParaRPr lang="zh-CN" altLang="en-US" sz="4400" dirty="0">
+            <a:endParaRPr lang="zh-CN" altLang="en-US" sz="4000" dirty="0">
               <a:latin typeface="+mn-lt"/>
             </a:endParaRPr>
           </a:p>

--- a/Oral Presentation/Backup/wuwnet17_v1(4：3).pptx
+++ b/Oral Presentation/Backup/wuwnet17_v1(4：3).pptx
@@ -2923,7 +2923,7 @@
               <a:t>The hidden layer is a linear combination with input layer and then transformed using an activation function f(·). </a:t>
             </a:r>
             <a:r>
-              <a:rPr lang="en-US" altLang="zh-CN" sz="1200" u="none" strike="noStrike" kern="1200" dirty="0" smtClean="0">
+              <a:rPr lang="en-US" altLang="zh-CN" sz="1200" u="none" strike="noStrike" kern="1200" dirty="0" err="1" smtClean="0">
                 <a:solidFill>
                   <a:schemeClr val="tx1"/>
                 </a:solidFill>
@@ -2931,9 +2931,20 @@
                 <a:latin typeface="+mn-lt"/>
                 <a:ea typeface="+mn-ea"/>
                 <a:cs typeface="+mn-cs"/>
-                <a:hlinkClick r:id="rId3"/>
-              </a:rPr>
-              <a:t>ReLu </a:t>
+              </a:rPr>
+              <a:t>Relu</a:t>
+            </a:r>
+            <a:r>
+              <a:rPr lang="en-US" altLang="zh-CN" sz="1200" u="none" strike="noStrike" kern="1200" dirty="0" smtClean="0">
+                <a:solidFill>
+                  <a:schemeClr val="tx1"/>
+                </a:solidFill>
+                <a:effectLst/>
+                <a:latin typeface="+mn-lt"/>
+                <a:ea typeface="+mn-ea"/>
+                <a:cs typeface="+mn-cs"/>
+              </a:rPr>
+              <a:t> </a:t>
             </a:r>
             <a:r>
               <a:rPr lang="en-US" altLang="zh-CN" sz="1200" kern="1200" dirty="0" smtClean="0">

--- a/Oral Presentation/Backup/wuwnet17_v1(4：3).pptx
+++ b/Oral Presentation/Backup/wuwnet17_v1(4：3).pptx
@@ -3878,7 +3878,96 @@
                 <a:ea typeface="+mn-ea"/>
                 <a:cs typeface="+mn-cs"/>
               </a:rPr>
-              <a:t>In this paper, we use L1-norm to promote sparse neurons activations, and constrain the L2-norm of each row of the weight matrix V to prevent any one hidden unit from having very large weights. Thus, the neural network is sparsely coded, we named it as SCFNN.</a:t>
+              <a:t>In this paper, we use L1-norm to promote sparse neurons activations, and constrain the L2-norm of each row of the weight matrix V to prevent any one hidden unit from having very large weights. Thus, the neural network is sparsely coded, we named it as SCFNN</a:t>
+            </a:r>
+            <a:r>
+              <a:rPr lang="en-US" altLang="zh-CN" sz="1200" kern="1200" dirty="0" smtClean="0">
+                <a:solidFill>
+                  <a:schemeClr val="tx1"/>
+                </a:solidFill>
+                <a:effectLst/>
+                <a:latin typeface="+mn-lt"/>
+                <a:ea typeface="+mn-ea"/>
+                <a:cs typeface="+mn-cs"/>
+              </a:rPr>
+              <a:t>.</a:t>
+            </a:r>
+          </a:p>
+          <a:p>
+            <a:endParaRPr lang="en-US" altLang="zh-CN" sz="1200" kern="1200" dirty="0" smtClean="0">
+              <a:solidFill>
+                <a:schemeClr val="tx1"/>
+              </a:solidFill>
+              <a:effectLst/>
+              <a:latin typeface="+mn-lt"/>
+              <a:ea typeface="+mn-ea"/>
+              <a:cs typeface="+mn-cs"/>
+            </a:endParaRPr>
+          </a:p>
+          <a:p>
+            <a:r>
+              <a:rPr lang="en-US" altLang="zh-CN" sz="1200" b="0" i="0" kern="1200" dirty="0" smtClean="0">
+                <a:solidFill>
+                  <a:schemeClr val="tx1"/>
+                </a:solidFill>
+                <a:effectLst/>
+                <a:latin typeface="+mn-lt"/>
+                <a:ea typeface="+mn-ea"/>
+                <a:cs typeface="+mn-cs"/>
+              </a:rPr>
+              <a:t>A sparsely-coded neural network encodes</a:t>
+            </a:r>
+            <a:r>
+              <a:rPr lang="en-US" altLang="zh-CN" sz="1200" b="0" i="0" kern="1200" baseline="0" dirty="0" smtClean="0">
+                <a:solidFill>
+                  <a:schemeClr val="tx1"/>
+                </a:solidFill>
+                <a:effectLst/>
+                <a:latin typeface="+mn-lt"/>
+                <a:ea typeface="+mn-ea"/>
+                <a:cs typeface="+mn-cs"/>
+              </a:rPr>
+              <a:t> </a:t>
+            </a:r>
+            <a:r>
+              <a:rPr lang="en-US" altLang="zh-CN" sz="1200" b="0" i="0" kern="1200" dirty="0" smtClean="0">
+                <a:solidFill>
+                  <a:schemeClr val="tx1"/>
+                </a:solidFill>
+                <a:effectLst/>
+                <a:latin typeface="+mn-lt"/>
+                <a:ea typeface="+mn-ea"/>
+                <a:cs typeface="+mn-cs"/>
+              </a:rPr>
+              <a:t>each input data as a sparse code firstly, and then accomplish</a:t>
+            </a:r>
+            <a:r>
+              <a:rPr lang="en-US" altLang="zh-CN" sz="1200" b="0" i="0" kern="1200" baseline="0" dirty="0" smtClean="0">
+                <a:solidFill>
+                  <a:schemeClr val="tx1"/>
+                </a:solidFill>
+                <a:effectLst/>
+                <a:latin typeface="+mn-lt"/>
+                <a:ea typeface="+mn-ea"/>
+                <a:cs typeface="+mn-cs"/>
+              </a:rPr>
+              <a:t> </a:t>
+            </a:r>
+            <a:r>
+              <a:rPr lang="en-US" altLang="zh-CN" sz="1200" b="0" i="0" kern="1200" dirty="0" smtClean="0">
+                <a:solidFill>
+                  <a:schemeClr val="tx1"/>
+                </a:solidFill>
+                <a:effectLst/>
+                <a:latin typeface="+mn-lt"/>
+                <a:ea typeface="+mn-ea"/>
+                <a:cs typeface="+mn-cs"/>
+              </a:rPr>
+              <a:t>the specific task with further processing.</a:t>
+            </a:r>
+            <a:r>
+              <a:rPr lang="en-US" altLang="zh-CN" dirty="0" smtClean="0"/>
+              <a:t> </a:t>
             </a:r>
             <a:endParaRPr lang="zh-CN" altLang="zh-CN" sz="1200" kern="1200" dirty="0" smtClean="0">
               <a:solidFill>
@@ -9871,7 +9960,27 @@
             </a:r>
             <a:r>
               <a:rPr lang="en-US" altLang="zh-CN" sz="1600" dirty="0" smtClean="0"/>
-              <a:t>erform better than Bartlett, MCE methods;</a:t>
+              <a:t>erform better than Bartlett, MCE methods</a:t>
+            </a:r>
+            <a:r>
+              <a:rPr lang="en-US" altLang="zh-CN" sz="1600" dirty="0" smtClean="0"/>
+              <a:t>;</a:t>
+            </a:r>
+          </a:p>
+          <a:p>
+            <a:pPr lvl="1" eaLnBrk="1" hangingPunct="1">
+              <a:lnSpc>
+                <a:spcPct val="150000"/>
+              </a:lnSpc>
+              <a:defRPr/>
+            </a:pPr>
+            <a:r>
+              <a:rPr lang="en-US" altLang="zh-CN" sz="1600" dirty="0"/>
+              <a:t>m</a:t>
+            </a:r>
+            <a:r>
+              <a:rPr lang="en-US" altLang="zh-CN" sz="1600" dirty="0" smtClean="0"/>
+              <a:t>odel is sparse and low rank;</a:t>
             </a:r>
             <a:endParaRPr lang="en-US" altLang="zh-CN" sz="1600" dirty="0"/>
           </a:p>
@@ -11856,11 +11965,11 @@
             </a:pPr>
             <a:r>
               <a:rPr lang="en-US" altLang="zh-CN" sz="2400" dirty="0" smtClean="0"/>
-              <a:t>Neural </a:t>
+              <a:t>SCFNN based </a:t>
             </a:r>
             <a:r>
               <a:rPr lang="en-US" altLang="zh-CN" sz="2400" dirty="0"/>
-              <a:t>network based s</a:t>
+              <a:t>s</a:t>
             </a:r>
             <a:r>
               <a:rPr lang="en-US" altLang="zh-CN" sz="2400" dirty="0" smtClean="0"/>
@@ -12105,10 +12214,16 @@
               </a:rPr>
             </a:br>
             <a:r>
+              <a:rPr lang="en-US" altLang="zh-CN" sz="4000" dirty="0">
+                <a:latin typeface="+mn-lt"/>
+              </a:rPr>
+              <a:t>SCFNN based </a:t>
+            </a:r>
+            <a:r>
               <a:rPr lang="en-US" altLang="zh-CN" sz="4000" dirty="0" smtClean="0">
                 <a:latin typeface="+mn-lt"/>
               </a:rPr>
-              <a:t>Neural network based source localization</a:t>
+              <a:t>source localization</a:t>
             </a:r>
             <a:r>
               <a:rPr lang="en-US" altLang="zh-CN" sz="4000" dirty="0"/>
@@ -13421,10 +13536,16 @@
               </a:rPr>
             </a:br>
             <a:r>
+              <a:rPr lang="en-US" altLang="zh-CN" sz="4000" dirty="0">
+                <a:latin typeface="+mn-lt"/>
+              </a:rPr>
+              <a:t>SCFNN based </a:t>
+            </a:r>
+            <a:r>
               <a:rPr lang="en-US" altLang="zh-CN" sz="4000" dirty="0" smtClean="0">
                 <a:latin typeface="+mn-lt"/>
               </a:rPr>
-              <a:t>Neural network based source localization</a:t>
+              <a:t>source localization</a:t>
             </a:r>
             <a:r>
               <a:rPr lang="en-US" altLang="zh-CN" sz="4000" dirty="0"/>
@@ -14002,10 +14123,22 @@
               </a:rPr>
             </a:br>
             <a:r>
+              <a:rPr lang="en-US" altLang="zh-CN" sz="4000" dirty="0">
+                <a:latin typeface="+mn-lt"/>
+              </a:rPr>
+              <a:t>SCFNN</a:t>
+            </a:r>
+            <a:r>
+              <a:rPr lang="en-US" altLang="zh-CN" sz="4000" dirty="0">
+                <a:latin typeface="+mn-lt"/>
+              </a:rPr>
+              <a:t> based </a:t>
+            </a:r>
+            <a:r>
               <a:rPr lang="en-US" altLang="zh-CN" sz="4000" dirty="0" smtClean="0">
                 <a:latin typeface="+mn-lt"/>
               </a:rPr>
-              <a:t>Neural network based source localization</a:t>
+              <a:t>source localization</a:t>
             </a:r>
             <a:r>
               <a:rPr lang="en-US" altLang="zh-CN" sz="4000" dirty="0"/>
@@ -14720,10 +14853,16 @@
               </a:rPr>
             </a:br>
             <a:r>
+              <a:rPr lang="en-US" altLang="zh-CN" sz="4000" dirty="0">
+                <a:latin typeface="+mn-lt"/>
+              </a:rPr>
+              <a:t>SCFNN based </a:t>
+            </a:r>
+            <a:r>
               <a:rPr lang="en-US" altLang="zh-CN" sz="4000" dirty="0" smtClean="0">
                 <a:latin typeface="+mn-lt"/>
               </a:rPr>
-              <a:t>Neural network based source localization</a:t>
+              <a:t>source localization</a:t>
             </a:r>
             <a:r>
               <a:rPr lang="en-US" altLang="zh-CN" sz="4000" dirty="0"/>
